--- a/EPPS 6356 Final Presentation.pptx
+++ b/EPPS 6356 Final Presentation.pptx
@@ -1,48 +1,48 @@
 
 <file path=ppt/presentation.xml><?xml version="1.0" encoding="utf-8"?>
-<p:presentation xmlns:a="http://schemas.openxmlformats.org/drawingml/2006/main" xmlns:r="http://schemas.openxmlformats.org/officeDocument/2006/relationships" xmlns:mc="http://schemas.openxmlformats.org/markup-compatibility/2006" xmlns:mv="urn:schemas-microsoft-com:mac:vml" xmlns:p="http://schemas.openxmlformats.org/presentationml/2006/main" xmlns:c="http://schemas.openxmlformats.org/drawingml/2006/chart" xmlns:dgm="http://schemas.openxmlformats.org/drawingml/2006/diagram" xmlns:o="urn:schemas-microsoft-com:office:office" xmlns:v="urn:schemas-microsoft-com:vml" xmlns:pvml="urn:schemas-microsoft-com:office:powerpoint" xmlns:com="http://schemas.openxmlformats.org/drawingml/2006/compatibility" xmlns:p14="http://schemas.microsoft.com/office/powerpoint/2010/main" xmlns:p15="http://schemas.microsoft.com/office/powerpoint/2012/main" xmlns:ahyp="http://schemas.microsoft.com/office/drawing/2018/hyperlinkcolor" autoCompressPictures="0" embedTrueTypeFonts="1" strictFirstAndLastChars="0" saveSubsetFonts="1">
+<p:presentation xmlns:a="http://schemas.openxmlformats.org/drawingml/2006/main" xmlns:r="http://schemas.openxmlformats.org/officeDocument/2006/relationships" xmlns:p="http://schemas.openxmlformats.org/presentationml/2006/main" strictFirstAndLastChars="0" embedTrueTypeFonts="1" saveSubsetFonts="1" autoCompressPictures="0">
   <p:sldMasterIdLst>
-    <p:sldMasterId id="2147483659" r:id="rId4"/>
+    <p:sldMasterId id="2147483659" r:id="rId1"/>
   </p:sldMasterIdLst>
   <p:notesMasterIdLst>
-    <p:notesMasterId r:id="rId5"/>
+    <p:notesMasterId r:id="rId16"/>
   </p:notesMasterIdLst>
   <p:sldIdLst>
-    <p:sldId id="256" r:id="rId6"/>
-    <p:sldId id="257" r:id="rId7"/>
-    <p:sldId id="258" r:id="rId8"/>
-    <p:sldId id="259" r:id="rId9"/>
-    <p:sldId id="260" r:id="rId10"/>
-    <p:sldId id="261" r:id="rId11"/>
-    <p:sldId id="262" r:id="rId12"/>
-    <p:sldId id="263" r:id="rId13"/>
-    <p:sldId id="264" r:id="rId14"/>
-    <p:sldId id="265" r:id="rId15"/>
-    <p:sldId id="266" r:id="rId16"/>
-    <p:sldId id="267" r:id="rId17"/>
-    <p:sldId id="268" r:id="rId18"/>
-    <p:sldId id="269" r:id="rId19"/>
+    <p:sldId id="256" r:id="rId2"/>
+    <p:sldId id="257" r:id="rId3"/>
+    <p:sldId id="258" r:id="rId4"/>
+    <p:sldId id="259" r:id="rId5"/>
+    <p:sldId id="260" r:id="rId6"/>
+    <p:sldId id="261" r:id="rId7"/>
+    <p:sldId id="262" r:id="rId8"/>
+    <p:sldId id="263" r:id="rId9"/>
+    <p:sldId id="264" r:id="rId10"/>
+    <p:sldId id="265" r:id="rId11"/>
+    <p:sldId id="266" r:id="rId12"/>
+    <p:sldId id="267" r:id="rId13"/>
+    <p:sldId id="268" r:id="rId14"/>
+    <p:sldId id="269" r:id="rId15"/>
   </p:sldIdLst>
-  <p:sldSz cy="5143500" cx="9144000"/>
+  <p:sldSz cx="9144000" cy="5143500" type="screen16x9"/>
   <p:notesSz cx="6858000" cy="9144000"/>
   <p:embeddedFontLst>
     <p:embeddedFont>
-      <p:font typeface="Roboto"/>
-      <p:regular r:id="rId20"/>
-      <p:bold r:id="rId21"/>
-      <p:italic r:id="rId22"/>
-      <p:boldItalic r:id="rId23"/>
+      <p:font typeface="Merriweather" pitchFamily="2" charset="77"/>
+      <p:regular r:id="rId17"/>
+      <p:bold r:id="rId18"/>
+      <p:italic r:id="rId19"/>
+      <p:boldItalic r:id="rId20"/>
     </p:embeddedFont>
     <p:embeddedFont>
-      <p:font typeface="Merriweather"/>
-      <p:regular r:id="rId24"/>
-      <p:bold r:id="rId25"/>
-      <p:italic r:id="rId26"/>
-      <p:boldItalic r:id="rId27"/>
+      <p:font typeface="Roboto" panose="02000000000000000000" pitchFamily="2" charset="0"/>
+      <p:regular r:id="rId21"/>
+      <p:bold r:id="rId22"/>
+      <p:italic r:id="rId23"/>
+      <p:boldItalic r:id="rId24"/>
     </p:embeddedFont>
   </p:embeddedFontLst>
   <p:defaultTextStyle>
-    <a:defPPr lvl="0" marR="0" rtl="0" algn="l">
+    <a:defPPr marR="0" lvl="0" algn="l" rtl="0">
       <a:lnSpc>
         <a:spcPct val="100000"/>
       </a:lnSpc>
@@ -53,7 +53,7 @@
         <a:spcPts val="0"/>
       </a:spcAft>
     </a:defPPr>
-    <a:lvl1pPr lvl="0" marR="0" rtl="0" algn="l">
+    <a:lvl1pPr marR="0" lvl="0" algn="l" rtl="0">
       <a:lnSpc>
         <a:spcPct val="100000"/>
       </a:lnSpc>
@@ -67,7 +67,7 @@
         <a:srgbClr val="000000"/>
       </a:buClr>
       <a:buFont typeface="Arial"/>
-      <a:defRPr b="0" i="0" sz="1400" u="none" cap="none" strike="noStrike">
+      <a:defRPr sz="1400" b="0" i="0" u="none" strike="noStrike" cap="none">
         <a:solidFill>
           <a:srgbClr val="000000"/>
         </a:solidFill>
@@ -77,7 +77,7 @@
         <a:sym typeface="Arial"/>
       </a:defRPr>
     </a:lvl1pPr>
-    <a:lvl2pPr lvl="1" marR="0" rtl="0" algn="l">
+    <a:lvl2pPr marR="0" lvl="1" algn="l" rtl="0">
       <a:lnSpc>
         <a:spcPct val="100000"/>
       </a:lnSpc>
@@ -91,7 +91,7 @@
         <a:srgbClr val="000000"/>
       </a:buClr>
       <a:buFont typeface="Arial"/>
-      <a:defRPr b="0" i="0" sz="1400" u="none" cap="none" strike="noStrike">
+      <a:defRPr sz="1400" b="0" i="0" u="none" strike="noStrike" cap="none">
         <a:solidFill>
           <a:srgbClr val="000000"/>
         </a:solidFill>
@@ -101,7 +101,7 @@
         <a:sym typeface="Arial"/>
       </a:defRPr>
     </a:lvl2pPr>
-    <a:lvl3pPr lvl="2" marR="0" rtl="0" algn="l">
+    <a:lvl3pPr marR="0" lvl="2" algn="l" rtl="0">
       <a:lnSpc>
         <a:spcPct val="100000"/>
       </a:lnSpc>
@@ -115,7 +115,7 @@
         <a:srgbClr val="000000"/>
       </a:buClr>
       <a:buFont typeface="Arial"/>
-      <a:defRPr b="0" i="0" sz="1400" u="none" cap="none" strike="noStrike">
+      <a:defRPr sz="1400" b="0" i="0" u="none" strike="noStrike" cap="none">
         <a:solidFill>
           <a:srgbClr val="000000"/>
         </a:solidFill>
@@ -125,7 +125,7 @@
         <a:sym typeface="Arial"/>
       </a:defRPr>
     </a:lvl3pPr>
-    <a:lvl4pPr lvl="3" marR="0" rtl="0" algn="l">
+    <a:lvl4pPr marR="0" lvl="3" algn="l" rtl="0">
       <a:lnSpc>
         <a:spcPct val="100000"/>
       </a:lnSpc>
@@ -139,7 +139,7 @@
         <a:srgbClr val="000000"/>
       </a:buClr>
       <a:buFont typeface="Arial"/>
-      <a:defRPr b="0" i="0" sz="1400" u="none" cap="none" strike="noStrike">
+      <a:defRPr sz="1400" b="0" i="0" u="none" strike="noStrike" cap="none">
         <a:solidFill>
           <a:srgbClr val="000000"/>
         </a:solidFill>
@@ -149,7 +149,7 @@
         <a:sym typeface="Arial"/>
       </a:defRPr>
     </a:lvl4pPr>
-    <a:lvl5pPr lvl="4" marR="0" rtl="0" algn="l">
+    <a:lvl5pPr marR="0" lvl="4" algn="l" rtl="0">
       <a:lnSpc>
         <a:spcPct val="100000"/>
       </a:lnSpc>
@@ -163,7 +163,7 @@
         <a:srgbClr val="000000"/>
       </a:buClr>
       <a:buFont typeface="Arial"/>
-      <a:defRPr b="0" i="0" sz="1400" u="none" cap="none" strike="noStrike">
+      <a:defRPr sz="1400" b="0" i="0" u="none" strike="noStrike" cap="none">
         <a:solidFill>
           <a:srgbClr val="000000"/>
         </a:solidFill>
@@ -173,7 +173,7 @@
         <a:sym typeface="Arial"/>
       </a:defRPr>
     </a:lvl5pPr>
-    <a:lvl6pPr lvl="5" marR="0" rtl="0" algn="l">
+    <a:lvl6pPr marR="0" lvl="5" algn="l" rtl="0">
       <a:lnSpc>
         <a:spcPct val="100000"/>
       </a:lnSpc>
@@ -187,7 +187,7 @@
         <a:srgbClr val="000000"/>
       </a:buClr>
       <a:buFont typeface="Arial"/>
-      <a:defRPr b="0" i="0" sz="1400" u="none" cap="none" strike="noStrike">
+      <a:defRPr sz="1400" b="0" i="0" u="none" strike="noStrike" cap="none">
         <a:solidFill>
           <a:srgbClr val="000000"/>
         </a:solidFill>
@@ -197,7 +197,7 @@
         <a:sym typeface="Arial"/>
       </a:defRPr>
     </a:lvl6pPr>
-    <a:lvl7pPr lvl="6" marR="0" rtl="0" algn="l">
+    <a:lvl7pPr marR="0" lvl="6" algn="l" rtl="0">
       <a:lnSpc>
         <a:spcPct val="100000"/>
       </a:lnSpc>
@@ -211,7 +211,7 @@
         <a:srgbClr val="000000"/>
       </a:buClr>
       <a:buFont typeface="Arial"/>
-      <a:defRPr b="0" i="0" sz="1400" u="none" cap="none" strike="noStrike">
+      <a:defRPr sz="1400" b="0" i="0" u="none" strike="noStrike" cap="none">
         <a:solidFill>
           <a:srgbClr val="000000"/>
         </a:solidFill>
@@ -221,7 +221,7 @@
         <a:sym typeface="Arial"/>
       </a:defRPr>
     </a:lvl7pPr>
-    <a:lvl8pPr lvl="7" marR="0" rtl="0" algn="l">
+    <a:lvl8pPr marR="0" lvl="7" algn="l" rtl="0">
       <a:lnSpc>
         <a:spcPct val="100000"/>
       </a:lnSpc>
@@ -235,7 +235,7 @@
         <a:srgbClr val="000000"/>
       </a:buClr>
       <a:buFont typeface="Arial"/>
-      <a:defRPr b="0" i="0" sz="1400" u="none" cap="none" strike="noStrike">
+      <a:defRPr sz="1400" b="0" i="0" u="none" strike="noStrike" cap="none">
         <a:solidFill>
           <a:srgbClr val="000000"/>
         </a:solidFill>
@@ -245,7 +245,7 @@
         <a:sym typeface="Arial"/>
       </a:defRPr>
     </a:lvl8pPr>
-    <a:lvl9pPr lvl="8" marR="0" rtl="0" algn="l">
+    <a:lvl9pPr marR="0" lvl="8" algn="l" rtl="0">
       <a:lnSpc>
         <a:spcPct val="100000"/>
       </a:lnSpc>
@@ -259,7 +259,7 @@
         <a:srgbClr val="000000"/>
       </a:buClr>
       <a:buFont typeface="Arial"/>
-      <a:defRPr b="0" i="0" sz="1400" u="none" cap="none" strike="noStrike">
+      <a:defRPr sz="1400" b="0" i="0" u="none" strike="noStrike" cap="none">
         <a:solidFill>
           <a:srgbClr val="000000"/>
         </a:solidFill>
@@ -272,7 +272,7 @@
   </p:defaultTextStyle>
   <p:extLst>
     <p:ext uri="{EFAFB233-063F-42B5-8137-9DF3F51BA10A}">
-      <p15:sldGuideLst>
+      <p15:sldGuideLst xmlns:p15="http://schemas.microsoft.com/office/powerpoint/2012/main">
         <p15:guide id="1" orient="horz" pos="1620">
           <p15:clr>
             <a:srgbClr val="747775"/>
@@ -290,11 +290,16 @@
 </file>
 
 <file path=ppt/notesMasters/notesMaster1.xml><?xml version="1.0" encoding="utf-8"?>
-<p:notesMaster xmlns:a="http://schemas.openxmlformats.org/drawingml/2006/main" xmlns:r="http://schemas.openxmlformats.org/officeDocument/2006/relationships" xmlns:mc="http://schemas.openxmlformats.org/markup-compatibility/2006" xmlns:mv="urn:schemas-microsoft-com:mac:vml" xmlns:p="http://schemas.openxmlformats.org/presentationml/2006/main" xmlns:c="http://schemas.openxmlformats.org/drawingml/2006/chart" xmlns:dgm="http://schemas.openxmlformats.org/drawingml/2006/diagram" xmlns:o="urn:schemas-microsoft-com:office:office" xmlns:v="urn:schemas-microsoft-com:vml" xmlns:pvml="urn:schemas-microsoft-com:office:powerpoint" xmlns:com="http://schemas.openxmlformats.org/drawingml/2006/compatibility" xmlns:p14="http://schemas.microsoft.com/office/powerpoint/2010/main" xmlns:p15="http://schemas.microsoft.com/office/powerpoint/2012/main" xmlns:ahyp="http://schemas.microsoft.com/office/drawing/2018/hyperlinkcolor">
+<p:notesMaster xmlns:a="http://schemas.openxmlformats.org/drawingml/2006/main" xmlns:r="http://schemas.openxmlformats.org/officeDocument/2006/relationships" xmlns:p="http://schemas.openxmlformats.org/presentationml/2006/main">
   <p:cSld>
+    <p:bg>
+      <p:bgRef idx="1001">
+        <a:schemeClr val="bg1"/>
+      </p:bgRef>
+    </p:bg>
     <p:spTree>
       <p:nvGrpSpPr>
-        <p:cNvPr id="2" name="Shape 2"/>
+        <p:cNvPr id="1" name="Shape 2"/>
         <p:cNvGrpSpPr/>
         <p:nvPr/>
       </p:nvGrpSpPr>
@@ -309,9 +314,11 @@
       <p:sp>
         <p:nvSpPr>
           <p:cNvPr id="3" name="Google Shape;3;n"/>
-          <p:cNvSpPr/>
+          <p:cNvSpPr>
+            <a:spLocks noGrp="1" noRot="1" noChangeAspect="1"/>
+          </p:cNvSpPr>
           <p:nvPr>
-            <p:ph idx="2" type="sldImg"/>
+            <p:ph type="sldImg" idx="2"/>
           </p:nvPr>
         </p:nvSpPr>
         <p:spPr>
@@ -320,9 +327,13 @@
             <a:ext cx="6096075" cy="3429000"/>
           </a:xfrm>
           <a:custGeom>
-            <a:rect b="b" l="l" r="r" t="t"/>
+            <a:avLst/>
+            <a:gdLst/>
+            <a:ahLst/>
+            <a:cxnLst/>
+            <a:rect l="l" t="t" r="r" b="b"/>
             <a:pathLst>
-              <a:path extrusionOk="0" h="120000" w="120000">
+              <a:path w="120000" h="120000" extrusionOk="0">
                 <a:moveTo>
                   <a:pt x="0" y="0"/>
                 </a:moveTo>
@@ -340,23 +351,25 @@
             </a:pathLst>
           </a:custGeom>
           <a:noFill/>
-          <a:ln cap="flat" cmpd="sng" w="9525">
+          <a:ln w="9525" cap="flat" cmpd="sng">
             <a:solidFill>
               <a:srgbClr val="000000"/>
             </a:solidFill>
             <a:prstDash val="solid"/>
             <a:round/>
-            <a:headEnd len="sm" w="sm" type="none"/>
-            <a:tailEnd len="sm" w="sm" type="none"/>
+            <a:headEnd type="none" w="sm" len="sm"/>
+            <a:tailEnd type="none" w="sm" len="sm"/>
           </a:ln>
         </p:spPr>
       </p:sp>
       <p:sp>
         <p:nvSpPr>
           <p:cNvPr id="4" name="Google Shape;4;n"/>
-          <p:cNvSpPr txBox="1"/>
+          <p:cNvSpPr txBox="1">
+            <a:spLocks noGrp="1"/>
+          </p:cNvSpPr>
           <p:nvPr>
-            <p:ph idx="1" type="body"/>
+            <p:ph type="body" idx="1"/>
           </p:nvPr>
         </p:nvSpPr>
         <p:spPr>
@@ -373,11 +386,11 @@
           </a:ln>
         </p:spPr>
         <p:txBody>
-          <a:bodyPr anchorCtr="0" anchor="t" bIns="91425" lIns="91425" spcFirstLastPara="1" rIns="91425" wrap="square" tIns="91425">
+          <a:bodyPr spcFirstLastPara="1" wrap="square" lIns="91425" tIns="91425" rIns="91425" bIns="91425" anchor="t" anchorCtr="0">
             <a:noAutofit/>
           </a:bodyPr>
           <a:lstStyle>
-            <a:lvl1pPr indent="-298450" lvl="0" marL="457200">
+            <a:lvl1pPr marL="457200" lvl="0" indent="-298450">
               <a:spcBef>
                 <a:spcPts val="0"/>
               </a:spcBef>
@@ -388,7 +401,7 @@
               <a:buChar char="●"/>
               <a:defRPr sz="1100"/>
             </a:lvl1pPr>
-            <a:lvl2pPr indent="-298450" lvl="1" marL="914400">
+            <a:lvl2pPr marL="914400" lvl="1" indent="-298450">
               <a:spcBef>
                 <a:spcPts val="0"/>
               </a:spcBef>
@@ -399,7 +412,7 @@
               <a:buChar char="○"/>
               <a:defRPr sz="1100"/>
             </a:lvl2pPr>
-            <a:lvl3pPr indent="-298450" lvl="2" marL="1371600">
+            <a:lvl3pPr marL="1371600" lvl="2" indent="-298450">
               <a:spcBef>
                 <a:spcPts val="0"/>
               </a:spcBef>
@@ -410,7 +423,7 @@
               <a:buChar char="■"/>
               <a:defRPr sz="1100"/>
             </a:lvl3pPr>
-            <a:lvl4pPr indent="-298450" lvl="3" marL="1828800">
+            <a:lvl4pPr marL="1828800" lvl="3" indent="-298450">
               <a:spcBef>
                 <a:spcPts val="0"/>
               </a:spcBef>
@@ -421,7 +434,7 @@
               <a:buChar char="●"/>
               <a:defRPr sz="1100"/>
             </a:lvl4pPr>
-            <a:lvl5pPr indent="-298450" lvl="4" marL="2286000">
+            <a:lvl5pPr marL="2286000" lvl="4" indent="-298450">
               <a:spcBef>
                 <a:spcPts val="0"/>
               </a:spcBef>
@@ -432,7 +445,7 @@
               <a:buChar char="○"/>
               <a:defRPr sz="1100"/>
             </a:lvl5pPr>
-            <a:lvl6pPr indent="-298450" lvl="5" marL="2743200">
+            <a:lvl6pPr marL="2743200" lvl="5" indent="-298450">
               <a:spcBef>
                 <a:spcPts val="0"/>
               </a:spcBef>
@@ -443,7 +456,7 @@
               <a:buChar char="■"/>
               <a:defRPr sz="1100"/>
             </a:lvl6pPr>
-            <a:lvl7pPr indent="-298450" lvl="6" marL="3200400">
+            <a:lvl7pPr marL="3200400" lvl="6" indent="-298450">
               <a:spcBef>
                 <a:spcPts val="0"/>
               </a:spcBef>
@@ -454,7 +467,7 @@
               <a:buChar char="●"/>
               <a:defRPr sz="1100"/>
             </a:lvl7pPr>
-            <a:lvl8pPr indent="-298450" lvl="7" marL="3657600">
+            <a:lvl8pPr marL="3657600" lvl="7" indent="-298450">
               <a:spcBef>
                 <a:spcPts val="0"/>
               </a:spcBef>
@@ -465,7 +478,7 @@
               <a:buChar char="○"/>
               <a:defRPr sz="1100"/>
             </a:lvl8pPr>
-            <a:lvl9pPr indent="-298450" lvl="8" marL="4114800">
+            <a:lvl9pPr marL="4114800" lvl="8" indent="-298450">
               <a:spcBef>
                 <a:spcPts val="0"/>
               </a:spcBef>
@@ -477,14 +490,16 @@
               <a:defRPr sz="1100"/>
             </a:lvl9pPr>
           </a:lstStyle>
-          <a:p/>
+          <a:p>
+            <a:endParaRPr/>
+          </a:p>
         </p:txBody>
       </p:sp>
     </p:spTree>
   </p:cSld>
-  <p:clrMap accent1="accent1" accent2="accent2" accent3="accent3" accent4="accent4" accent5="accent5" accent6="accent6" bg1="lt1" bg2="dk2" tx1="dk1" tx2="lt2" folHlink="folHlink" hlink="hlink"/>
+  <p:clrMap bg1="lt1" tx1="dk1" bg2="dk2" tx2="lt2" accent1="accent1" accent2="accent2" accent3="accent3" accent4="accent4" accent5="accent5" accent6="accent6" hlink="hlink" folHlink="folHlink"/>
   <p:notesStyle>
-    <a:defPPr lvl="0" marR="0" rtl="0" algn="l">
+    <a:defPPr marR="0" lvl="0" algn="l" rtl="0">
       <a:lnSpc>
         <a:spcPct val="100000"/>
       </a:lnSpc>
@@ -495,7 +510,7 @@
         <a:spcPts val="0"/>
       </a:spcAft>
     </a:defPPr>
-    <a:lvl1pPr lvl="0" marR="0" rtl="0" algn="l">
+    <a:lvl1pPr marR="0" lvl="0" algn="l" rtl="0">
       <a:lnSpc>
         <a:spcPct val="100000"/>
       </a:lnSpc>
@@ -509,7 +524,7 @@
         <a:srgbClr val="000000"/>
       </a:buClr>
       <a:buFont typeface="Arial"/>
-      <a:defRPr b="0" i="0" sz="1400" u="none" cap="none" strike="noStrike">
+      <a:defRPr sz="1400" b="0" i="0" u="none" strike="noStrike" cap="none">
         <a:solidFill>
           <a:srgbClr val="000000"/>
         </a:solidFill>
@@ -519,7 +534,7 @@
         <a:sym typeface="Arial"/>
       </a:defRPr>
     </a:lvl1pPr>
-    <a:lvl2pPr lvl="1" marR="0" rtl="0" algn="l">
+    <a:lvl2pPr marR="0" lvl="1" algn="l" rtl="0">
       <a:lnSpc>
         <a:spcPct val="100000"/>
       </a:lnSpc>
@@ -533,7 +548,7 @@
         <a:srgbClr val="000000"/>
       </a:buClr>
       <a:buFont typeface="Arial"/>
-      <a:defRPr b="0" i="0" sz="1400" u="none" cap="none" strike="noStrike">
+      <a:defRPr sz="1400" b="0" i="0" u="none" strike="noStrike" cap="none">
         <a:solidFill>
           <a:srgbClr val="000000"/>
         </a:solidFill>
@@ -543,7 +558,7 @@
         <a:sym typeface="Arial"/>
       </a:defRPr>
     </a:lvl2pPr>
-    <a:lvl3pPr lvl="2" marR="0" rtl="0" algn="l">
+    <a:lvl3pPr marR="0" lvl="2" algn="l" rtl="0">
       <a:lnSpc>
         <a:spcPct val="100000"/>
       </a:lnSpc>
@@ -557,7 +572,7 @@
         <a:srgbClr val="000000"/>
       </a:buClr>
       <a:buFont typeface="Arial"/>
-      <a:defRPr b="0" i="0" sz="1400" u="none" cap="none" strike="noStrike">
+      <a:defRPr sz="1400" b="0" i="0" u="none" strike="noStrike" cap="none">
         <a:solidFill>
           <a:srgbClr val="000000"/>
         </a:solidFill>
@@ -567,7 +582,7 @@
         <a:sym typeface="Arial"/>
       </a:defRPr>
     </a:lvl3pPr>
-    <a:lvl4pPr lvl="3" marR="0" rtl="0" algn="l">
+    <a:lvl4pPr marR="0" lvl="3" algn="l" rtl="0">
       <a:lnSpc>
         <a:spcPct val="100000"/>
       </a:lnSpc>
@@ -581,7 +596,7 @@
         <a:srgbClr val="000000"/>
       </a:buClr>
       <a:buFont typeface="Arial"/>
-      <a:defRPr b="0" i="0" sz="1400" u="none" cap="none" strike="noStrike">
+      <a:defRPr sz="1400" b="0" i="0" u="none" strike="noStrike" cap="none">
         <a:solidFill>
           <a:srgbClr val="000000"/>
         </a:solidFill>
@@ -591,7 +606,7 @@
         <a:sym typeface="Arial"/>
       </a:defRPr>
     </a:lvl4pPr>
-    <a:lvl5pPr lvl="4" marR="0" rtl="0" algn="l">
+    <a:lvl5pPr marR="0" lvl="4" algn="l" rtl="0">
       <a:lnSpc>
         <a:spcPct val="100000"/>
       </a:lnSpc>
@@ -605,7 +620,7 @@
         <a:srgbClr val="000000"/>
       </a:buClr>
       <a:buFont typeface="Arial"/>
-      <a:defRPr b="0" i="0" sz="1400" u="none" cap="none" strike="noStrike">
+      <a:defRPr sz="1400" b="0" i="0" u="none" strike="noStrike" cap="none">
         <a:solidFill>
           <a:srgbClr val="000000"/>
         </a:solidFill>
@@ -615,7 +630,7 @@
         <a:sym typeface="Arial"/>
       </a:defRPr>
     </a:lvl5pPr>
-    <a:lvl6pPr lvl="5" marR="0" rtl="0" algn="l">
+    <a:lvl6pPr marR="0" lvl="5" algn="l" rtl="0">
       <a:lnSpc>
         <a:spcPct val="100000"/>
       </a:lnSpc>
@@ -629,7 +644,7 @@
         <a:srgbClr val="000000"/>
       </a:buClr>
       <a:buFont typeface="Arial"/>
-      <a:defRPr b="0" i="0" sz="1400" u="none" cap="none" strike="noStrike">
+      <a:defRPr sz="1400" b="0" i="0" u="none" strike="noStrike" cap="none">
         <a:solidFill>
           <a:srgbClr val="000000"/>
         </a:solidFill>
@@ -639,7 +654,7 @@
         <a:sym typeface="Arial"/>
       </a:defRPr>
     </a:lvl6pPr>
-    <a:lvl7pPr lvl="6" marR="0" rtl="0" algn="l">
+    <a:lvl7pPr marR="0" lvl="6" algn="l" rtl="0">
       <a:lnSpc>
         <a:spcPct val="100000"/>
       </a:lnSpc>
@@ -653,7 +668,7 @@
         <a:srgbClr val="000000"/>
       </a:buClr>
       <a:buFont typeface="Arial"/>
-      <a:defRPr b="0" i="0" sz="1400" u="none" cap="none" strike="noStrike">
+      <a:defRPr sz="1400" b="0" i="0" u="none" strike="noStrike" cap="none">
         <a:solidFill>
           <a:srgbClr val="000000"/>
         </a:solidFill>
@@ -663,7 +678,7 @@
         <a:sym typeface="Arial"/>
       </a:defRPr>
     </a:lvl7pPr>
-    <a:lvl8pPr lvl="7" marR="0" rtl="0" algn="l">
+    <a:lvl8pPr marR="0" lvl="7" algn="l" rtl="0">
       <a:lnSpc>
         <a:spcPct val="100000"/>
       </a:lnSpc>
@@ -677,7 +692,7 @@
         <a:srgbClr val="000000"/>
       </a:buClr>
       <a:buFont typeface="Arial"/>
-      <a:defRPr b="0" i="0" sz="1400" u="none" cap="none" strike="noStrike">
+      <a:defRPr sz="1400" b="0" i="0" u="none" strike="noStrike" cap="none">
         <a:solidFill>
           <a:srgbClr val="000000"/>
         </a:solidFill>
@@ -687,7 +702,7 @@
         <a:sym typeface="Arial"/>
       </a:defRPr>
     </a:lvl8pPr>
-    <a:lvl9pPr lvl="8" marR="0" rtl="0" algn="l">
+    <a:lvl9pPr marR="0" lvl="8" algn="l" rtl="0">
       <a:lnSpc>
         <a:spcPct val="100000"/>
       </a:lnSpc>
@@ -701,7 +716,7 @@
         <a:srgbClr val="000000"/>
       </a:buClr>
       <a:buFont typeface="Arial"/>
-      <a:defRPr b="0" i="0" sz="1400" u="none" cap="none" strike="noStrike">
+      <a:defRPr sz="1400" b="0" i="0" u="none" strike="noStrike" cap="none">
         <a:solidFill>
           <a:srgbClr val="000000"/>
         </a:solidFill>
@@ -716,11 +731,11 @@
 </file>
 
 <file path=ppt/notesSlides/notesSlide1.xml><?xml version="1.0" encoding="utf-8"?>
-<p:notes xmlns:a="http://schemas.openxmlformats.org/drawingml/2006/main" xmlns:r="http://schemas.openxmlformats.org/officeDocument/2006/relationships" xmlns:mc="http://schemas.openxmlformats.org/markup-compatibility/2006" xmlns:mv="urn:schemas-microsoft-com:mac:vml" xmlns:p="http://schemas.openxmlformats.org/presentationml/2006/main" xmlns:c="http://schemas.openxmlformats.org/drawingml/2006/chart" xmlns:dgm="http://schemas.openxmlformats.org/drawingml/2006/diagram" xmlns:o="urn:schemas-microsoft-com:office:office" xmlns:v="urn:schemas-microsoft-com:vml" xmlns:pvml="urn:schemas-microsoft-com:office:powerpoint" xmlns:com="http://schemas.openxmlformats.org/drawingml/2006/compatibility" xmlns:p14="http://schemas.microsoft.com/office/powerpoint/2010/main" xmlns:p15="http://schemas.microsoft.com/office/powerpoint/2012/main" xmlns:ahyp="http://schemas.microsoft.com/office/drawing/2018/hyperlinkcolor" showMasterPhAnim="0" showMasterSp="0">
+<p:notes xmlns:a="http://schemas.openxmlformats.org/drawingml/2006/main" xmlns:r="http://schemas.openxmlformats.org/officeDocument/2006/relationships" xmlns:p="http://schemas.openxmlformats.org/presentationml/2006/main" showMasterSp="0" showMasterPhAnim="0">
   <p:cSld>
     <p:spTree>
       <p:nvGrpSpPr>
-        <p:cNvPr id="60" name="Shape 60"/>
+        <p:cNvPr id="1" name="Shape 60"/>
         <p:cNvGrpSpPr/>
         <p:nvPr/>
       </p:nvGrpSpPr>
@@ -735,9 +750,11 @@
       <p:sp>
         <p:nvSpPr>
           <p:cNvPr id="61" name="Google Shape;61;p:notes"/>
-          <p:cNvSpPr/>
+          <p:cNvSpPr>
+            <a:spLocks noGrp="1" noRot="1" noChangeAspect="1"/>
+          </p:cNvSpPr>
           <p:nvPr>
-            <p:ph idx="2" type="sldImg"/>
+            <p:ph type="sldImg" idx="2"/>
           </p:nvPr>
         </p:nvSpPr>
         <p:spPr>
@@ -746,9 +763,13 @@
             <a:ext cx="6096075" cy="3429000"/>
           </a:xfrm>
           <a:custGeom>
-            <a:rect b="b" l="l" r="r" t="t"/>
+            <a:avLst/>
+            <a:gdLst/>
+            <a:ahLst/>
+            <a:cxnLst/>
+            <a:rect l="l" t="t" r="r" b="b"/>
             <a:pathLst>
-              <a:path extrusionOk="0" h="120000" w="120000">
+              <a:path w="120000" h="120000" extrusionOk="0">
                 <a:moveTo>
                   <a:pt x="0" y="0"/>
                 </a:moveTo>
@@ -770,9 +791,11 @@
       <p:sp>
         <p:nvSpPr>
           <p:cNvPr id="62" name="Google Shape;62;p:notes"/>
-          <p:cNvSpPr txBox="1"/>
+          <p:cNvSpPr txBox="1">
+            <a:spLocks noGrp="1"/>
+          </p:cNvSpPr>
           <p:nvPr>
-            <p:ph idx="1" type="body"/>
+            <p:ph type="body" idx="1"/>
           </p:nvPr>
         </p:nvSpPr>
         <p:spPr>
@@ -785,12 +808,12 @@
           </a:prstGeom>
         </p:spPr>
         <p:txBody>
-          <a:bodyPr anchorCtr="0" anchor="t" bIns="91425" lIns="91425" spcFirstLastPara="1" rIns="91425" wrap="square" tIns="91425">
+          <a:bodyPr spcFirstLastPara="1" wrap="square" lIns="91425" tIns="91425" rIns="91425" bIns="91425" anchor="t" anchorCtr="0">
             <a:noAutofit/>
           </a:bodyPr>
           <a:lstStyle/>
           <a:p>
-            <a:pPr indent="0" lvl="0" marL="0" rtl="0" algn="l">
+            <a:pPr marL="0" lvl="0" indent="0" algn="l" rtl="0">
               <a:spcBef>
                 <a:spcPts val="0"/>
               </a:spcBef>
@@ -799,9 +822,6 @@
               </a:spcAft>
               <a:buNone/>
             </a:pPr>
-            <a:r>
-              <a:t/>
-            </a:r>
             <a:endParaRPr/>
           </a:p>
         </p:txBody>
@@ -815,11 +835,11 @@
 </file>
 
 <file path=ppt/notesSlides/notesSlide10.xml><?xml version="1.0" encoding="utf-8"?>
-<p:notes xmlns:a="http://schemas.openxmlformats.org/drawingml/2006/main" xmlns:r="http://schemas.openxmlformats.org/officeDocument/2006/relationships" xmlns:mc="http://schemas.openxmlformats.org/markup-compatibility/2006" xmlns:mv="urn:schemas-microsoft-com:mac:vml" xmlns:p="http://schemas.openxmlformats.org/presentationml/2006/main" xmlns:c="http://schemas.openxmlformats.org/drawingml/2006/chart" xmlns:dgm="http://schemas.openxmlformats.org/drawingml/2006/diagram" xmlns:o="urn:schemas-microsoft-com:office:office" xmlns:v="urn:schemas-microsoft-com:vml" xmlns:pvml="urn:schemas-microsoft-com:office:powerpoint" xmlns:com="http://schemas.openxmlformats.org/drawingml/2006/compatibility" xmlns:p14="http://schemas.microsoft.com/office/powerpoint/2010/main" xmlns:p15="http://schemas.microsoft.com/office/powerpoint/2012/main" xmlns:ahyp="http://schemas.microsoft.com/office/drawing/2018/hyperlinkcolor" showMasterPhAnim="0" showMasterSp="0">
+<p:notes xmlns:a="http://schemas.openxmlformats.org/drawingml/2006/main" xmlns:r="http://schemas.openxmlformats.org/officeDocument/2006/relationships" xmlns:p="http://schemas.openxmlformats.org/presentationml/2006/main" showMasterSp="0" showMasterPhAnim="0">
   <p:cSld>
     <p:spTree>
       <p:nvGrpSpPr>
-        <p:cNvPr id="118" name="Shape 118"/>
+        <p:cNvPr id="1" name="Shape 118"/>
         <p:cNvGrpSpPr/>
         <p:nvPr/>
       </p:nvGrpSpPr>
@@ -834,20 +854,26 @@
       <p:sp>
         <p:nvSpPr>
           <p:cNvPr id="119" name="Google Shape;119;g31f02dbb68a_0_7:notes"/>
-          <p:cNvSpPr/>
+          <p:cNvSpPr>
+            <a:spLocks noGrp="1" noRot="1" noChangeAspect="1"/>
+          </p:cNvSpPr>
           <p:nvPr>
-            <p:ph idx="2" type="sldImg"/>
+            <p:ph type="sldImg" idx="2"/>
           </p:nvPr>
         </p:nvSpPr>
         <p:spPr>
           <a:xfrm>
-            <a:off x="381300" y="685800"/>
+            <a:off x="381000" y="685800"/>
             <a:ext cx="6096000" cy="3429000"/>
           </a:xfrm>
           <a:custGeom>
-            <a:rect b="b" l="l" r="r" t="t"/>
+            <a:avLst/>
+            <a:gdLst/>
+            <a:ahLst/>
+            <a:cxnLst/>
+            <a:rect l="l" t="t" r="r" b="b"/>
             <a:pathLst>
-              <a:path extrusionOk="0" h="120000" w="120000">
+              <a:path w="120000" h="120000" extrusionOk="0">
                 <a:moveTo>
                   <a:pt x="0" y="0"/>
                 </a:moveTo>
@@ -869,9 +895,11 @@
       <p:sp>
         <p:nvSpPr>
           <p:cNvPr id="120" name="Google Shape;120;g31f02dbb68a_0_7:notes"/>
-          <p:cNvSpPr txBox="1"/>
+          <p:cNvSpPr txBox="1">
+            <a:spLocks noGrp="1"/>
+          </p:cNvSpPr>
           <p:nvPr>
-            <p:ph idx="1" type="body"/>
+            <p:ph type="body" idx="1"/>
           </p:nvPr>
         </p:nvSpPr>
         <p:spPr>
@@ -884,12 +912,12 @@
           </a:prstGeom>
         </p:spPr>
         <p:txBody>
-          <a:bodyPr anchorCtr="0" anchor="t" bIns="91425" lIns="91425" spcFirstLastPara="1" rIns="91425" wrap="square" tIns="91425">
+          <a:bodyPr spcFirstLastPara="1" wrap="square" lIns="91425" tIns="91425" rIns="91425" bIns="91425" anchor="t" anchorCtr="0">
             <a:noAutofit/>
           </a:bodyPr>
           <a:lstStyle/>
           <a:p>
-            <a:pPr indent="0" lvl="0" marL="0" rtl="0" algn="l">
+            <a:pPr marL="0" lvl="0" indent="0" algn="l" rtl="0">
               <a:spcBef>
                 <a:spcPts val="0"/>
               </a:spcBef>
@@ -898,9 +926,6 @@
               </a:spcAft>
               <a:buNone/>
             </a:pPr>
-            <a:r>
-              <a:t/>
-            </a:r>
             <a:endParaRPr/>
           </a:p>
         </p:txBody>
@@ -914,11 +939,11 @@
 </file>
 
 <file path=ppt/notesSlides/notesSlide11.xml><?xml version="1.0" encoding="utf-8"?>
-<p:notes xmlns:a="http://schemas.openxmlformats.org/drawingml/2006/main" xmlns:r="http://schemas.openxmlformats.org/officeDocument/2006/relationships" xmlns:mc="http://schemas.openxmlformats.org/markup-compatibility/2006" xmlns:mv="urn:schemas-microsoft-com:mac:vml" xmlns:p="http://schemas.openxmlformats.org/presentationml/2006/main" xmlns:c="http://schemas.openxmlformats.org/drawingml/2006/chart" xmlns:dgm="http://schemas.openxmlformats.org/drawingml/2006/diagram" xmlns:o="urn:schemas-microsoft-com:office:office" xmlns:v="urn:schemas-microsoft-com:vml" xmlns:pvml="urn:schemas-microsoft-com:office:powerpoint" xmlns:com="http://schemas.openxmlformats.org/drawingml/2006/compatibility" xmlns:p14="http://schemas.microsoft.com/office/powerpoint/2010/main" xmlns:p15="http://schemas.microsoft.com/office/powerpoint/2012/main" xmlns:ahyp="http://schemas.microsoft.com/office/drawing/2018/hyperlinkcolor" showMasterPhAnim="0" showMasterSp="0">
+<p:notes xmlns:a="http://schemas.openxmlformats.org/drawingml/2006/main" xmlns:r="http://schemas.openxmlformats.org/officeDocument/2006/relationships" xmlns:p="http://schemas.openxmlformats.org/presentationml/2006/main" showMasterSp="0" showMasterPhAnim="0">
   <p:cSld>
     <p:spTree>
       <p:nvGrpSpPr>
-        <p:cNvPr id="124" name="Shape 124"/>
+        <p:cNvPr id="1" name="Shape 124"/>
         <p:cNvGrpSpPr/>
         <p:nvPr/>
       </p:nvGrpSpPr>
@@ -933,9 +958,11 @@
       <p:sp>
         <p:nvSpPr>
           <p:cNvPr id="125" name="Google Shape;125;g31f05a3efe2_2_5:notes"/>
-          <p:cNvSpPr/>
+          <p:cNvSpPr>
+            <a:spLocks noGrp="1" noRot="1" noChangeAspect="1"/>
+          </p:cNvSpPr>
           <p:nvPr>
-            <p:ph idx="2" type="sldImg"/>
+            <p:ph type="sldImg" idx="2"/>
           </p:nvPr>
         </p:nvSpPr>
         <p:spPr>
@@ -944,9 +971,13 @@
             <a:ext cx="6096000" cy="3429000"/>
           </a:xfrm>
           <a:custGeom>
-            <a:rect b="b" l="l" r="r" t="t"/>
+            <a:avLst/>
+            <a:gdLst/>
+            <a:ahLst/>
+            <a:cxnLst/>
+            <a:rect l="l" t="t" r="r" b="b"/>
             <a:pathLst>
-              <a:path extrusionOk="0" h="120000" w="120000">
+              <a:path w="120000" h="120000" extrusionOk="0">
                 <a:moveTo>
                   <a:pt x="0" y="0"/>
                 </a:moveTo>
@@ -968,9 +999,11 @@
       <p:sp>
         <p:nvSpPr>
           <p:cNvPr id="126" name="Google Shape;126;g31f05a3efe2_2_5:notes"/>
-          <p:cNvSpPr txBox="1"/>
+          <p:cNvSpPr txBox="1">
+            <a:spLocks noGrp="1"/>
+          </p:cNvSpPr>
           <p:nvPr>
-            <p:ph idx="1" type="body"/>
+            <p:ph type="body" idx="1"/>
           </p:nvPr>
         </p:nvSpPr>
         <p:spPr>
@@ -983,12 +1016,12 @@
           </a:prstGeom>
         </p:spPr>
         <p:txBody>
-          <a:bodyPr anchorCtr="0" anchor="t" bIns="91425" lIns="91425" spcFirstLastPara="1" rIns="91425" wrap="square" tIns="91425">
+          <a:bodyPr spcFirstLastPara="1" wrap="square" lIns="91425" tIns="91425" rIns="91425" bIns="91425" anchor="t" anchorCtr="0">
             <a:noAutofit/>
           </a:bodyPr>
           <a:lstStyle/>
           <a:p>
-            <a:pPr indent="0" lvl="0" marL="0" rtl="0" algn="l">
+            <a:pPr marL="0" lvl="0" indent="0" algn="l" rtl="0">
               <a:spcBef>
                 <a:spcPts val="0"/>
               </a:spcBef>
@@ -997,9 +1030,6 @@
               </a:spcAft>
               <a:buNone/>
             </a:pPr>
-            <a:r>
-              <a:t/>
-            </a:r>
             <a:endParaRPr/>
           </a:p>
         </p:txBody>
@@ -1013,11 +1043,11 @@
 </file>
 
 <file path=ppt/notesSlides/notesSlide12.xml><?xml version="1.0" encoding="utf-8"?>
-<p:notes xmlns:a="http://schemas.openxmlformats.org/drawingml/2006/main" xmlns:r="http://schemas.openxmlformats.org/officeDocument/2006/relationships" xmlns:mc="http://schemas.openxmlformats.org/markup-compatibility/2006" xmlns:mv="urn:schemas-microsoft-com:mac:vml" xmlns:p="http://schemas.openxmlformats.org/presentationml/2006/main" xmlns:c="http://schemas.openxmlformats.org/drawingml/2006/chart" xmlns:dgm="http://schemas.openxmlformats.org/drawingml/2006/diagram" xmlns:o="urn:schemas-microsoft-com:office:office" xmlns:v="urn:schemas-microsoft-com:vml" xmlns:pvml="urn:schemas-microsoft-com:office:powerpoint" xmlns:com="http://schemas.openxmlformats.org/drawingml/2006/compatibility" xmlns:p14="http://schemas.microsoft.com/office/powerpoint/2010/main" xmlns:p15="http://schemas.microsoft.com/office/powerpoint/2012/main" xmlns:ahyp="http://schemas.microsoft.com/office/drawing/2018/hyperlinkcolor" showMasterPhAnim="0" showMasterSp="0">
+<p:notes xmlns:a="http://schemas.openxmlformats.org/drawingml/2006/main" xmlns:r="http://schemas.openxmlformats.org/officeDocument/2006/relationships" xmlns:p="http://schemas.openxmlformats.org/presentationml/2006/main" showMasterSp="0" showMasterPhAnim="0">
   <p:cSld>
     <p:spTree>
       <p:nvGrpSpPr>
-        <p:cNvPr id="131" name="Shape 131"/>
+        <p:cNvPr id="1" name="Shape 131"/>
         <p:cNvGrpSpPr/>
         <p:nvPr/>
       </p:nvGrpSpPr>
@@ -1032,9 +1062,11 @@
       <p:sp>
         <p:nvSpPr>
           <p:cNvPr id="132" name="Google Shape;132;g31f05a3efe2_2_10:notes"/>
-          <p:cNvSpPr/>
+          <p:cNvSpPr>
+            <a:spLocks noGrp="1" noRot="1" noChangeAspect="1"/>
+          </p:cNvSpPr>
           <p:nvPr>
-            <p:ph idx="2" type="sldImg"/>
+            <p:ph type="sldImg" idx="2"/>
           </p:nvPr>
         </p:nvSpPr>
         <p:spPr>
@@ -1043,9 +1075,13 @@
             <a:ext cx="6096000" cy="3429000"/>
           </a:xfrm>
           <a:custGeom>
-            <a:rect b="b" l="l" r="r" t="t"/>
+            <a:avLst/>
+            <a:gdLst/>
+            <a:ahLst/>
+            <a:cxnLst/>
+            <a:rect l="l" t="t" r="r" b="b"/>
             <a:pathLst>
-              <a:path extrusionOk="0" h="120000" w="120000">
+              <a:path w="120000" h="120000" extrusionOk="0">
                 <a:moveTo>
                   <a:pt x="0" y="0"/>
                 </a:moveTo>
@@ -1067,9 +1103,11 @@
       <p:sp>
         <p:nvSpPr>
           <p:cNvPr id="133" name="Google Shape;133;g31f05a3efe2_2_10:notes"/>
-          <p:cNvSpPr txBox="1"/>
+          <p:cNvSpPr txBox="1">
+            <a:spLocks noGrp="1"/>
+          </p:cNvSpPr>
           <p:nvPr>
-            <p:ph idx="1" type="body"/>
+            <p:ph type="body" idx="1"/>
           </p:nvPr>
         </p:nvSpPr>
         <p:spPr>
@@ -1082,12 +1120,12 @@
           </a:prstGeom>
         </p:spPr>
         <p:txBody>
-          <a:bodyPr anchorCtr="0" anchor="t" bIns="91425" lIns="91425" spcFirstLastPara="1" rIns="91425" wrap="square" tIns="91425">
+          <a:bodyPr spcFirstLastPara="1" wrap="square" lIns="91425" tIns="91425" rIns="91425" bIns="91425" anchor="t" anchorCtr="0">
             <a:noAutofit/>
           </a:bodyPr>
           <a:lstStyle/>
           <a:p>
-            <a:pPr indent="0" lvl="0" marL="0" rtl="0" algn="l">
+            <a:pPr marL="0" lvl="0" indent="0" algn="l" rtl="0">
               <a:spcBef>
                 <a:spcPts val="0"/>
               </a:spcBef>
@@ -1096,9 +1134,6 @@
               </a:spcAft>
               <a:buNone/>
             </a:pPr>
-            <a:r>
-              <a:t/>
-            </a:r>
             <a:endParaRPr/>
           </a:p>
         </p:txBody>
@@ -1112,11 +1147,11 @@
 </file>
 
 <file path=ppt/notesSlides/notesSlide13.xml><?xml version="1.0" encoding="utf-8"?>
-<p:notes xmlns:a="http://schemas.openxmlformats.org/drawingml/2006/main" xmlns:r="http://schemas.openxmlformats.org/officeDocument/2006/relationships" xmlns:mc="http://schemas.openxmlformats.org/markup-compatibility/2006" xmlns:mv="urn:schemas-microsoft-com:mac:vml" xmlns:p="http://schemas.openxmlformats.org/presentationml/2006/main" xmlns:c="http://schemas.openxmlformats.org/drawingml/2006/chart" xmlns:dgm="http://schemas.openxmlformats.org/drawingml/2006/diagram" xmlns:o="urn:schemas-microsoft-com:office:office" xmlns:v="urn:schemas-microsoft-com:vml" xmlns:pvml="urn:schemas-microsoft-com:office:powerpoint" xmlns:com="http://schemas.openxmlformats.org/drawingml/2006/compatibility" xmlns:p14="http://schemas.microsoft.com/office/powerpoint/2010/main" xmlns:p15="http://schemas.microsoft.com/office/powerpoint/2012/main" xmlns:ahyp="http://schemas.microsoft.com/office/drawing/2018/hyperlinkcolor" showMasterPhAnim="0" showMasterSp="0">
+<p:notes xmlns:a="http://schemas.openxmlformats.org/drawingml/2006/main" xmlns:r="http://schemas.openxmlformats.org/officeDocument/2006/relationships" xmlns:p="http://schemas.openxmlformats.org/presentationml/2006/main" showMasterSp="0" showMasterPhAnim="0">
   <p:cSld>
     <p:spTree>
       <p:nvGrpSpPr>
-        <p:cNvPr id="138" name="Shape 138"/>
+        <p:cNvPr id="1" name="Shape 138"/>
         <p:cNvGrpSpPr/>
         <p:nvPr/>
       </p:nvGrpSpPr>
@@ -1131,9 +1166,11 @@
       <p:sp>
         <p:nvSpPr>
           <p:cNvPr id="139" name="Google Shape;139;g31f05a3efe2_2_15:notes"/>
-          <p:cNvSpPr/>
+          <p:cNvSpPr>
+            <a:spLocks noGrp="1" noRot="1" noChangeAspect="1"/>
+          </p:cNvSpPr>
           <p:nvPr>
-            <p:ph idx="2" type="sldImg"/>
+            <p:ph type="sldImg" idx="2"/>
           </p:nvPr>
         </p:nvSpPr>
         <p:spPr>
@@ -1142,9 +1179,13 @@
             <a:ext cx="6096000" cy="3429000"/>
           </a:xfrm>
           <a:custGeom>
-            <a:rect b="b" l="l" r="r" t="t"/>
+            <a:avLst/>
+            <a:gdLst/>
+            <a:ahLst/>
+            <a:cxnLst/>
+            <a:rect l="l" t="t" r="r" b="b"/>
             <a:pathLst>
-              <a:path extrusionOk="0" h="120000" w="120000">
+              <a:path w="120000" h="120000" extrusionOk="0">
                 <a:moveTo>
                   <a:pt x="0" y="0"/>
                 </a:moveTo>
@@ -1166,9 +1207,11 @@
       <p:sp>
         <p:nvSpPr>
           <p:cNvPr id="140" name="Google Shape;140;g31f05a3efe2_2_15:notes"/>
-          <p:cNvSpPr txBox="1"/>
+          <p:cNvSpPr txBox="1">
+            <a:spLocks noGrp="1"/>
+          </p:cNvSpPr>
           <p:nvPr>
-            <p:ph idx="1" type="body"/>
+            <p:ph type="body" idx="1"/>
           </p:nvPr>
         </p:nvSpPr>
         <p:spPr>
@@ -1181,12 +1224,12 @@
           </a:prstGeom>
         </p:spPr>
         <p:txBody>
-          <a:bodyPr anchorCtr="0" anchor="t" bIns="91425" lIns="91425" spcFirstLastPara="1" rIns="91425" wrap="square" tIns="91425">
+          <a:bodyPr spcFirstLastPara="1" wrap="square" lIns="91425" tIns="91425" rIns="91425" bIns="91425" anchor="t" anchorCtr="0">
             <a:noAutofit/>
           </a:bodyPr>
           <a:lstStyle/>
           <a:p>
-            <a:pPr indent="0" lvl="0" marL="0" rtl="0" algn="l">
+            <a:pPr marL="0" lvl="0" indent="0" algn="l" rtl="0">
               <a:spcBef>
                 <a:spcPts val="0"/>
               </a:spcBef>
@@ -1195,9 +1238,6 @@
               </a:spcAft>
               <a:buNone/>
             </a:pPr>
-            <a:r>
-              <a:t/>
-            </a:r>
             <a:endParaRPr/>
           </a:p>
         </p:txBody>
@@ -1211,11 +1251,11 @@
 </file>
 
 <file path=ppt/notesSlides/notesSlide14.xml><?xml version="1.0" encoding="utf-8"?>
-<p:notes xmlns:a="http://schemas.openxmlformats.org/drawingml/2006/main" xmlns:r="http://schemas.openxmlformats.org/officeDocument/2006/relationships" xmlns:mc="http://schemas.openxmlformats.org/markup-compatibility/2006" xmlns:mv="urn:schemas-microsoft-com:mac:vml" xmlns:p="http://schemas.openxmlformats.org/presentationml/2006/main" xmlns:c="http://schemas.openxmlformats.org/drawingml/2006/chart" xmlns:dgm="http://schemas.openxmlformats.org/drawingml/2006/diagram" xmlns:o="urn:schemas-microsoft-com:office:office" xmlns:v="urn:schemas-microsoft-com:vml" xmlns:pvml="urn:schemas-microsoft-com:office:powerpoint" xmlns:com="http://schemas.openxmlformats.org/drawingml/2006/compatibility" xmlns:p14="http://schemas.microsoft.com/office/powerpoint/2010/main" xmlns:p15="http://schemas.microsoft.com/office/powerpoint/2012/main" xmlns:ahyp="http://schemas.microsoft.com/office/drawing/2018/hyperlinkcolor" showMasterPhAnim="0" showMasterSp="0">
+<p:notes xmlns:a="http://schemas.openxmlformats.org/drawingml/2006/main" xmlns:r="http://schemas.openxmlformats.org/officeDocument/2006/relationships" xmlns:p="http://schemas.openxmlformats.org/presentationml/2006/main" showMasterSp="0" showMasterPhAnim="0">
   <p:cSld>
     <p:spTree>
       <p:nvGrpSpPr>
-        <p:cNvPr id="145" name="Shape 145"/>
+        <p:cNvPr id="1" name="Shape 145"/>
         <p:cNvGrpSpPr/>
         <p:nvPr/>
       </p:nvGrpSpPr>
@@ -1230,9 +1270,11 @@
       <p:sp>
         <p:nvSpPr>
           <p:cNvPr id="146" name="Google Shape;146;g31f05a3efe2_2_24:notes"/>
-          <p:cNvSpPr/>
+          <p:cNvSpPr>
+            <a:spLocks noGrp="1" noRot="1" noChangeAspect="1"/>
+          </p:cNvSpPr>
           <p:nvPr>
-            <p:ph idx="2" type="sldImg"/>
+            <p:ph type="sldImg" idx="2"/>
           </p:nvPr>
         </p:nvSpPr>
         <p:spPr>
@@ -1241,9 +1283,13 @@
             <a:ext cx="6096000" cy="3429000"/>
           </a:xfrm>
           <a:custGeom>
-            <a:rect b="b" l="l" r="r" t="t"/>
+            <a:avLst/>
+            <a:gdLst/>
+            <a:ahLst/>
+            <a:cxnLst/>
+            <a:rect l="l" t="t" r="r" b="b"/>
             <a:pathLst>
-              <a:path extrusionOk="0" h="120000" w="120000">
+              <a:path w="120000" h="120000" extrusionOk="0">
                 <a:moveTo>
                   <a:pt x="0" y="0"/>
                 </a:moveTo>
@@ -1265,9 +1311,11 @@
       <p:sp>
         <p:nvSpPr>
           <p:cNvPr id="147" name="Google Shape;147;g31f05a3efe2_2_24:notes"/>
-          <p:cNvSpPr txBox="1"/>
+          <p:cNvSpPr txBox="1">
+            <a:spLocks noGrp="1"/>
+          </p:cNvSpPr>
           <p:nvPr>
-            <p:ph idx="1" type="body"/>
+            <p:ph type="body" idx="1"/>
           </p:nvPr>
         </p:nvSpPr>
         <p:spPr>
@@ -1280,12 +1328,12 @@
           </a:prstGeom>
         </p:spPr>
         <p:txBody>
-          <a:bodyPr anchorCtr="0" anchor="t" bIns="91425" lIns="91425" spcFirstLastPara="1" rIns="91425" wrap="square" tIns="91425">
+          <a:bodyPr spcFirstLastPara="1" wrap="square" lIns="91425" tIns="91425" rIns="91425" bIns="91425" anchor="t" anchorCtr="0">
             <a:noAutofit/>
           </a:bodyPr>
           <a:lstStyle/>
           <a:p>
-            <a:pPr indent="0" lvl="0" marL="0" rtl="0" algn="l">
+            <a:pPr marL="0" lvl="0" indent="0" algn="l" rtl="0">
               <a:spcBef>
                 <a:spcPts val="0"/>
               </a:spcBef>
@@ -1294,9 +1342,6 @@
               </a:spcAft>
               <a:buNone/>
             </a:pPr>
-            <a:r>
-              <a:t/>
-            </a:r>
             <a:endParaRPr/>
           </a:p>
         </p:txBody>
@@ -1310,11 +1355,11 @@
 </file>
 
 <file path=ppt/notesSlides/notesSlide2.xml><?xml version="1.0" encoding="utf-8"?>
-<p:notes xmlns:a="http://schemas.openxmlformats.org/drawingml/2006/main" xmlns:r="http://schemas.openxmlformats.org/officeDocument/2006/relationships" xmlns:mc="http://schemas.openxmlformats.org/markup-compatibility/2006" xmlns:mv="urn:schemas-microsoft-com:mac:vml" xmlns:p="http://schemas.openxmlformats.org/presentationml/2006/main" xmlns:c="http://schemas.openxmlformats.org/drawingml/2006/chart" xmlns:dgm="http://schemas.openxmlformats.org/drawingml/2006/diagram" xmlns:o="urn:schemas-microsoft-com:office:office" xmlns:v="urn:schemas-microsoft-com:vml" xmlns:pvml="urn:schemas-microsoft-com:office:powerpoint" xmlns:com="http://schemas.openxmlformats.org/drawingml/2006/compatibility" xmlns:p14="http://schemas.microsoft.com/office/powerpoint/2010/main" xmlns:p15="http://schemas.microsoft.com/office/powerpoint/2012/main" xmlns:ahyp="http://schemas.microsoft.com/office/drawing/2018/hyperlinkcolor" showMasterPhAnim="0" showMasterSp="0">
+<p:notes xmlns:a="http://schemas.openxmlformats.org/drawingml/2006/main" xmlns:r="http://schemas.openxmlformats.org/officeDocument/2006/relationships" xmlns:p="http://schemas.openxmlformats.org/presentationml/2006/main" showMasterSp="0" showMasterPhAnim="0">
   <p:cSld>
     <p:spTree>
       <p:nvGrpSpPr>
-        <p:cNvPr id="66" name="Shape 66"/>
+        <p:cNvPr id="1" name="Shape 66"/>
         <p:cNvGrpSpPr/>
         <p:nvPr/>
       </p:nvGrpSpPr>
@@ -1329,9 +1374,11 @@
       <p:sp>
         <p:nvSpPr>
           <p:cNvPr id="67" name="Google Shape;67;g2f9fa864c1d_2_0:notes"/>
-          <p:cNvSpPr/>
+          <p:cNvSpPr>
+            <a:spLocks noGrp="1" noRot="1" noChangeAspect="1"/>
+          </p:cNvSpPr>
           <p:nvPr>
-            <p:ph idx="2" type="sldImg"/>
+            <p:ph type="sldImg" idx="2"/>
           </p:nvPr>
         </p:nvSpPr>
         <p:spPr>
@@ -1340,9 +1387,13 @@
             <a:ext cx="6096000" cy="3429000"/>
           </a:xfrm>
           <a:custGeom>
-            <a:rect b="b" l="l" r="r" t="t"/>
+            <a:avLst/>
+            <a:gdLst/>
+            <a:ahLst/>
+            <a:cxnLst/>
+            <a:rect l="l" t="t" r="r" b="b"/>
             <a:pathLst>
-              <a:path extrusionOk="0" h="120000" w="120000">
+              <a:path w="120000" h="120000" extrusionOk="0">
                 <a:moveTo>
                   <a:pt x="0" y="0"/>
                 </a:moveTo>
@@ -1364,9 +1415,11 @@
       <p:sp>
         <p:nvSpPr>
           <p:cNvPr id="68" name="Google Shape;68;g2f9fa864c1d_2_0:notes"/>
-          <p:cNvSpPr txBox="1"/>
+          <p:cNvSpPr txBox="1">
+            <a:spLocks noGrp="1"/>
+          </p:cNvSpPr>
           <p:nvPr>
-            <p:ph idx="1" type="body"/>
+            <p:ph type="body" idx="1"/>
           </p:nvPr>
         </p:nvSpPr>
         <p:spPr>
@@ -1379,12 +1432,12 @@
           </a:prstGeom>
         </p:spPr>
         <p:txBody>
-          <a:bodyPr anchorCtr="0" anchor="t" bIns="91425" lIns="91425" spcFirstLastPara="1" rIns="91425" wrap="square" tIns="91425">
+          <a:bodyPr spcFirstLastPara="1" wrap="square" lIns="91425" tIns="91425" rIns="91425" bIns="91425" anchor="t" anchorCtr="0">
             <a:noAutofit/>
           </a:bodyPr>
           <a:lstStyle/>
           <a:p>
-            <a:pPr indent="0" lvl="0" marL="0" rtl="0" algn="l">
+            <a:pPr marL="0" lvl="0" indent="0" algn="l" rtl="0">
               <a:spcBef>
                 <a:spcPts val="0"/>
               </a:spcBef>
@@ -1410,11 +1463,11 @@
 </file>
 
 <file path=ppt/notesSlides/notesSlide3.xml><?xml version="1.0" encoding="utf-8"?>
-<p:notes xmlns:a="http://schemas.openxmlformats.org/drawingml/2006/main" xmlns:r="http://schemas.openxmlformats.org/officeDocument/2006/relationships" xmlns:mc="http://schemas.openxmlformats.org/markup-compatibility/2006" xmlns:mv="urn:schemas-microsoft-com:mac:vml" xmlns:p="http://schemas.openxmlformats.org/presentationml/2006/main" xmlns:c="http://schemas.openxmlformats.org/drawingml/2006/chart" xmlns:dgm="http://schemas.openxmlformats.org/drawingml/2006/diagram" xmlns:o="urn:schemas-microsoft-com:office:office" xmlns:v="urn:schemas-microsoft-com:vml" xmlns:pvml="urn:schemas-microsoft-com:office:powerpoint" xmlns:com="http://schemas.openxmlformats.org/drawingml/2006/compatibility" xmlns:p14="http://schemas.microsoft.com/office/powerpoint/2010/main" xmlns:p15="http://schemas.microsoft.com/office/powerpoint/2012/main" xmlns:ahyp="http://schemas.microsoft.com/office/drawing/2018/hyperlinkcolor" showMasterPhAnim="0" showMasterSp="0">
+<p:notes xmlns:a="http://schemas.openxmlformats.org/drawingml/2006/main" xmlns:r="http://schemas.openxmlformats.org/officeDocument/2006/relationships" xmlns:p="http://schemas.openxmlformats.org/presentationml/2006/main" showMasterSp="0" showMasterPhAnim="0">
   <p:cSld>
     <p:spTree>
       <p:nvGrpSpPr>
-        <p:cNvPr id="72" name="Shape 72"/>
+        <p:cNvPr id="1" name="Shape 72"/>
         <p:cNvGrpSpPr/>
         <p:nvPr/>
       </p:nvGrpSpPr>
@@ -1429,20 +1482,26 @@
       <p:sp>
         <p:nvSpPr>
           <p:cNvPr id="73" name="Google Shape;73;g2f9fa864c1d_2_5:notes"/>
-          <p:cNvSpPr/>
+          <p:cNvSpPr>
+            <a:spLocks noGrp="1" noRot="1" noChangeAspect="1"/>
+          </p:cNvSpPr>
           <p:nvPr>
-            <p:ph idx="2" type="sldImg"/>
+            <p:ph type="sldImg" idx="2"/>
           </p:nvPr>
         </p:nvSpPr>
         <p:spPr>
           <a:xfrm>
-            <a:off x="381300" y="685800"/>
+            <a:off x="381000" y="685800"/>
             <a:ext cx="6096000" cy="3429000"/>
           </a:xfrm>
           <a:custGeom>
-            <a:rect b="b" l="l" r="r" t="t"/>
+            <a:avLst/>
+            <a:gdLst/>
+            <a:ahLst/>
+            <a:cxnLst/>
+            <a:rect l="l" t="t" r="r" b="b"/>
             <a:pathLst>
-              <a:path extrusionOk="0" h="120000" w="120000">
+              <a:path w="120000" h="120000" extrusionOk="0">
                 <a:moveTo>
                   <a:pt x="0" y="0"/>
                 </a:moveTo>
@@ -1464,9 +1523,11 @@
       <p:sp>
         <p:nvSpPr>
           <p:cNvPr id="74" name="Google Shape;74;g2f9fa864c1d_2_5:notes"/>
-          <p:cNvSpPr txBox="1"/>
+          <p:cNvSpPr txBox="1">
+            <a:spLocks noGrp="1"/>
+          </p:cNvSpPr>
           <p:nvPr>
-            <p:ph idx="1" type="body"/>
+            <p:ph type="body" idx="1"/>
           </p:nvPr>
         </p:nvSpPr>
         <p:spPr>
@@ -1479,12 +1540,12 @@
           </a:prstGeom>
         </p:spPr>
         <p:txBody>
-          <a:bodyPr anchorCtr="0" anchor="t" bIns="91425" lIns="91425" spcFirstLastPara="1" rIns="91425" wrap="square" tIns="91425">
+          <a:bodyPr spcFirstLastPara="1" wrap="square" lIns="91425" tIns="91425" rIns="91425" bIns="91425" anchor="t" anchorCtr="0">
             <a:noAutofit/>
           </a:bodyPr>
           <a:lstStyle/>
           <a:p>
-            <a:pPr indent="0" lvl="0" marL="0" rtl="0" algn="l">
+            <a:pPr marL="0" lvl="0" indent="0" algn="l" rtl="0">
               <a:spcBef>
                 <a:spcPts val="0"/>
               </a:spcBef>
@@ -1493,9 +1554,6 @@
               </a:spcAft>
               <a:buNone/>
             </a:pPr>
-            <a:r>
-              <a:t/>
-            </a:r>
             <a:endParaRPr/>
           </a:p>
         </p:txBody>
@@ -1509,11 +1567,11 @@
 </file>
 
 <file path=ppt/notesSlides/notesSlide4.xml><?xml version="1.0" encoding="utf-8"?>
-<p:notes xmlns:a="http://schemas.openxmlformats.org/drawingml/2006/main" xmlns:r="http://schemas.openxmlformats.org/officeDocument/2006/relationships" xmlns:mc="http://schemas.openxmlformats.org/markup-compatibility/2006" xmlns:mv="urn:schemas-microsoft-com:mac:vml" xmlns:p="http://schemas.openxmlformats.org/presentationml/2006/main" xmlns:c="http://schemas.openxmlformats.org/drawingml/2006/chart" xmlns:dgm="http://schemas.openxmlformats.org/drawingml/2006/diagram" xmlns:o="urn:schemas-microsoft-com:office:office" xmlns:v="urn:schemas-microsoft-com:vml" xmlns:pvml="urn:schemas-microsoft-com:office:powerpoint" xmlns:com="http://schemas.openxmlformats.org/drawingml/2006/compatibility" xmlns:p14="http://schemas.microsoft.com/office/powerpoint/2010/main" xmlns:p15="http://schemas.microsoft.com/office/powerpoint/2012/main" xmlns:ahyp="http://schemas.microsoft.com/office/drawing/2018/hyperlinkcolor" showMasterPhAnim="0" showMasterSp="0">
+<p:notes xmlns:a="http://schemas.openxmlformats.org/drawingml/2006/main" xmlns:r="http://schemas.openxmlformats.org/officeDocument/2006/relationships" xmlns:p="http://schemas.openxmlformats.org/presentationml/2006/main" showMasterSp="0" showMasterPhAnim="0">
   <p:cSld>
     <p:spTree>
       <p:nvGrpSpPr>
-        <p:cNvPr id="79" name="Shape 79"/>
+        <p:cNvPr id="1" name="Shape 79"/>
         <p:cNvGrpSpPr/>
         <p:nvPr/>
       </p:nvGrpSpPr>
@@ -1528,20 +1586,26 @@
       <p:sp>
         <p:nvSpPr>
           <p:cNvPr id="80" name="Google Shape;80;g31f02dbb68a_0_0:notes"/>
-          <p:cNvSpPr/>
+          <p:cNvSpPr>
+            <a:spLocks noGrp="1" noRot="1" noChangeAspect="1"/>
+          </p:cNvSpPr>
           <p:nvPr>
-            <p:ph idx="2" type="sldImg"/>
+            <p:ph type="sldImg" idx="2"/>
           </p:nvPr>
         </p:nvSpPr>
         <p:spPr>
           <a:xfrm>
-            <a:off x="381300" y="685800"/>
+            <a:off x="381000" y="685800"/>
             <a:ext cx="6096000" cy="3429000"/>
           </a:xfrm>
           <a:custGeom>
-            <a:rect b="b" l="l" r="r" t="t"/>
+            <a:avLst/>
+            <a:gdLst/>
+            <a:ahLst/>
+            <a:cxnLst/>
+            <a:rect l="l" t="t" r="r" b="b"/>
             <a:pathLst>
-              <a:path extrusionOk="0" h="120000" w="120000">
+              <a:path w="120000" h="120000" extrusionOk="0">
                 <a:moveTo>
                   <a:pt x="0" y="0"/>
                 </a:moveTo>
@@ -1563,9 +1627,11 @@
       <p:sp>
         <p:nvSpPr>
           <p:cNvPr id="81" name="Google Shape;81;g31f02dbb68a_0_0:notes"/>
-          <p:cNvSpPr txBox="1"/>
+          <p:cNvSpPr txBox="1">
+            <a:spLocks noGrp="1"/>
+          </p:cNvSpPr>
           <p:nvPr>
-            <p:ph idx="1" type="body"/>
+            <p:ph type="body" idx="1"/>
           </p:nvPr>
         </p:nvSpPr>
         <p:spPr>
@@ -1578,12 +1644,12 @@
           </a:prstGeom>
         </p:spPr>
         <p:txBody>
-          <a:bodyPr anchorCtr="0" anchor="t" bIns="91425" lIns="91425" spcFirstLastPara="1" rIns="91425" wrap="square" tIns="91425">
+          <a:bodyPr spcFirstLastPara="1" wrap="square" lIns="91425" tIns="91425" rIns="91425" bIns="91425" anchor="t" anchorCtr="0">
             <a:noAutofit/>
           </a:bodyPr>
           <a:lstStyle/>
           <a:p>
-            <a:pPr indent="0" lvl="0" marL="0" rtl="0" algn="l">
+            <a:pPr marL="0" lvl="0" indent="0" algn="l" rtl="0">
               <a:spcBef>
                 <a:spcPts val="0"/>
               </a:spcBef>
@@ -1592,9 +1658,6 @@
               </a:spcAft>
               <a:buNone/>
             </a:pPr>
-            <a:r>
-              <a:t/>
-            </a:r>
             <a:endParaRPr/>
           </a:p>
         </p:txBody>
@@ -1608,11 +1671,11 @@
 </file>
 
 <file path=ppt/notesSlides/notesSlide5.xml><?xml version="1.0" encoding="utf-8"?>
-<p:notes xmlns:a="http://schemas.openxmlformats.org/drawingml/2006/main" xmlns:r="http://schemas.openxmlformats.org/officeDocument/2006/relationships" xmlns:mc="http://schemas.openxmlformats.org/markup-compatibility/2006" xmlns:mv="urn:schemas-microsoft-com:mac:vml" xmlns:p="http://schemas.openxmlformats.org/presentationml/2006/main" xmlns:c="http://schemas.openxmlformats.org/drawingml/2006/chart" xmlns:dgm="http://schemas.openxmlformats.org/drawingml/2006/diagram" xmlns:o="urn:schemas-microsoft-com:office:office" xmlns:v="urn:schemas-microsoft-com:vml" xmlns:pvml="urn:schemas-microsoft-com:office:powerpoint" xmlns:com="http://schemas.openxmlformats.org/drawingml/2006/compatibility" xmlns:p14="http://schemas.microsoft.com/office/powerpoint/2010/main" xmlns:p15="http://schemas.microsoft.com/office/powerpoint/2012/main" xmlns:ahyp="http://schemas.microsoft.com/office/drawing/2018/hyperlinkcolor" showMasterPhAnim="0" showMasterSp="0">
+<p:notes xmlns:a="http://schemas.openxmlformats.org/drawingml/2006/main" xmlns:r="http://schemas.openxmlformats.org/officeDocument/2006/relationships" xmlns:p="http://schemas.openxmlformats.org/presentationml/2006/main" showMasterSp="0" showMasterPhAnim="0">
   <p:cSld>
     <p:spTree>
       <p:nvGrpSpPr>
-        <p:cNvPr id="87" name="Shape 87"/>
+        <p:cNvPr id="1" name="Shape 87"/>
         <p:cNvGrpSpPr/>
         <p:nvPr/>
       </p:nvGrpSpPr>
@@ -1627,9 +1690,11 @@
       <p:sp>
         <p:nvSpPr>
           <p:cNvPr id="88" name="Google Shape;88;g2f9fa864c1d_1_0:notes"/>
-          <p:cNvSpPr/>
+          <p:cNvSpPr>
+            <a:spLocks noGrp="1" noRot="1" noChangeAspect="1"/>
+          </p:cNvSpPr>
           <p:nvPr>
-            <p:ph idx="2" type="sldImg"/>
+            <p:ph type="sldImg" idx="2"/>
           </p:nvPr>
         </p:nvSpPr>
         <p:spPr>
@@ -1638,9 +1703,13 @@
             <a:ext cx="6096000" cy="3429000"/>
           </a:xfrm>
           <a:custGeom>
-            <a:rect b="b" l="l" r="r" t="t"/>
+            <a:avLst/>
+            <a:gdLst/>
+            <a:ahLst/>
+            <a:cxnLst/>
+            <a:rect l="l" t="t" r="r" b="b"/>
             <a:pathLst>
-              <a:path extrusionOk="0" h="120000" w="120000">
+              <a:path w="120000" h="120000" extrusionOk="0">
                 <a:moveTo>
                   <a:pt x="0" y="0"/>
                 </a:moveTo>
@@ -1662,9 +1731,11 @@
       <p:sp>
         <p:nvSpPr>
           <p:cNvPr id="89" name="Google Shape;89;g2f9fa864c1d_1_0:notes"/>
-          <p:cNvSpPr txBox="1"/>
+          <p:cNvSpPr txBox="1">
+            <a:spLocks noGrp="1"/>
+          </p:cNvSpPr>
           <p:nvPr>
-            <p:ph idx="1" type="body"/>
+            <p:ph type="body" idx="1"/>
           </p:nvPr>
         </p:nvSpPr>
         <p:spPr>
@@ -1677,12 +1748,12 @@
           </a:prstGeom>
         </p:spPr>
         <p:txBody>
-          <a:bodyPr anchorCtr="0" anchor="t" bIns="91425" lIns="91425" spcFirstLastPara="1" rIns="91425" wrap="square" tIns="91425">
+          <a:bodyPr spcFirstLastPara="1" wrap="square" lIns="91425" tIns="91425" rIns="91425" bIns="91425" anchor="t" anchorCtr="0">
             <a:noAutofit/>
           </a:bodyPr>
           <a:lstStyle/>
           <a:p>
-            <a:pPr indent="0" lvl="0" marL="0" rtl="0" algn="l">
+            <a:pPr marL="0" lvl="0" indent="0" algn="l" rtl="0">
               <a:lnSpc>
                 <a:spcPct val="115000"/>
               </a:lnSpc>
@@ -1714,7 +1785,7 @@
             </a:endParaRPr>
           </a:p>
           <a:p>
-            <a:pPr indent="0" lvl="0" marL="0" rtl="0" algn="l">
+            <a:pPr marL="0" lvl="0" indent="0" algn="l" rtl="0">
               <a:spcBef>
                 <a:spcPts val="0"/>
               </a:spcBef>
@@ -1723,9 +1794,6 @@
               </a:spcAft>
               <a:buNone/>
             </a:pPr>
-            <a:r>
-              <a:t/>
-            </a:r>
             <a:endParaRPr/>
           </a:p>
         </p:txBody>
@@ -1739,11 +1807,11 @@
 </file>
 
 <file path=ppt/notesSlides/notesSlide6.xml><?xml version="1.0" encoding="utf-8"?>
-<p:notes xmlns:a="http://schemas.openxmlformats.org/drawingml/2006/main" xmlns:r="http://schemas.openxmlformats.org/officeDocument/2006/relationships" xmlns:mc="http://schemas.openxmlformats.org/markup-compatibility/2006" xmlns:mv="urn:schemas-microsoft-com:mac:vml" xmlns:p="http://schemas.openxmlformats.org/presentationml/2006/main" xmlns:c="http://schemas.openxmlformats.org/drawingml/2006/chart" xmlns:dgm="http://schemas.openxmlformats.org/drawingml/2006/diagram" xmlns:o="urn:schemas-microsoft-com:office:office" xmlns:v="urn:schemas-microsoft-com:vml" xmlns:pvml="urn:schemas-microsoft-com:office:powerpoint" xmlns:com="http://schemas.openxmlformats.org/drawingml/2006/compatibility" xmlns:p14="http://schemas.microsoft.com/office/powerpoint/2010/main" xmlns:p15="http://schemas.microsoft.com/office/powerpoint/2012/main" xmlns:ahyp="http://schemas.microsoft.com/office/drawing/2018/hyperlinkcolor" showMasterPhAnim="0" showMasterSp="0">
+<p:notes xmlns:a="http://schemas.openxmlformats.org/drawingml/2006/main" xmlns:r="http://schemas.openxmlformats.org/officeDocument/2006/relationships" xmlns:p="http://schemas.openxmlformats.org/presentationml/2006/main" showMasterSp="0" showMasterPhAnim="0">
   <p:cSld>
     <p:spTree>
       <p:nvGrpSpPr>
-        <p:cNvPr id="94" name="Shape 94"/>
+        <p:cNvPr id="1" name="Shape 94"/>
         <p:cNvGrpSpPr/>
         <p:nvPr/>
       </p:nvGrpSpPr>
@@ -1758,9 +1826,11 @@
       <p:sp>
         <p:nvSpPr>
           <p:cNvPr id="95" name="Google Shape;95;g31f05a3efe2_2_0:notes"/>
-          <p:cNvSpPr/>
+          <p:cNvSpPr>
+            <a:spLocks noGrp="1" noRot="1" noChangeAspect="1"/>
+          </p:cNvSpPr>
           <p:nvPr>
-            <p:ph idx="2" type="sldImg"/>
+            <p:ph type="sldImg" idx="2"/>
           </p:nvPr>
         </p:nvSpPr>
         <p:spPr>
@@ -1769,9 +1839,13 @@
             <a:ext cx="6096000" cy="3429000"/>
           </a:xfrm>
           <a:custGeom>
-            <a:rect b="b" l="l" r="r" t="t"/>
+            <a:avLst/>
+            <a:gdLst/>
+            <a:ahLst/>
+            <a:cxnLst/>
+            <a:rect l="l" t="t" r="r" b="b"/>
             <a:pathLst>
-              <a:path extrusionOk="0" h="120000" w="120000">
+              <a:path w="120000" h="120000" extrusionOk="0">
                 <a:moveTo>
                   <a:pt x="0" y="0"/>
                 </a:moveTo>
@@ -1793,9 +1867,11 @@
       <p:sp>
         <p:nvSpPr>
           <p:cNvPr id="96" name="Google Shape;96;g31f05a3efe2_2_0:notes"/>
-          <p:cNvSpPr txBox="1"/>
+          <p:cNvSpPr txBox="1">
+            <a:spLocks noGrp="1"/>
+          </p:cNvSpPr>
           <p:nvPr>
-            <p:ph idx="1" type="body"/>
+            <p:ph type="body" idx="1"/>
           </p:nvPr>
         </p:nvSpPr>
         <p:spPr>
@@ -1808,12 +1884,12 @@
           </a:prstGeom>
         </p:spPr>
         <p:txBody>
-          <a:bodyPr anchorCtr="0" anchor="t" bIns="91425" lIns="91425" spcFirstLastPara="1" rIns="91425" wrap="square" tIns="91425">
+          <a:bodyPr spcFirstLastPara="1" wrap="square" lIns="91425" tIns="91425" rIns="91425" bIns="91425" anchor="t" anchorCtr="0">
             <a:noAutofit/>
           </a:bodyPr>
           <a:lstStyle/>
           <a:p>
-            <a:pPr indent="0" lvl="0" marL="0" rtl="0" algn="l">
+            <a:pPr marL="0" lvl="0" indent="0" algn="l" rtl="0">
               <a:spcBef>
                 <a:spcPts val="0"/>
               </a:spcBef>
@@ -1822,9 +1898,6 @@
               </a:spcAft>
               <a:buNone/>
             </a:pPr>
-            <a:r>
-              <a:t/>
-            </a:r>
             <a:endParaRPr/>
           </a:p>
         </p:txBody>
@@ -1838,11 +1911,11 @@
 </file>
 
 <file path=ppt/notesSlides/notesSlide7.xml><?xml version="1.0" encoding="utf-8"?>
-<p:notes xmlns:a="http://schemas.openxmlformats.org/drawingml/2006/main" xmlns:r="http://schemas.openxmlformats.org/officeDocument/2006/relationships" xmlns:mc="http://schemas.openxmlformats.org/markup-compatibility/2006" xmlns:mv="urn:schemas-microsoft-com:mac:vml" xmlns:p="http://schemas.openxmlformats.org/presentationml/2006/main" xmlns:c="http://schemas.openxmlformats.org/drawingml/2006/chart" xmlns:dgm="http://schemas.openxmlformats.org/drawingml/2006/diagram" xmlns:o="urn:schemas-microsoft-com:office:office" xmlns:v="urn:schemas-microsoft-com:vml" xmlns:pvml="urn:schemas-microsoft-com:office:powerpoint" xmlns:com="http://schemas.openxmlformats.org/drawingml/2006/compatibility" xmlns:p14="http://schemas.microsoft.com/office/powerpoint/2010/main" xmlns:p15="http://schemas.microsoft.com/office/powerpoint/2012/main" xmlns:ahyp="http://schemas.microsoft.com/office/drawing/2018/hyperlinkcolor" showMasterPhAnim="0" showMasterSp="0">
+<p:notes xmlns:a="http://schemas.openxmlformats.org/drawingml/2006/main" xmlns:r="http://schemas.openxmlformats.org/officeDocument/2006/relationships" xmlns:p="http://schemas.openxmlformats.org/presentationml/2006/main" showMasterSp="0" showMasterPhAnim="0">
   <p:cSld>
     <p:spTree>
       <p:nvGrpSpPr>
-        <p:cNvPr id="100" name="Shape 100"/>
+        <p:cNvPr id="1" name="Shape 100"/>
         <p:cNvGrpSpPr/>
         <p:nvPr/>
       </p:nvGrpSpPr>
@@ -1857,9 +1930,11 @@
       <p:sp>
         <p:nvSpPr>
           <p:cNvPr id="101" name="Google Shape;101;g31f05a3efe2_0_0:notes"/>
-          <p:cNvSpPr/>
+          <p:cNvSpPr>
+            <a:spLocks noGrp="1" noRot="1" noChangeAspect="1"/>
+          </p:cNvSpPr>
           <p:nvPr>
-            <p:ph idx="2" type="sldImg"/>
+            <p:ph type="sldImg" idx="2"/>
           </p:nvPr>
         </p:nvSpPr>
         <p:spPr>
@@ -1868,9 +1943,13 @@
             <a:ext cx="6096000" cy="3429000"/>
           </a:xfrm>
           <a:custGeom>
-            <a:rect b="b" l="l" r="r" t="t"/>
+            <a:avLst/>
+            <a:gdLst/>
+            <a:ahLst/>
+            <a:cxnLst/>
+            <a:rect l="l" t="t" r="r" b="b"/>
             <a:pathLst>
-              <a:path extrusionOk="0" h="120000" w="120000">
+              <a:path w="120000" h="120000" extrusionOk="0">
                 <a:moveTo>
                   <a:pt x="0" y="0"/>
                 </a:moveTo>
@@ -1892,9 +1971,11 @@
       <p:sp>
         <p:nvSpPr>
           <p:cNvPr id="102" name="Google Shape;102;g31f05a3efe2_0_0:notes"/>
-          <p:cNvSpPr txBox="1"/>
+          <p:cNvSpPr txBox="1">
+            <a:spLocks noGrp="1"/>
+          </p:cNvSpPr>
           <p:nvPr>
-            <p:ph idx="1" type="body"/>
+            <p:ph type="body" idx="1"/>
           </p:nvPr>
         </p:nvSpPr>
         <p:spPr>
@@ -1907,12 +1988,12 @@
           </a:prstGeom>
         </p:spPr>
         <p:txBody>
-          <a:bodyPr anchorCtr="0" anchor="t" bIns="91425" lIns="91425" spcFirstLastPara="1" rIns="91425" wrap="square" tIns="91425">
+          <a:bodyPr spcFirstLastPara="1" wrap="square" lIns="91425" tIns="91425" rIns="91425" bIns="91425" anchor="t" anchorCtr="0">
             <a:noAutofit/>
           </a:bodyPr>
           <a:lstStyle/>
           <a:p>
-            <a:pPr indent="0" lvl="0" marL="0" rtl="0" algn="l">
+            <a:pPr marL="0" lvl="0" indent="0" algn="l" rtl="0">
               <a:spcBef>
                 <a:spcPts val="0"/>
               </a:spcBef>
@@ -1921,9 +2002,6 @@
               </a:spcAft>
               <a:buNone/>
             </a:pPr>
-            <a:r>
-              <a:t/>
-            </a:r>
             <a:endParaRPr/>
           </a:p>
         </p:txBody>
@@ -1937,11 +2015,11 @@
 </file>
 
 <file path=ppt/notesSlides/notesSlide8.xml><?xml version="1.0" encoding="utf-8"?>
-<p:notes xmlns:a="http://schemas.openxmlformats.org/drawingml/2006/main" xmlns:r="http://schemas.openxmlformats.org/officeDocument/2006/relationships" xmlns:mc="http://schemas.openxmlformats.org/markup-compatibility/2006" xmlns:mv="urn:schemas-microsoft-com:mac:vml" xmlns:p="http://schemas.openxmlformats.org/presentationml/2006/main" xmlns:c="http://schemas.openxmlformats.org/drawingml/2006/chart" xmlns:dgm="http://schemas.openxmlformats.org/drawingml/2006/diagram" xmlns:o="urn:schemas-microsoft-com:office:office" xmlns:v="urn:schemas-microsoft-com:vml" xmlns:pvml="urn:schemas-microsoft-com:office:powerpoint" xmlns:com="http://schemas.openxmlformats.org/drawingml/2006/compatibility" xmlns:p14="http://schemas.microsoft.com/office/powerpoint/2010/main" xmlns:p15="http://schemas.microsoft.com/office/powerpoint/2012/main" xmlns:ahyp="http://schemas.microsoft.com/office/drawing/2018/hyperlinkcolor" showMasterPhAnim="0" showMasterSp="0">
+<p:notes xmlns:a="http://schemas.openxmlformats.org/drawingml/2006/main" xmlns:r="http://schemas.openxmlformats.org/officeDocument/2006/relationships" xmlns:p="http://schemas.openxmlformats.org/presentationml/2006/main" showMasterSp="0" showMasterPhAnim="0">
   <p:cSld>
     <p:spTree>
       <p:nvGrpSpPr>
-        <p:cNvPr id="106" name="Shape 106"/>
+        <p:cNvPr id="1" name="Shape 106"/>
         <p:cNvGrpSpPr/>
         <p:nvPr/>
       </p:nvGrpSpPr>
@@ -1956,9 +2034,11 @@
       <p:sp>
         <p:nvSpPr>
           <p:cNvPr id="107" name="Google Shape;107;g31f02dbb68a_0_15:notes"/>
-          <p:cNvSpPr/>
+          <p:cNvSpPr>
+            <a:spLocks noGrp="1" noRot="1" noChangeAspect="1"/>
+          </p:cNvSpPr>
           <p:nvPr>
-            <p:ph idx="2" type="sldImg"/>
+            <p:ph type="sldImg" idx="2"/>
           </p:nvPr>
         </p:nvSpPr>
         <p:spPr>
@@ -1967,9 +2047,13 @@
             <a:ext cx="6096000" cy="3429000"/>
           </a:xfrm>
           <a:custGeom>
-            <a:rect b="b" l="l" r="r" t="t"/>
+            <a:avLst/>
+            <a:gdLst/>
+            <a:ahLst/>
+            <a:cxnLst/>
+            <a:rect l="l" t="t" r="r" b="b"/>
             <a:pathLst>
-              <a:path extrusionOk="0" h="120000" w="120000">
+              <a:path w="120000" h="120000" extrusionOk="0">
                 <a:moveTo>
                   <a:pt x="0" y="0"/>
                 </a:moveTo>
@@ -1991,9 +2075,11 @@
       <p:sp>
         <p:nvSpPr>
           <p:cNvPr id="108" name="Google Shape;108;g31f02dbb68a_0_15:notes"/>
-          <p:cNvSpPr txBox="1"/>
+          <p:cNvSpPr txBox="1">
+            <a:spLocks noGrp="1"/>
+          </p:cNvSpPr>
           <p:nvPr>
-            <p:ph idx="1" type="body"/>
+            <p:ph type="body" idx="1"/>
           </p:nvPr>
         </p:nvSpPr>
         <p:spPr>
@@ -2006,12 +2092,12 @@
           </a:prstGeom>
         </p:spPr>
         <p:txBody>
-          <a:bodyPr anchorCtr="0" anchor="t" bIns="91425" lIns="91425" spcFirstLastPara="1" rIns="91425" wrap="square" tIns="91425">
+          <a:bodyPr spcFirstLastPara="1" wrap="square" lIns="91425" tIns="91425" rIns="91425" bIns="91425" anchor="t" anchorCtr="0">
             <a:noAutofit/>
           </a:bodyPr>
           <a:lstStyle/>
           <a:p>
-            <a:pPr indent="0" lvl="0" marL="0" rtl="0" algn="l">
+            <a:pPr marL="0" lvl="0" indent="0" algn="l" rtl="0">
               <a:spcBef>
                 <a:spcPts val="0"/>
               </a:spcBef>
@@ -2027,7 +2113,7 @@
             <a:endParaRPr/>
           </a:p>
           <a:p>
-            <a:pPr indent="0" lvl="0" marL="0" rtl="0" algn="l">
+            <a:pPr marL="0" lvl="0" indent="0" algn="l" rtl="0">
               <a:spcBef>
                 <a:spcPts val="0"/>
               </a:spcBef>
@@ -2043,7 +2129,7 @@
             <a:endParaRPr/>
           </a:p>
           <a:p>
-            <a:pPr indent="0" lvl="0" marL="0" rtl="0" algn="l">
+            <a:pPr marL="0" lvl="0" indent="0" algn="l" rtl="0">
               <a:spcBef>
                 <a:spcPts val="0"/>
               </a:spcBef>
@@ -2069,11 +2155,11 @@
 </file>
 
 <file path=ppt/notesSlides/notesSlide9.xml><?xml version="1.0" encoding="utf-8"?>
-<p:notes xmlns:a="http://schemas.openxmlformats.org/drawingml/2006/main" xmlns:r="http://schemas.openxmlformats.org/officeDocument/2006/relationships" xmlns:mc="http://schemas.openxmlformats.org/markup-compatibility/2006" xmlns:mv="urn:schemas-microsoft-com:mac:vml" xmlns:p="http://schemas.openxmlformats.org/presentationml/2006/main" xmlns:c="http://schemas.openxmlformats.org/drawingml/2006/chart" xmlns:dgm="http://schemas.openxmlformats.org/drawingml/2006/diagram" xmlns:o="urn:schemas-microsoft-com:office:office" xmlns:v="urn:schemas-microsoft-com:vml" xmlns:pvml="urn:schemas-microsoft-com:office:powerpoint" xmlns:com="http://schemas.openxmlformats.org/drawingml/2006/compatibility" xmlns:p14="http://schemas.microsoft.com/office/powerpoint/2010/main" xmlns:p15="http://schemas.microsoft.com/office/powerpoint/2012/main" xmlns:ahyp="http://schemas.microsoft.com/office/drawing/2018/hyperlinkcolor" showMasterPhAnim="0" showMasterSp="0">
+<p:notes xmlns:a="http://schemas.openxmlformats.org/drawingml/2006/main" xmlns:r="http://schemas.openxmlformats.org/officeDocument/2006/relationships" xmlns:p="http://schemas.openxmlformats.org/presentationml/2006/main" showMasterSp="0" showMasterPhAnim="0">
   <p:cSld>
     <p:spTree>
       <p:nvGrpSpPr>
-        <p:cNvPr id="112" name="Shape 112"/>
+        <p:cNvPr id="1" name="Shape 112"/>
         <p:cNvGrpSpPr/>
         <p:nvPr/>
       </p:nvGrpSpPr>
@@ -2088,9 +2174,11 @@
       <p:sp>
         <p:nvSpPr>
           <p:cNvPr id="113" name="Google Shape;113;g31f05a3efe2_0_7:notes"/>
-          <p:cNvSpPr/>
+          <p:cNvSpPr>
+            <a:spLocks noGrp="1" noRot="1" noChangeAspect="1"/>
+          </p:cNvSpPr>
           <p:nvPr>
-            <p:ph idx="2" type="sldImg"/>
+            <p:ph type="sldImg" idx="2"/>
           </p:nvPr>
         </p:nvSpPr>
         <p:spPr>
@@ -2099,9 +2187,13 @@
             <a:ext cx="6096000" cy="3429000"/>
           </a:xfrm>
           <a:custGeom>
-            <a:rect b="b" l="l" r="r" t="t"/>
+            <a:avLst/>
+            <a:gdLst/>
+            <a:ahLst/>
+            <a:cxnLst/>
+            <a:rect l="l" t="t" r="r" b="b"/>
             <a:pathLst>
-              <a:path extrusionOk="0" h="120000" w="120000">
+              <a:path w="120000" h="120000" extrusionOk="0">
                 <a:moveTo>
                   <a:pt x="0" y="0"/>
                 </a:moveTo>
@@ -2123,9 +2215,11 @@
       <p:sp>
         <p:nvSpPr>
           <p:cNvPr id="114" name="Google Shape;114;g31f05a3efe2_0_7:notes"/>
-          <p:cNvSpPr txBox="1"/>
+          <p:cNvSpPr txBox="1">
+            <a:spLocks noGrp="1"/>
+          </p:cNvSpPr>
           <p:nvPr>
-            <p:ph idx="1" type="body"/>
+            <p:ph type="body" idx="1"/>
           </p:nvPr>
         </p:nvSpPr>
         <p:spPr>
@@ -2138,12 +2232,12 @@
           </a:prstGeom>
         </p:spPr>
         <p:txBody>
-          <a:bodyPr anchorCtr="0" anchor="t" bIns="91425" lIns="91425" spcFirstLastPara="1" rIns="91425" wrap="square" tIns="91425">
+          <a:bodyPr spcFirstLastPara="1" wrap="square" lIns="91425" tIns="91425" rIns="91425" bIns="91425" anchor="t" anchorCtr="0">
             <a:noAutofit/>
           </a:bodyPr>
           <a:lstStyle/>
           <a:p>
-            <a:pPr indent="0" lvl="0" marL="0" rtl="0" algn="l">
+            <a:pPr marL="0" lvl="0" indent="0" algn="l" rtl="0">
               <a:spcBef>
                 <a:spcPts val="0"/>
               </a:spcBef>
@@ -2152,9 +2246,6 @@
               </a:spcAft>
               <a:buNone/>
             </a:pPr>
-            <a:r>
-              <a:t/>
-            </a:r>
             <a:endParaRPr/>
           </a:p>
         </p:txBody>
@@ -2168,18 +2259,19 @@
 </file>
 
 <file path=ppt/slideLayouts/slideLayout1.xml><?xml version="1.0" encoding="utf-8"?>
-<p:sldLayout xmlns:a="http://schemas.openxmlformats.org/drawingml/2006/main" xmlns:r="http://schemas.openxmlformats.org/officeDocument/2006/relationships" xmlns:mc="http://schemas.openxmlformats.org/markup-compatibility/2006" xmlns:mv="urn:schemas-microsoft-com:mac:vml" xmlns:p="http://schemas.openxmlformats.org/presentationml/2006/main" xmlns:c="http://schemas.openxmlformats.org/drawingml/2006/chart" xmlns:dgm="http://schemas.openxmlformats.org/drawingml/2006/diagram" xmlns:o="urn:schemas-microsoft-com:office:office" xmlns:v="urn:schemas-microsoft-com:vml" xmlns:pvml="urn:schemas-microsoft-com:office:powerpoint" xmlns:com="http://schemas.openxmlformats.org/drawingml/2006/compatibility" xmlns:p14="http://schemas.microsoft.com/office/powerpoint/2010/main" xmlns:p15="http://schemas.microsoft.com/office/powerpoint/2012/main" xmlns:ahyp="http://schemas.microsoft.com/office/drawing/2018/hyperlinkcolor" matchingName="Title slide" type="title">
+<p:sldLayout xmlns:a="http://schemas.openxmlformats.org/drawingml/2006/main" xmlns:r="http://schemas.openxmlformats.org/officeDocument/2006/relationships" xmlns:p="http://schemas.openxmlformats.org/presentationml/2006/main" matchingName="Title slide" type="title">
   <p:cSld name="TITLE">
     <p:bg>
       <p:bgPr>
         <a:solidFill>
           <a:schemeClr val="dk1"/>
         </a:solidFill>
+        <a:effectLst/>
       </p:bgPr>
     </p:bg>
     <p:spTree>
       <p:nvGrpSpPr>
-        <p:cNvPr id="9" name="Shape 9"/>
+        <p:cNvPr id="1" name="Shape 9"/>
         <p:cNvGrpSpPr/>
         <p:nvPr/>
       </p:nvGrpSpPr>
@@ -2203,9 +2295,13 @@
             <a:ext cx="9144250" cy="4398100"/>
           </a:xfrm>
           <a:custGeom>
-            <a:rect b="b" l="l" r="r" t="t"/>
+            <a:avLst/>
+            <a:gdLst/>
+            <a:ahLst/>
+            <a:cxnLst/>
+            <a:rect l="l" t="t" r="r" b="b"/>
             <a:pathLst>
-              <a:path extrusionOk="0" h="175924" w="365770">
+              <a:path w="365770" h="175924" extrusionOk="0">
                 <a:moveTo>
                   <a:pt x="0" y="0"/>
                 </a:moveTo>
@@ -2233,7 +2329,9 @@
       <p:sp>
         <p:nvSpPr>
           <p:cNvPr id="11" name="Google Shape;11;p2"/>
-          <p:cNvSpPr txBox="1"/>
+          <p:cNvSpPr txBox="1">
+            <a:spLocks noGrp="1"/>
+          </p:cNvSpPr>
           <p:nvPr>
             <p:ph type="ctrTitle"/>
           </p:nvPr>
@@ -2248,7 +2346,7 @@
           </a:prstGeom>
         </p:spPr>
         <p:txBody>
-          <a:bodyPr anchorCtr="0" anchor="t" bIns="91425" lIns="91425" spcFirstLastPara="1" rIns="91425" wrap="square" tIns="91425">
+          <a:bodyPr spcFirstLastPara="1" wrap="square" lIns="91425" tIns="91425" rIns="91425" bIns="91425" anchor="t" anchorCtr="0">
             <a:normAutofit/>
           </a:bodyPr>
           <a:lstStyle>
@@ -2352,15 +2450,19 @@
               <a:defRPr sz="3600"/>
             </a:lvl9pPr>
           </a:lstStyle>
-          <a:p/>
+          <a:p>
+            <a:endParaRPr/>
+          </a:p>
         </p:txBody>
       </p:sp>
       <p:sp>
         <p:nvSpPr>
           <p:cNvPr id="12" name="Google Shape;12;p2"/>
-          <p:cNvSpPr txBox="1"/>
+          <p:cNvSpPr txBox="1">
+            <a:spLocks noGrp="1"/>
+          </p:cNvSpPr>
           <p:nvPr>
-            <p:ph idx="1" type="subTitle"/>
+            <p:ph type="subTitle" idx="1"/>
           </p:nvPr>
         </p:nvSpPr>
         <p:spPr>
@@ -2373,7 +2475,7 @@
           </a:prstGeom>
         </p:spPr>
         <p:txBody>
-          <a:bodyPr anchorCtr="0" anchor="t" bIns="91425" lIns="91425" spcFirstLastPara="1" rIns="91425" wrap="square" tIns="91425">
+          <a:bodyPr spcFirstLastPara="1" wrap="square" lIns="91425" tIns="91425" rIns="91425" bIns="91425" anchor="t" anchorCtr="0">
             <a:normAutofit/>
           </a:bodyPr>
           <a:lstStyle>
@@ -2567,15 +2669,19 @@
               </a:defRPr>
             </a:lvl9pPr>
           </a:lstStyle>
-          <a:p/>
+          <a:p>
+            <a:endParaRPr/>
+          </a:p>
         </p:txBody>
       </p:sp>
       <p:sp>
         <p:nvSpPr>
           <p:cNvPr id="13" name="Google Shape;13;p2"/>
-          <p:cNvSpPr txBox="1"/>
+          <p:cNvSpPr txBox="1">
+            <a:spLocks noGrp="1"/>
+          </p:cNvSpPr>
           <p:nvPr>
-            <p:ph idx="12" type="sldNum"/>
+            <p:ph type="sldNum" idx="12"/>
           </p:nvPr>
         </p:nvSpPr>
         <p:spPr>
@@ -2588,7 +2694,7 @@
           </a:prstGeom>
         </p:spPr>
         <p:txBody>
-          <a:bodyPr anchorCtr="0" anchor="ctr" bIns="91425" lIns="91425" spcFirstLastPara="1" rIns="91425" wrap="square" tIns="91425">
+          <a:bodyPr spcFirstLastPara="1" wrap="square" lIns="91425" tIns="91425" rIns="91425" bIns="91425" anchor="ctr" anchorCtr="0">
             <a:normAutofit/>
           </a:bodyPr>
           <a:lstStyle>
@@ -2666,7 +2772,7 @@
             </a:lvl9pPr>
           </a:lstStyle>
           <a:p>
-            <a:pPr indent="0" lvl="0" marL="0" rtl="0" algn="r">
+            <a:pPr marL="0" lvl="0" indent="0" algn="r" rtl="0">
               <a:spcBef>
                 <a:spcPts val="0"/>
               </a:spcBef>
@@ -2692,18 +2798,19 @@
 </file>
 
 <file path=ppt/slideLayouts/slideLayout10.xml><?xml version="1.0" encoding="utf-8"?>
-<p:sldLayout xmlns:a="http://schemas.openxmlformats.org/drawingml/2006/main" xmlns:r="http://schemas.openxmlformats.org/officeDocument/2006/relationships" xmlns:mc="http://schemas.openxmlformats.org/markup-compatibility/2006" xmlns:mv="urn:schemas-microsoft-com:mac:vml" xmlns:p="http://schemas.openxmlformats.org/presentationml/2006/main" xmlns:c="http://schemas.openxmlformats.org/drawingml/2006/chart" xmlns:dgm="http://schemas.openxmlformats.org/drawingml/2006/diagram" xmlns:o="urn:schemas-microsoft-com:office:office" xmlns:v="urn:schemas-microsoft-com:vml" xmlns:pvml="urn:schemas-microsoft-com:office:powerpoint" xmlns:com="http://schemas.openxmlformats.org/drawingml/2006/compatibility" xmlns:p14="http://schemas.microsoft.com/office/powerpoint/2010/main" xmlns:p15="http://schemas.microsoft.com/office/powerpoint/2012/main" xmlns:ahyp="http://schemas.microsoft.com/office/drawing/2018/hyperlinkcolor" matchingName="Big number">
+<p:sldLayout xmlns:a="http://schemas.openxmlformats.org/drawingml/2006/main" xmlns:r="http://schemas.openxmlformats.org/officeDocument/2006/relationships" xmlns:p="http://schemas.openxmlformats.org/presentationml/2006/main" matchingName="Big number">
   <p:cSld name="BIG_NUMBER">
     <p:bg>
       <p:bgPr>
         <a:solidFill>
           <a:schemeClr val="dk1"/>
         </a:solidFill>
+        <a:effectLst/>
       </p:bgPr>
     </p:bg>
     <p:spTree>
       <p:nvGrpSpPr>
-        <p:cNvPr id="54" name="Shape 54"/>
+        <p:cNvPr id="1" name="Shape 54"/>
         <p:cNvGrpSpPr/>
         <p:nvPr/>
       </p:nvGrpSpPr>
@@ -2718,9 +2825,11 @@
       <p:sp>
         <p:nvSpPr>
           <p:cNvPr id="55" name="Google Shape;55;p11"/>
-          <p:cNvSpPr txBox="1"/>
+          <p:cNvSpPr txBox="1">
+            <a:spLocks noGrp="1"/>
+          </p:cNvSpPr>
           <p:nvPr>
-            <p:ph hasCustomPrompt="1" type="title"/>
+            <p:ph type="title" hasCustomPrompt="1"/>
           </p:nvPr>
         </p:nvSpPr>
         <p:spPr>
@@ -2733,7 +2842,7 @@
           </a:prstGeom>
         </p:spPr>
         <p:txBody>
-          <a:bodyPr anchorCtr="0" anchor="b" bIns="91425" lIns="91425" spcFirstLastPara="1" rIns="91425" wrap="square" tIns="91425">
+          <a:bodyPr spcFirstLastPara="1" wrap="square" lIns="91425" tIns="91425" rIns="91425" bIns="91425" anchor="b" anchorCtr="0">
             <a:normAutofit/>
           </a:bodyPr>
           <a:lstStyle>
@@ -2910,9 +3019,11 @@
       <p:sp>
         <p:nvSpPr>
           <p:cNvPr id="56" name="Google Shape;56;p11"/>
-          <p:cNvSpPr txBox="1"/>
+          <p:cNvSpPr txBox="1">
+            <a:spLocks noGrp="1"/>
+          </p:cNvSpPr>
           <p:nvPr>
-            <p:ph idx="1" type="body"/>
+            <p:ph type="body" idx="1"/>
           </p:nvPr>
         </p:nvSpPr>
         <p:spPr>
@@ -2925,11 +3036,11 @@
           </a:prstGeom>
         </p:spPr>
         <p:txBody>
-          <a:bodyPr anchorCtr="0" anchor="t" bIns="91425" lIns="91425" spcFirstLastPara="1" rIns="91425" wrap="square" tIns="91425">
+          <a:bodyPr spcFirstLastPara="1" wrap="square" lIns="91425" tIns="91425" rIns="91425" bIns="91425" anchor="t" anchorCtr="0">
             <a:normAutofit/>
           </a:bodyPr>
           <a:lstStyle>
-            <a:lvl1pPr indent="-311150" lvl="0" marL="457200">
+            <a:lvl1pPr marL="457200" lvl="0" indent="-311150">
               <a:spcBef>
                 <a:spcPts val="0"/>
               </a:spcBef>
@@ -2947,7 +3058,7 @@
                 </a:solidFill>
               </a:defRPr>
             </a:lvl1pPr>
-            <a:lvl2pPr indent="-298450" lvl="1" marL="914400">
+            <a:lvl2pPr marL="914400" lvl="1" indent="-298450">
               <a:spcBef>
                 <a:spcPts val="0"/>
               </a:spcBef>
@@ -2965,7 +3076,7 @@
                 </a:solidFill>
               </a:defRPr>
             </a:lvl2pPr>
-            <a:lvl3pPr indent="-298450" lvl="2" marL="1371600">
+            <a:lvl3pPr marL="1371600" lvl="2" indent="-298450">
               <a:spcBef>
                 <a:spcPts val="0"/>
               </a:spcBef>
@@ -2983,7 +3094,7 @@
                 </a:solidFill>
               </a:defRPr>
             </a:lvl3pPr>
-            <a:lvl4pPr indent="-298450" lvl="3" marL="1828800">
+            <a:lvl4pPr marL="1828800" lvl="3" indent="-298450">
               <a:spcBef>
                 <a:spcPts val="0"/>
               </a:spcBef>
@@ -3001,7 +3112,7 @@
                 </a:solidFill>
               </a:defRPr>
             </a:lvl4pPr>
-            <a:lvl5pPr indent="-298450" lvl="4" marL="2286000">
+            <a:lvl5pPr marL="2286000" lvl="4" indent="-298450">
               <a:spcBef>
                 <a:spcPts val="0"/>
               </a:spcBef>
@@ -3019,7 +3130,7 @@
                 </a:solidFill>
               </a:defRPr>
             </a:lvl5pPr>
-            <a:lvl6pPr indent="-298450" lvl="5" marL="2743200">
+            <a:lvl6pPr marL="2743200" lvl="5" indent="-298450">
               <a:spcBef>
                 <a:spcPts val="0"/>
               </a:spcBef>
@@ -3037,7 +3148,7 @@
                 </a:solidFill>
               </a:defRPr>
             </a:lvl6pPr>
-            <a:lvl7pPr indent="-298450" lvl="6" marL="3200400">
+            <a:lvl7pPr marL="3200400" lvl="6" indent="-298450">
               <a:spcBef>
                 <a:spcPts val="0"/>
               </a:spcBef>
@@ -3055,7 +3166,7 @@
                 </a:solidFill>
               </a:defRPr>
             </a:lvl7pPr>
-            <a:lvl8pPr indent="-298450" lvl="7" marL="3657600">
+            <a:lvl8pPr marL="3657600" lvl="7" indent="-298450">
               <a:spcBef>
                 <a:spcPts val="0"/>
               </a:spcBef>
@@ -3073,7 +3184,7 @@
                 </a:solidFill>
               </a:defRPr>
             </a:lvl8pPr>
-            <a:lvl9pPr indent="-298450" lvl="8" marL="4114800">
+            <a:lvl9pPr marL="4114800" lvl="8" indent="-298450">
               <a:spcBef>
                 <a:spcPts val="0"/>
               </a:spcBef>
@@ -3092,15 +3203,19 @@
               </a:defRPr>
             </a:lvl9pPr>
           </a:lstStyle>
-          <a:p/>
+          <a:p>
+            <a:endParaRPr/>
+          </a:p>
         </p:txBody>
       </p:sp>
       <p:sp>
         <p:nvSpPr>
           <p:cNvPr id="57" name="Google Shape;57;p11"/>
-          <p:cNvSpPr txBox="1"/>
+          <p:cNvSpPr txBox="1">
+            <a:spLocks noGrp="1"/>
+          </p:cNvSpPr>
           <p:nvPr>
-            <p:ph idx="12" type="sldNum"/>
+            <p:ph type="sldNum" idx="12"/>
           </p:nvPr>
         </p:nvSpPr>
         <p:spPr>
@@ -3113,7 +3228,7 @@
           </a:prstGeom>
         </p:spPr>
         <p:txBody>
-          <a:bodyPr anchorCtr="0" anchor="ctr" bIns="91425" lIns="91425" spcFirstLastPara="1" rIns="91425" wrap="square" tIns="91425">
+          <a:bodyPr spcFirstLastPara="1" wrap="square" lIns="91425" tIns="91425" rIns="91425" bIns="91425" anchor="ctr" anchorCtr="0">
             <a:normAutofit/>
           </a:bodyPr>
           <a:lstStyle>
@@ -3191,7 +3306,7 @@
             </a:lvl9pPr>
           </a:lstStyle>
           <a:p>
-            <a:pPr indent="0" lvl="0" marL="0" rtl="0" algn="r">
+            <a:pPr marL="0" lvl="0" indent="0" algn="r" rtl="0">
               <a:spcBef>
                 <a:spcPts val="0"/>
               </a:spcBef>
@@ -3217,11 +3332,11 @@
 </file>
 
 <file path=ppt/slideLayouts/slideLayout11.xml><?xml version="1.0" encoding="utf-8"?>
-<p:sldLayout xmlns:a="http://schemas.openxmlformats.org/drawingml/2006/main" xmlns:r="http://schemas.openxmlformats.org/officeDocument/2006/relationships" xmlns:mc="http://schemas.openxmlformats.org/markup-compatibility/2006" xmlns:mv="urn:schemas-microsoft-com:mac:vml" xmlns:p="http://schemas.openxmlformats.org/presentationml/2006/main" xmlns:c="http://schemas.openxmlformats.org/drawingml/2006/chart" xmlns:dgm="http://schemas.openxmlformats.org/drawingml/2006/diagram" xmlns:o="urn:schemas-microsoft-com:office:office" xmlns:v="urn:schemas-microsoft-com:vml" xmlns:pvml="urn:schemas-microsoft-com:office:powerpoint" xmlns:com="http://schemas.openxmlformats.org/drawingml/2006/compatibility" xmlns:p14="http://schemas.microsoft.com/office/powerpoint/2010/main" xmlns:p15="http://schemas.microsoft.com/office/powerpoint/2012/main" xmlns:ahyp="http://schemas.microsoft.com/office/drawing/2018/hyperlinkcolor" matchingName="Blank" type="blank">
+<p:sldLayout xmlns:a="http://schemas.openxmlformats.org/drawingml/2006/main" xmlns:r="http://schemas.openxmlformats.org/officeDocument/2006/relationships" xmlns:p="http://schemas.openxmlformats.org/presentationml/2006/main" matchingName="Blank" type="blank">
   <p:cSld name="BLANK">
     <p:spTree>
       <p:nvGrpSpPr>
-        <p:cNvPr id="58" name="Shape 58"/>
+        <p:cNvPr id="1" name="Shape 58"/>
         <p:cNvGrpSpPr/>
         <p:nvPr/>
       </p:nvGrpSpPr>
@@ -3236,9 +3351,11 @@
       <p:sp>
         <p:nvSpPr>
           <p:cNvPr id="59" name="Google Shape;59;p12"/>
-          <p:cNvSpPr txBox="1"/>
+          <p:cNvSpPr txBox="1">
+            <a:spLocks noGrp="1"/>
+          </p:cNvSpPr>
           <p:nvPr>
-            <p:ph idx="12" type="sldNum"/>
+            <p:ph type="sldNum" idx="12"/>
           </p:nvPr>
         </p:nvSpPr>
         <p:spPr>
@@ -3251,7 +3368,7 @@
           </a:prstGeom>
         </p:spPr>
         <p:txBody>
-          <a:bodyPr anchorCtr="0" anchor="ctr" bIns="91425" lIns="91425" spcFirstLastPara="1" rIns="91425" wrap="square" tIns="91425">
+          <a:bodyPr spcFirstLastPara="1" wrap="square" lIns="91425" tIns="91425" rIns="91425" bIns="91425" anchor="ctr" anchorCtr="0">
             <a:normAutofit/>
           </a:bodyPr>
           <a:lstStyle>
@@ -3293,7 +3410,7 @@
             </a:lvl9pPr>
           </a:lstStyle>
           <a:p>
-            <a:pPr indent="0" lvl="0" marL="0" rtl="0" algn="r">
+            <a:pPr marL="0" lvl="0" indent="0" algn="r" rtl="0">
               <a:spcBef>
                 <a:spcPts val="0"/>
               </a:spcBef>
@@ -3319,18 +3436,19 @@
 </file>
 
 <file path=ppt/slideLayouts/slideLayout2.xml><?xml version="1.0" encoding="utf-8"?>
-<p:sldLayout xmlns:a="http://schemas.openxmlformats.org/drawingml/2006/main" xmlns:r="http://schemas.openxmlformats.org/officeDocument/2006/relationships" xmlns:mc="http://schemas.openxmlformats.org/markup-compatibility/2006" xmlns:mv="urn:schemas-microsoft-com:mac:vml" xmlns:p="http://schemas.openxmlformats.org/presentationml/2006/main" xmlns:c="http://schemas.openxmlformats.org/drawingml/2006/chart" xmlns:dgm="http://schemas.openxmlformats.org/drawingml/2006/diagram" xmlns:o="urn:schemas-microsoft-com:office:office" xmlns:v="urn:schemas-microsoft-com:vml" xmlns:pvml="urn:schemas-microsoft-com:office:powerpoint" xmlns:com="http://schemas.openxmlformats.org/drawingml/2006/compatibility" xmlns:p14="http://schemas.microsoft.com/office/powerpoint/2010/main" xmlns:p15="http://schemas.microsoft.com/office/powerpoint/2012/main" xmlns:ahyp="http://schemas.microsoft.com/office/drawing/2018/hyperlinkcolor" matchingName="Section header" type="secHead">
+<p:sldLayout xmlns:a="http://schemas.openxmlformats.org/drawingml/2006/main" xmlns:r="http://schemas.openxmlformats.org/officeDocument/2006/relationships" xmlns:p="http://schemas.openxmlformats.org/presentationml/2006/main" matchingName="Section header" type="secHead">
   <p:cSld name="SECTION_HEADER">
     <p:bg>
       <p:bgPr>
         <a:solidFill>
           <a:schemeClr val="accent3"/>
         </a:solidFill>
+        <a:effectLst/>
       </p:bgPr>
     </p:bg>
     <p:spTree>
       <p:nvGrpSpPr>
-        <p:cNvPr id="14" name="Shape 14"/>
+        <p:cNvPr id="1" name="Shape 14"/>
         <p:cNvGrpSpPr/>
         <p:nvPr/>
       </p:nvGrpSpPr>
@@ -3354,9 +3472,13 @@
             <a:ext cx="9144250" cy="4398100"/>
           </a:xfrm>
           <a:custGeom>
-            <a:rect b="b" l="l" r="r" t="t"/>
+            <a:avLst/>
+            <a:gdLst/>
+            <a:ahLst/>
+            <a:cxnLst/>
+            <a:rect l="l" t="t" r="r" b="b"/>
             <a:pathLst>
-              <a:path extrusionOk="0" h="175924" w="365770">
+              <a:path w="365770" h="175924" extrusionOk="0">
                 <a:moveTo>
                   <a:pt x="0" y="0"/>
                 </a:moveTo>
@@ -3393,9 +3515,13 @@
             <a:ext cx="9144250" cy="4398100"/>
           </a:xfrm>
           <a:custGeom>
-            <a:rect b="b" l="l" r="r" t="t"/>
+            <a:avLst/>
+            <a:gdLst/>
+            <a:ahLst/>
+            <a:cxnLst/>
+            <a:rect l="l" t="t" r="r" b="b"/>
             <a:pathLst>
-              <a:path extrusionOk="0" h="175924" w="365770">
+              <a:path w="365770" h="175924" extrusionOk="0">
                 <a:moveTo>
                   <a:pt x="0" y="0"/>
                 </a:moveTo>
@@ -3423,7 +3549,9 @@
       <p:sp>
         <p:nvSpPr>
           <p:cNvPr id="17" name="Google Shape;17;p3"/>
-          <p:cNvSpPr txBox="1"/>
+          <p:cNvSpPr txBox="1">
+            <a:spLocks noGrp="1"/>
+          </p:cNvSpPr>
           <p:nvPr>
             <p:ph type="title"/>
           </p:nvPr>
@@ -3438,7 +3566,7 @@
           </a:prstGeom>
         </p:spPr>
         <p:txBody>
-          <a:bodyPr anchorCtr="0" anchor="t" bIns="91425" lIns="91425" spcFirstLastPara="1" rIns="91425" wrap="square" tIns="91425">
+          <a:bodyPr spcFirstLastPara="1" wrap="square" lIns="91425" tIns="91425" rIns="91425" bIns="91425" anchor="t" anchorCtr="0">
             <a:normAutofit/>
           </a:bodyPr>
           <a:lstStyle>
@@ -3542,15 +3670,19 @@
               <a:defRPr sz="3600"/>
             </a:lvl9pPr>
           </a:lstStyle>
-          <a:p/>
+          <a:p>
+            <a:endParaRPr/>
+          </a:p>
         </p:txBody>
       </p:sp>
       <p:sp>
         <p:nvSpPr>
           <p:cNvPr id="18" name="Google Shape;18;p3"/>
-          <p:cNvSpPr txBox="1"/>
+          <p:cNvSpPr txBox="1">
+            <a:spLocks noGrp="1"/>
+          </p:cNvSpPr>
           <p:nvPr>
-            <p:ph idx="12" type="sldNum"/>
+            <p:ph type="sldNum" idx="12"/>
           </p:nvPr>
         </p:nvSpPr>
         <p:spPr>
@@ -3563,7 +3695,7 @@
           </a:prstGeom>
         </p:spPr>
         <p:txBody>
-          <a:bodyPr anchorCtr="0" anchor="ctr" bIns="91425" lIns="91425" spcFirstLastPara="1" rIns="91425" wrap="square" tIns="91425">
+          <a:bodyPr spcFirstLastPara="1" wrap="square" lIns="91425" tIns="91425" rIns="91425" bIns="91425" anchor="ctr" anchorCtr="0">
             <a:normAutofit/>
           </a:bodyPr>
           <a:lstStyle>
@@ -3641,7 +3773,7 @@
             </a:lvl9pPr>
           </a:lstStyle>
           <a:p>
-            <a:pPr indent="0" lvl="0" marL="0" rtl="0" algn="r">
+            <a:pPr marL="0" lvl="0" indent="0" algn="r" rtl="0">
               <a:spcBef>
                 <a:spcPts val="0"/>
               </a:spcBef>
@@ -3667,11 +3799,11 @@
 </file>
 
 <file path=ppt/slideLayouts/slideLayout3.xml><?xml version="1.0" encoding="utf-8"?>
-<p:sldLayout xmlns:a="http://schemas.openxmlformats.org/drawingml/2006/main" xmlns:r="http://schemas.openxmlformats.org/officeDocument/2006/relationships" xmlns:mc="http://schemas.openxmlformats.org/markup-compatibility/2006" xmlns:mv="urn:schemas-microsoft-com:mac:vml" xmlns:p="http://schemas.openxmlformats.org/presentationml/2006/main" xmlns:c="http://schemas.openxmlformats.org/drawingml/2006/chart" xmlns:dgm="http://schemas.openxmlformats.org/drawingml/2006/diagram" xmlns:o="urn:schemas-microsoft-com:office:office" xmlns:v="urn:schemas-microsoft-com:vml" xmlns:pvml="urn:schemas-microsoft-com:office:powerpoint" xmlns:com="http://schemas.openxmlformats.org/drawingml/2006/compatibility" xmlns:p14="http://schemas.microsoft.com/office/powerpoint/2010/main" xmlns:p15="http://schemas.microsoft.com/office/powerpoint/2012/main" xmlns:ahyp="http://schemas.microsoft.com/office/drawing/2018/hyperlinkcolor" matchingName="Title and body" type="tx">
+<p:sldLayout xmlns:a="http://schemas.openxmlformats.org/drawingml/2006/main" xmlns:r="http://schemas.openxmlformats.org/officeDocument/2006/relationships" xmlns:p="http://schemas.openxmlformats.org/presentationml/2006/main" matchingName="Title and body" type="tx">
   <p:cSld name="TITLE_AND_BODY">
     <p:spTree>
       <p:nvGrpSpPr>
-        <p:cNvPr id="19" name="Shape 19"/>
+        <p:cNvPr id="1" name="Shape 19"/>
         <p:cNvGrpSpPr/>
         <p:nvPr/>
       </p:nvGrpSpPr>
@@ -3705,12 +3837,12 @@
           </a:ln>
         </p:spPr>
         <p:txBody>
-          <a:bodyPr anchorCtr="0" anchor="ctr" bIns="91425" lIns="91425" spcFirstLastPara="1" rIns="91425" wrap="square" tIns="91425">
+          <a:bodyPr spcFirstLastPara="1" wrap="square" lIns="91425" tIns="91425" rIns="91425" bIns="91425" anchor="ctr" anchorCtr="0">
             <a:noAutofit/>
           </a:bodyPr>
           <a:lstStyle/>
           <a:p>
-            <a:pPr indent="0" lvl="0" marL="0" rtl="0" algn="l">
+            <a:pPr marL="0" lvl="0" indent="0" algn="l" rtl="0">
               <a:spcBef>
                 <a:spcPts val="0"/>
               </a:spcBef>
@@ -3719,9 +3851,6 @@
               </a:spcAft>
               <a:buNone/>
             </a:pPr>
-            <a:r>
-              <a:t/>
-            </a:r>
             <a:endParaRPr/>
           </a:p>
         </p:txBody>
@@ -3738,9 +3867,13 @@
             <a:ext cx="4313625" cy="4399375"/>
           </a:xfrm>
           <a:custGeom>
-            <a:rect b="b" l="l" r="r" t="t"/>
+            <a:avLst/>
+            <a:gdLst/>
+            <a:ahLst/>
+            <a:cxnLst/>
+            <a:rect l="l" t="t" r="r" b="b"/>
             <a:pathLst>
-              <a:path extrusionOk="0" h="175975" w="172545">
+              <a:path w="172545" h="175975" extrusionOk="0">
                 <a:moveTo>
                   <a:pt x="0" y="157"/>
                 </a:moveTo>
@@ -3777,9 +3910,13 @@
             <a:ext cx="4316900" cy="4395600"/>
           </a:xfrm>
           <a:custGeom>
-            <a:rect b="b" l="l" r="r" t="t"/>
+            <a:avLst/>
+            <a:gdLst/>
+            <a:ahLst/>
+            <a:cxnLst/>
+            <a:rect l="l" t="t" r="r" b="b"/>
             <a:pathLst>
-              <a:path extrusionOk="0" h="175824" w="172676">
+              <a:path w="172676" h="175824" extrusionOk="0">
                 <a:moveTo>
                   <a:pt x="0" y="6"/>
                 </a:moveTo>
@@ -3807,7 +3944,9 @@
       <p:sp>
         <p:nvSpPr>
           <p:cNvPr id="23" name="Google Shape;23;p4"/>
-          <p:cNvSpPr txBox="1"/>
+          <p:cNvSpPr txBox="1">
+            <a:spLocks noGrp="1"/>
+          </p:cNvSpPr>
           <p:nvPr>
             <p:ph type="title"/>
           </p:nvPr>
@@ -3822,7 +3961,7 @@
           </a:prstGeom>
         </p:spPr>
         <p:txBody>
-          <a:bodyPr anchorCtr="0" anchor="t" bIns="91425" lIns="91425" spcFirstLastPara="1" rIns="91425" wrap="square" tIns="91425">
+          <a:bodyPr spcFirstLastPara="1" wrap="square" lIns="91425" tIns="91425" rIns="91425" bIns="91425" anchor="t" anchorCtr="0">
             <a:normAutofit/>
           </a:bodyPr>
           <a:lstStyle>
@@ -3989,15 +4128,19 @@
               </a:defRPr>
             </a:lvl9pPr>
           </a:lstStyle>
-          <a:p/>
+          <a:p>
+            <a:endParaRPr/>
+          </a:p>
         </p:txBody>
       </p:sp>
       <p:sp>
         <p:nvSpPr>
           <p:cNvPr id="24" name="Google Shape;24;p4"/>
-          <p:cNvSpPr txBox="1"/>
+          <p:cNvSpPr txBox="1">
+            <a:spLocks noGrp="1"/>
+          </p:cNvSpPr>
           <p:nvPr>
-            <p:ph idx="1" type="body"/>
+            <p:ph type="body" idx="1"/>
           </p:nvPr>
         </p:nvSpPr>
         <p:spPr>
@@ -4010,11 +4153,11 @@
           </a:prstGeom>
         </p:spPr>
         <p:txBody>
-          <a:bodyPr anchorCtr="0" anchor="t" bIns="91425" lIns="91425" spcFirstLastPara="1" rIns="91425" wrap="square" tIns="91425">
+          <a:bodyPr spcFirstLastPara="1" wrap="square" lIns="91425" tIns="91425" rIns="91425" bIns="91425" anchor="t" anchorCtr="0">
             <a:normAutofit/>
           </a:bodyPr>
           <a:lstStyle>
-            <a:lvl1pPr indent="-311150" lvl="0" marL="457200">
+            <a:lvl1pPr marL="457200" lvl="0" indent="-311150">
               <a:spcBef>
                 <a:spcPts val="0"/>
               </a:spcBef>
@@ -4025,7 +4168,7 @@
               <a:buChar char="●"/>
               <a:defRPr/>
             </a:lvl1pPr>
-            <a:lvl2pPr indent="-298450" lvl="1" marL="914400">
+            <a:lvl2pPr marL="914400" lvl="1" indent="-298450">
               <a:spcBef>
                 <a:spcPts val="0"/>
               </a:spcBef>
@@ -4036,7 +4179,7 @@
               <a:buChar char="○"/>
               <a:defRPr/>
             </a:lvl2pPr>
-            <a:lvl3pPr indent="-298450" lvl="2" marL="1371600">
+            <a:lvl3pPr marL="1371600" lvl="2" indent="-298450">
               <a:spcBef>
                 <a:spcPts val="0"/>
               </a:spcBef>
@@ -4047,7 +4190,7 @@
               <a:buChar char="■"/>
               <a:defRPr/>
             </a:lvl3pPr>
-            <a:lvl4pPr indent="-298450" lvl="3" marL="1828800">
+            <a:lvl4pPr marL="1828800" lvl="3" indent="-298450">
               <a:spcBef>
                 <a:spcPts val="0"/>
               </a:spcBef>
@@ -4058,7 +4201,7 @@
               <a:buChar char="●"/>
               <a:defRPr/>
             </a:lvl4pPr>
-            <a:lvl5pPr indent="-298450" lvl="4" marL="2286000">
+            <a:lvl5pPr marL="2286000" lvl="4" indent="-298450">
               <a:spcBef>
                 <a:spcPts val="0"/>
               </a:spcBef>
@@ -4069,7 +4212,7 @@
               <a:buChar char="○"/>
               <a:defRPr/>
             </a:lvl5pPr>
-            <a:lvl6pPr indent="-298450" lvl="5" marL="2743200">
+            <a:lvl6pPr marL="2743200" lvl="5" indent="-298450">
               <a:spcBef>
                 <a:spcPts val="0"/>
               </a:spcBef>
@@ -4080,7 +4223,7 @@
               <a:buChar char="■"/>
               <a:defRPr/>
             </a:lvl6pPr>
-            <a:lvl7pPr indent="-298450" lvl="6" marL="3200400">
+            <a:lvl7pPr marL="3200400" lvl="6" indent="-298450">
               <a:spcBef>
                 <a:spcPts val="0"/>
               </a:spcBef>
@@ -4091,7 +4234,7 @@
               <a:buChar char="●"/>
               <a:defRPr/>
             </a:lvl7pPr>
-            <a:lvl8pPr indent="-298450" lvl="7" marL="3657600">
+            <a:lvl8pPr marL="3657600" lvl="7" indent="-298450">
               <a:spcBef>
                 <a:spcPts val="0"/>
               </a:spcBef>
@@ -4102,7 +4245,7 @@
               <a:buChar char="○"/>
               <a:defRPr/>
             </a:lvl8pPr>
-            <a:lvl9pPr indent="-298450" lvl="8" marL="4114800">
+            <a:lvl9pPr marL="4114800" lvl="8" indent="-298450">
               <a:spcBef>
                 <a:spcPts val="0"/>
               </a:spcBef>
@@ -4114,15 +4257,19 @@
               <a:defRPr/>
             </a:lvl9pPr>
           </a:lstStyle>
-          <a:p/>
+          <a:p>
+            <a:endParaRPr/>
+          </a:p>
         </p:txBody>
       </p:sp>
       <p:sp>
         <p:nvSpPr>
           <p:cNvPr id="25" name="Google Shape;25;p4"/>
-          <p:cNvSpPr txBox="1"/>
+          <p:cNvSpPr txBox="1">
+            <a:spLocks noGrp="1"/>
+          </p:cNvSpPr>
           <p:nvPr>
-            <p:ph idx="12" type="sldNum"/>
+            <p:ph type="sldNum" idx="12"/>
           </p:nvPr>
         </p:nvSpPr>
         <p:spPr>
@@ -4135,7 +4282,7 @@
           </a:prstGeom>
         </p:spPr>
         <p:txBody>
-          <a:bodyPr anchorCtr="0" anchor="ctr" bIns="91425" lIns="91425" spcFirstLastPara="1" rIns="91425" wrap="square" tIns="91425">
+          <a:bodyPr spcFirstLastPara="1" wrap="square" lIns="91425" tIns="91425" rIns="91425" bIns="91425" anchor="ctr" anchorCtr="0">
             <a:normAutofit/>
           </a:bodyPr>
           <a:lstStyle>
@@ -4177,7 +4324,7 @@
             </a:lvl9pPr>
           </a:lstStyle>
           <a:p>
-            <a:pPr indent="0" lvl="0" marL="0" rtl="0" algn="r">
+            <a:pPr marL="0" lvl="0" indent="0" algn="r" rtl="0">
               <a:spcBef>
                 <a:spcPts val="0"/>
               </a:spcBef>
@@ -4203,11 +4350,11 @@
 </file>
 
 <file path=ppt/slideLayouts/slideLayout4.xml><?xml version="1.0" encoding="utf-8"?>
-<p:sldLayout xmlns:a="http://schemas.openxmlformats.org/drawingml/2006/main" xmlns:r="http://schemas.openxmlformats.org/officeDocument/2006/relationships" xmlns:mc="http://schemas.openxmlformats.org/markup-compatibility/2006" xmlns:mv="urn:schemas-microsoft-com:mac:vml" xmlns:p="http://schemas.openxmlformats.org/presentationml/2006/main" xmlns:c="http://schemas.openxmlformats.org/drawingml/2006/chart" xmlns:dgm="http://schemas.openxmlformats.org/drawingml/2006/diagram" xmlns:o="urn:schemas-microsoft-com:office:office" xmlns:v="urn:schemas-microsoft-com:vml" xmlns:pvml="urn:schemas-microsoft-com:office:powerpoint" xmlns:com="http://schemas.openxmlformats.org/drawingml/2006/compatibility" xmlns:p14="http://schemas.microsoft.com/office/powerpoint/2010/main" xmlns:p15="http://schemas.microsoft.com/office/powerpoint/2012/main" xmlns:ahyp="http://schemas.microsoft.com/office/drawing/2018/hyperlinkcolor" matchingName="Title and two columns" type="twoColTx">
+<p:sldLayout xmlns:a="http://schemas.openxmlformats.org/drawingml/2006/main" xmlns:r="http://schemas.openxmlformats.org/officeDocument/2006/relationships" xmlns:p="http://schemas.openxmlformats.org/presentationml/2006/main" matchingName="Title and two columns" type="twoColTx">
   <p:cSld name="TITLE_AND_TWO_COLUMNS">
     <p:spTree>
       <p:nvGrpSpPr>
-        <p:cNvPr id="26" name="Shape 26"/>
+        <p:cNvPr id="1" name="Shape 26"/>
         <p:cNvGrpSpPr/>
         <p:nvPr/>
       </p:nvGrpSpPr>
@@ -4241,12 +4388,12 @@
           </a:ln>
         </p:spPr>
         <p:txBody>
-          <a:bodyPr anchorCtr="0" anchor="ctr" bIns="91425" lIns="91425" spcFirstLastPara="1" rIns="91425" wrap="square" tIns="91425">
+          <a:bodyPr spcFirstLastPara="1" wrap="square" lIns="91425" tIns="91425" rIns="91425" bIns="91425" anchor="ctr" anchorCtr="0">
             <a:noAutofit/>
           </a:bodyPr>
           <a:lstStyle/>
           <a:p>
-            <a:pPr indent="0" lvl="0" marL="0" rtl="0" algn="l">
+            <a:pPr marL="0" lvl="0" indent="0" algn="l" rtl="0">
               <a:spcBef>
                 <a:spcPts val="0"/>
               </a:spcBef>
@@ -4255,9 +4402,6 @@
               </a:spcAft>
               <a:buNone/>
             </a:pPr>
-            <a:r>
-              <a:t/>
-            </a:r>
             <a:endParaRPr/>
           </a:p>
         </p:txBody>
@@ -4265,7 +4409,9 @@
       <p:sp>
         <p:nvSpPr>
           <p:cNvPr id="28" name="Google Shape;28;p5"/>
-          <p:cNvSpPr txBox="1"/>
+          <p:cNvSpPr txBox="1">
+            <a:spLocks noGrp="1"/>
+          </p:cNvSpPr>
           <p:nvPr>
             <p:ph type="title"/>
           </p:nvPr>
@@ -4280,7 +4426,7 @@
           </a:prstGeom>
         </p:spPr>
         <p:txBody>
-          <a:bodyPr anchorCtr="0" anchor="t" bIns="91425" lIns="91425" spcFirstLastPara="1" rIns="91425" wrap="square" tIns="91425">
+          <a:bodyPr spcFirstLastPara="1" wrap="square" lIns="91425" tIns="91425" rIns="91425" bIns="91425" anchor="t" anchorCtr="0">
             <a:normAutofit/>
           </a:bodyPr>
           <a:lstStyle>
@@ -4447,15 +4593,19 @@
               </a:defRPr>
             </a:lvl9pPr>
           </a:lstStyle>
-          <a:p/>
+          <a:p>
+            <a:endParaRPr/>
+          </a:p>
         </p:txBody>
       </p:sp>
       <p:sp>
         <p:nvSpPr>
           <p:cNvPr id="29" name="Google Shape;29;p5"/>
-          <p:cNvSpPr txBox="1"/>
+          <p:cNvSpPr txBox="1">
+            <a:spLocks noGrp="1"/>
+          </p:cNvSpPr>
           <p:nvPr>
-            <p:ph idx="1" type="body"/>
+            <p:ph type="body" idx="1"/>
           </p:nvPr>
         </p:nvSpPr>
         <p:spPr>
@@ -4468,11 +4618,11 @@
           </a:prstGeom>
         </p:spPr>
         <p:txBody>
-          <a:bodyPr anchorCtr="0" anchor="t" bIns="91425" lIns="91425" spcFirstLastPara="1" rIns="91425" wrap="square" tIns="91425">
+          <a:bodyPr spcFirstLastPara="1" wrap="square" lIns="91425" tIns="91425" rIns="91425" bIns="91425" anchor="t" anchorCtr="0">
             <a:normAutofit/>
           </a:bodyPr>
           <a:lstStyle>
-            <a:lvl1pPr indent="-311150" lvl="0" marL="457200">
+            <a:lvl1pPr marL="457200" lvl="0" indent="-311150">
               <a:spcBef>
                 <a:spcPts val="0"/>
               </a:spcBef>
@@ -4483,7 +4633,7 @@
               <a:buChar char="●"/>
               <a:defRPr/>
             </a:lvl1pPr>
-            <a:lvl2pPr indent="-298450" lvl="1" marL="914400">
+            <a:lvl2pPr marL="914400" lvl="1" indent="-298450">
               <a:spcBef>
                 <a:spcPts val="0"/>
               </a:spcBef>
@@ -4494,7 +4644,7 @@
               <a:buChar char="○"/>
               <a:defRPr/>
             </a:lvl2pPr>
-            <a:lvl3pPr indent="-298450" lvl="2" marL="1371600">
+            <a:lvl3pPr marL="1371600" lvl="2" indent="-298450">
               <a:spcBef>
                 <a:spcPts val="0"/>
               </a:spcBef>
@@ -4505,7 +4655,7 @@
               <a:buChar char="■"/>
               <a:defRPr/>
             </a:lvl3pPr>
-            <a:lvl4pPr indent="-298450" lvl="3" marL="1828800">
+            <a:lvl4pPr marL="1828800" lvl="3" indent="-298450">
               <a:spcBef>
                 <a:spcPts val="0"/>
               </a:spcBef>
@@ -4516,7 +4666,7 @@
               <a:buChar char="●"/>
               <a:defRPr/>
             </a:lvl4pPr>
-            <a:lvl5pPr indent="-298450" lvl="4" marL="2286000">
+            <a:lvl5pPr marL="2286000" lvl="4" indent="-298450">
               <a:spcBef>
                 <a:spcPts val="0"/>
               </a:spcBef>
@@ -4527,7 +4677,7 @@
               <a:buChar char="○"/>
               <a:defRPr/>
             </a:lvl5pPr>
-            <a:lvl6pPr indent="-298450" lvl="5" marL="2743200">
+            <a:lvl6pPr marL="2743200" lvl="5" indent="-298450">
               <a:spcBef>
                 <a:spcPts val="0"/>
               </a:spcBef>
@@ -4538,7 +4688,7 @@
               <a:buChar char="■"/>
               <a:defRPr/>
             </a:lvl6pPr>
-            <a:lvl7pPr indent="-298450" lvl="6" marL="3200400">
+            <a:lvl7pPr marL="3200400" lvl="6" indent="-298450">
               <a:spcBef>
                 <a:spcPts val="0"/>
               </a:spcBef>
@@ -4549,7 +4699,7 @@
               <a:buChar char="●"/>
               <a:defRPr/>
             </a:lvl7pPr>
-            <a:lvl8pPr indent="-298450" lvl="7" marL="3657600">
+            <a:lvl8pPr marL="3657600" lvl="7" indent="-298450">
               <a:spcBef>
                 <a:spcPts val="0"/>
               </a:spcBef>
@@ -4560,7 +4710,7 @@
               <a:buChar char="○"/>
               <a:defRPr/>
             </a:lvl8pPr>
-            <a:lvl9pPr indent="-298450" lvl="8" marL="4114800">
+            <a:lvl9pPr marL="4114800" lvl="8" indent="-298450">
               <a:spcBef>
                 <a:spcPts val="0"/>
               </a:spcBef>
@@ -4572,15 +4722,19 @@
               <a:defRPr/>
             </a:lvl9pPr>
           </a:lstStyle>
-          <a:p/>
+          <a:p>
+            <a:endParaRPr/>
+          </a:p>
         </p:txBody>
       </p:sp>
       <p:sp>
         <p:nvSpPr>
           <p:cNvPr id="30" name="Google Shape;30;p5"/>
-          <p:cNvSpPr txBox="1"/>
+          <p:cNvSpPr txBox="1">
+            <a:spLocks noGrp="1"/>
+          </p:cNvSpPr>
           <p:nvPr>
-            <p:ph idx="2" type="body"/>
+            <p:ph type="body" idx="2"/>
           </p:nvPr>
         </p:nvSpPr>
         <p:spPr>
@@ -4593,11 +4747,11 @@
           </a:prstGeom>
         </p:spPr>
         <p:txBody>
-          <a:bodyPr anchorCtr="0" anchor="t" bIns="91425" lIns="91425" spcFirstLastPara="1" rIns="91425" wrap="square" tIns="91425">
+          <a:bodyPr spcFirstLastPara="1" wrap="square" lIns="91425" tIns="91425" rIns="91425" bIns="91425" anchor="t" anchorCtr="0">
             <a:normAutofit/>
           </a:bodyPr>
           <a:lstStyle>
-            <a:lvl1pPr indent="-311150" lvl="0" marL="457200">
+            <a:lvl1pPr marL="457200" lvl="0" indent="-311150">
               <a:spcBef>
                 <a:spcPts val="0"/>
               </a:spcBef>
@@ -4608,7 +4762,7 @@
               <a:buChar char="●"/>
               <a:defRPr/>
             </a:lvl1pPr>
-            <a:lvl2pPr indent="-298450" lvl="1" marL="914400">
+            <a:lvl2pPr marL="914400" lvl="1" indent="-298450">
               <a:spcBef>
                 <a:spcPts val="0"/>
               </a:spcBef>
@@ -4619,7 +4773,7 @@
               <a:buChar char="○"/>
               <a:defRPr/>
             </a:lvl2pPr>
-            <a:lvl3pPr indent="-298450" lvl="2" marL="1371600">
+            <a:lvl3pPr marL="1371600" lvl="2" indent="-298450">
               <a:spcBef>
                 <a:spcPts val="0"/>
               </a:spcBef>
@@ -4630,7 +4784,7 @@
               <a:buChar char="■"/>
               <a:defRPr/>
             </a:lvl3pPr>
-            <a:lvl4pPr indent="-298450" lvl="3" marL="1828800">
+            <a:lvl4pPr marL="1828800" lvl="3" indent="-298450">
               <a:spcBef>
                 <a:spcPts val="0"/>
               </a:spcBef>
@@ -4641,7 +4795,7 @@
               <a:buChar char="●"/>
               <a:defRPr/>
             </a:lvl4pPr>
-            <a:lvl5pPr indent="-298450" lvl="4" marL="2286000">
+            <a:lvl5pPr marL="2286000" lvl="4" indent="-298450">
               <a:spcBef>
                 <a:spcPts val="0"/>
               </a:spcBef>
@@ -4652,7 +4806,7 @@
               <a:buChar char="○"/>
               <a:defRPr/>
             </a:lvl5pPr>
-            <a:lvl6pPr indent="-298450" lvl="5" marL="2743200">
+            <a:lvl6pPr marL="2743200" lvl="5" indent="-298450">
               <a:spcBef>
                 <a:spcPts val="0"/>
               </a:spcBef>
@@ -4663,7 +4817,7 @@
               <a:buChar char="■"/>
               <a:defRPr/>
             </a:lvl6pPr>
-            <a:lvl7pPr indent="-298450" lvl="6" marL="3200400">
+            <a:lvl7pPr marL="3200400" lvl="6" indent="-298450">
               <a:spcBef>
                 <a:spcPts val="0"/>
               </a:spcBef>
@@ -4674,7 +4828,7 @@
               <a:buChar char="●"/>
               <a:defRPr/>
             </a:lvl7pPr>
-            <a:lvl8pPr indent="-298450" lvl="7" marL="3657600">
+            <a:lvl8pPr marL="3657600" lvl="7" indent="-298450">
               <a:spcBef>
                 <a:spcPts val="0"/>
               </a:spcBef>
@@ -4685,7 +4839,7 @@
               <a:buChar char="○"/>
               <a:defRPr/>
             </a:lvl8pPr>
-            <a:lvl9pPr indent="-298450" lvl="8" marL="4114800">
+            <a:lvl9pPr marL="4114800" lvl="8" indent="-298450">
               <a:spcBef>
                 <a:spcPts val="0"/>
               </a:spcBef>
@@ -4697,15 +4851,19 @@
               <a:defRPr/>
             </a:lvl9pPr>
           </a:lstStyle>
-          <a:p/>
+          <a:p>
+            <a:endParaRPr/>
+          </a:p>
         </p:txBody>
       </p:sp>
       <p:sp>
         <p:nvSpPr>
           <p:cNvPr id="31" name="Google Shape;31;p5"/>
-          <p:cNvSpPr txBox="1"/>
+          <p:cNvSpPr txBox="1">
+            <a:spLocks noGrp="1"/>
+          </p:cNvSpPr>
           <p:nvPr>
-            <p:ph idx="12" type="sldNum"/>
+            <p:ph type="sldNum" idx="12"/>
           </p:nvPr>
         </p:nvSpPr>
         <p:spPr>
@@ -4718,7 +4876,7 @@
           </a:prstGeom>
         </p:spPr>
         <p:txBody>
-          <a:bodyPr anchorCtr="0" anchor="ctr" bIns="91425" lIns="91425" spcFirstLastPara="1" rIns="91425" wrap="square" tIns="91425">
+          <a:bodyPr spcFirstLastPara="1" wrap="square" lIns="91425" tIns="91425" rIns="91425" bIns="91425" anchor="ctr" anchorCtr="0">
             <a:normAutofit/>
           </a:bodyPr>
           <a:lstStyle>
@@ -4760,7 +4918,7 @@
             </a:lvl9pPr>
           </a:lstStyle>
           <a:p>
-            <a:pPr indent="0" lvl="0" marL="0" rtl="0" algn="r">
+            <a:pPr marL="0" lvl="0" indent="0" algn="r" rtl="0">
               <a:spcBef>
                 <a:spcPts val="0"/>
               </a:spcBef>
@@ -4786,11 +4944,11 @@
 </file>
 
 <file path=ppt/slideLayouts/slideLayout5.xml><?xml version="1.0" encoding="utf-8"?>
-<p:sldLayout xmlns:a="http://schemas.openxmlformats.org/drawingml/2006/main" xmlns:r="http://schemas.openxmlformats.org/officeDocument/2006/relationships" xmlns:mc="http://schemas.openxmlformats.org/markup-compatibility/2006" xmlns:mv="urn:schemas-microsoft-com:mac:vml" xmlns:p="http://schemas.openxmlformats.org/presentationml/2006/main" xmlns:c="http://schemas.openxmlformats.org/drawingml/2006/chart" xmlns:dgm="http://schemas.openxmlformats.org/drawingml/2006/diagram" xmlns:o="urn:schemas-microsoft-com:office:office" xmlns:v="urn:schemas-microsoft-com:vml" xmlns:pvml="urn:schemas-microsoft-com:office:powerpoint" xmlns:com="http://schemas.openxmlformats.org/drawingml/2006/compatibility" xmlns:p14="http://schemas.microsoft.com/office/powerpoint/2010/main" xmlns:p15="http://schemas.microsoft.com/office/powerpoint/2012/main" xmlns:ahyp="http://schemas.microsoft.com/office/drawing/2018/hyperlinkcolor" matchingName="Title only" type="titleOnly">
+<p:sldLayout xmlns:a="http://schemas.openxmlformats.org/drawingml/2006/main" xmlns:r="http://schemas.openxmlformats.org/officeDocument/2006/relationships" xmlns:p="http://schemas.openxmlformats.org/presentationml/2006/main" matchingName="Title only" type="titleOnly">
   <p:cSld name="TITLE_ONLY">
     <p:spTree>
       <p:nvGrpSpPr>
-        <p:cNvPr id="32" name="Shape 32"/>
+        <p:cNvPr id="1" name="Shape 32"/>
         <p:cNvGrpSpPr/>
         <p:nvPr/>
       </p:nvGrpSpPr>
@@ -4824,12 +4982,12 @@
           </a:ln>
         </p:spPr>
         <p:txBody>
-          <a:bodyPr anchorCtr="0" anchor="ctr" bIns="91425" lIns="91425" spcFirstLastPara="1" rIns="91425" wrap="square" tIns="91425">
+          <a:bodyPr spcFirstLastPara="1" wrap="square" lIns="91425" tIns="91425" rIns="91425" bIns="91425" anchor="ctr" anchorCtr="0">
             <a:noAutofit/>
           </a:bodyPr>
           <a:lstStyle/>
           <a:p>
-            <a:pPr indent="0" lvl="0" marL="0" rtl="0" algn="l">
+            <a:pPr marL="0" lvl="0" indent="0" algn="l" rtl="0">
               <a:spcBef>
                 <a:spcPts val="0"/>
               </a:spcBef>
@@ -4838,9 +4996,6 @@
               </a:spcAft>
               <a:buNone/>
             </a:pPr>
-            <a:r>
-              <a:t/>
-            </a:r>
             <a:endParaRPr/>
           </a:p>
         </p:txBody>
@@ -4848,7 +5003,9 @@
       <p:sp>
         <p:nvSpPr>
           <p:cNvPr id="34" name="Google Shape;34;p6"/>
-          <p:cNvSpPr txBox="1"/>
+          <p:cNvSpPr txBox="1">
+            <a:spLocks noGrp="1"/>
+          </p:cNvSpPr>
           <p:nvPr>
             <p:ph type="title"/>
           </p:nvPr>
@@ -4863,7 +5020,7 @@
           </a:prstGeom>
         </p:spPr>
         <p:txBody>
-          <a:bodyPr anchorCtr="0" anchor="t" bIns="91425" lIns="91425" spcFirstLastPara="1" rIns="91425" wrap="square" tIns="91425">
+          <a:bodyPr spcFirstLastPara="1" wrap="square" lIns="91425" tIns="91425" rIns="91425" bIns="91425" anchor="t" anchorCtr="0">
             <a:normAutofit/>
           </a:bodyPr>
           <a:lstStyle>
@@ -5030,15 +5187,19 @@
               </a:defRPr>
             </a:lvl9pPr>
           </a:lstStyle>
-          <a:p/>
+          <a:p>
+            <a:endParaRPr/>
+          </a:p>
         </p:txBody>
       </p:sp>
       <p:sp>
         <p:nvSpPr>
           <p:cNvPr id="35" name="Google Shape;35;p6"/>
-          <p:cNvSpPr txBox="1"/>
+          <p:cNvSpPr txBox="1">
+            <a:spLocks noGrp="1"/>
+          </p:cNvSpPr>
           <p:nvPr>
-            <p:ph idx="12" type="sldNum"/>
+            <p:ph type="sldNum" idx="12"/>
           </p:nvPr>
         </p:nvSpPr>
         <p:spPr>
@@ -5051,7 +5212,7 @@
           </a:prstGeom>
         </p:spPr>
         <p:txBody>
-          <a:bodyPr anchorCtr="0" anchor="ctr" bIns="91425" lIns="91425" spcFirstLastPara="1" rIns="91425" wrap="square" tIns="91425">
+          <a:bodyPr spcFirstLastPara="1" wrap="square" lIns="91425" tIns="91425" rIns="91425" bIns="91425" anchor="ctr" anchorCtr="0">
             <a:normAutofit/>
           </a:bodyPr>
           <a:lstStyle>
@@ -5093,7 +5254,7 @@
             </a:lvl9pPr>
           </a:lstStyle>
           <a:p>
-            <a:pPr indent="0" lvl="0" marL="0" rtl="0" algn="r">
+            <a:pPr marL="0" lvl="0" indent="0" algn="r" rtl="0">
               <a:spcBef>
                 <a:spcPts val="0"/>
               </a:spcBef>
@@ -5119,11 +5280,11 @@
 </file>
 
 <file path=ppt/slideLayouts/slideLayout6.xml><?xml version="1.0" encoding="utf-8"?>
-<p:sldLayout xmlns:a="http://schemas.openxmlformats.org/drawingml/2006/main" xmlns:r="http://schemas.openxmlformats.org/officeDocument/2006/relationships" xmlns:mc="http://schemas.openxmlformats.org/markup-compatibility/2006" xmlns:mv="urn:schemas-microsoft-com:mac:vml" xmlns:p="http://schemas.openxmlformats.org/presentationml/2006/main" xmlns:c="http://schemas.openxmlformats.org/drawingml/2006/chart" xmlns:dgm="http://schemas.openxmlformats.org/drawingml/2006/diagram" xmlns:o="urn:schemas-microsoft-com:office:office" xmlns:v="urn:schemas-microsoft-com:vml" xmlns:pvml="urn:schemas-microsoft-com:office:powerpoint" xmlns:com="http://schemas.openxmlformats.org/drawingml/2006/compatibility" xmlns:p14="http://schemas.microsoft.com/office/powerpoint/2010/main" xmlns:p15="http://schemas.microsoft.com/office/powerpoint/2012/main" xmlns:ahyp="http://schemas.microsoft.com/office/drawing/2018/hyperlinkcolor" matchingName="One column text">
+<p:sldLayout xmlns:a="http://schemas.openxmlformats.org/drawingml/2006/main" xmlns:r="http://schemas.openxmlformats.org/officeDocument/2006/relationships" xmlns:p="http://schemas.openxmlformats.org/presentationml/2006/main" matchingName="One column text">
   <p:cSld name="ONE_COLUMN_TEXT">
     <p:spTree>
       <p:nvGrpSpPr>
-        <p:cNvPr id="36" name="Shape 36"/>
+        <p:cNvPr id="1" name="Shape 36"/>
         <p:cNvGrpSpPr/>
         <p:nvPr/>
       </p:nvGrpSpPr>
@@ -5157,12 +5318,12 @@
           </a:ln>
         </p:spPr>
         <p:txBody>
-          <a:bodyPr anchorCtr="0" anchor="ctr" bIns="91425" lIns="91425" spcFirstLastPara="1" rIns="91425" wrap="square" tIns="91425">
+          <a:bodyPr spcFirstLastPara="1" wrap="square" lIns="91425" tIns="91425" rIns="91425" bIns="91425" anchor="ctr" anchorCtr="0">
             <a:noAutofit/>
           </a:bodyPr>
           <a:lstStyle/>
           <a:p>
-            <a:pPr indent="0" lvl="0" marL="0" rtl="0" algn="l">
+            <a:pPr marL="0" lvl="0" indent="0" algn="l" rtl="0">
               <a:spcBef>
                 <a:spcPts val="0"/>
               </a:spcBef>
@@ -5171,9 +5332,6 @@
               </a:spcAft>
               <a:buNone/>
             </a:pPr>
-            <a:r>
-              <a:t/>
-            </a:r>
             <a:endParaRPr/>
           </a:p>
         </p:txBody>
@@ -5181,7 +5339,9 @@
       <p:sp>
         <p:nvSpPr>
           <p:cNvPr id="38" name="Google Shape;38;p7"/>
-          <p:cNvSpPr txBox="1"/>
+          <p:cNvSpPr txBox="1">
+            <a:spLocks noGrp="1"/>
+          </p:cNvSpPr>
           <p:nvPr>
             <p:ph type="title"/>
           </p:nvPr>
@@ -5196,7 +5356,7 @@
           </a:prstGeom>
         </p:spPr>
         <p:txBody>
-          <a:bodyPr anchorCtr="0" anchor="t" bIns="91425" lIns="91425" spcFirstLastPara="1" rIns="91425" wrap="square" tIns="91425">
+          <a:bodyPr spcFirstLastPara="1" wrap="square" lIns="91425" tIns="91425" rIns="91425" bIns="91425" anchor="t" anchorCtr="0">
             <a:normAutofit/>
           </a:bodyPr>
           <a:lstStyle>
@@ -5363,15 +5523,19 @@
               </a:defRPr>
             </a:lvl9pPr>
           </a:lstStyle>
-          <a:p/>
+          <a:p>
+            <a:endParaRPr/>
+          </a:p>
         </p:txBody>
       </p:sp>
       <p:sp>
         <p:nvSpPr>
           <p:cNvPr id="39" name="Google Shape;39;p7"/>
-          <p:cNvSpPr txBox="1"/>
+          <p:cNvSpPr txBox="1">
+            <a:spLocks noGrp="1"/>
+          </p:cNvSpPr>
           <p:nvPr>
-            <p:ph idx="1" type="body"/>
+            <p:ph type="body" idx="1"/>
           </p:nvPr>
         </p:nvSpPr>
         <p:spPr>
@@ -5384,11 +5548,11 @@
           </a:prstGeom>
         </p:spPr>
         <p:txBody>
-          <a:bodyPr anchorCtr="0" anchor="t" bIns="91425" lIns="91425" spcFirstLastPara="1" rIns="91425" wrap="square" tIns="91425">
+          <a:bodyPr spcFirstLastPara="1" wrap="square" lIns="91425" tIns="91425" rIns="91425" bIns="91425" anchor="t" anchorCtr="0">
             <a:normAutofit/>
           </a:bodyPr>
           <a:lstStyle>
-            <a:lvl1pPr indent="-311150" lvl="0" marL="457200">
+            <a:lvl1pPr marL="457200" lvl="0" indent="-311150">
               <a:spcBef>
                 <a:spcPts val="0"/>
               </a:spcBef>
@@ -5406,7 +5570,7 @@
                 </a:solidFill>
               </a:defRPr>
             </a:lvl1pPr>
-            <a:lvl2pPr indent="-298450" lvl="1" marL="914400">
+            <a:lvl2pPr marL="914400" lvl="1" indent="-298450">
               <a:spcBef>
                 <a:spcPts val="0"/>
               </a:spcBef>
@@ -5424,7 +5588,7 @@
                 </a:solidFill>
               </a:defRPr>
             </a:lvl2pPr>
-            <a:lvl3pPr indent="-298450" lvl="2" marL="1371600">
+            <a:lvl3pPr marL="1371600" lvl="2" indent="-298450">
               <a:spcBef>
                 <a:spcPts val="0"/>
               </a:spcBef>
@@ -5442,7 +5606,7 @@
                 </a:solidFill>
               </a:defRPr>
             </a:lvl3pPr>
-            <a:lvl4pPr indent="-298450" lvl="3" marL="1828800">
+            <a:lvl4pPr marL="1828800" lvl="3" indent="-298450">
               <a:spcBef>
                 <a:spcPts val="0"/>
               </a:spcBef>
@@ -5460,7 +5624,7 @@
                 </a:solidFill>
               </a:defRPr>
             </a:lvl4pPr>
-            <a:lvl5pPr indent="-298450" lvl="4" marL="2286000">
+            <a:lvl5pPr marL="2286000" lvl="4" indent="-298450">
               <a:spcBef>
                 <a:spcPts val="0"/>
               </a:spcBef>
@@ -5478,7 +5642,7 @@
                 </a:solidFill>
               </a:defRPr>
             </a:lvl5pPr>
-            <a:lvl6pPr indent="-298450" lvl="5" marL="2743200">
+            <a:lvl6pPr marL="2743200" lvl="5" indent="-298450">
               <a:spcBef>
                 <a:spcPts val="0"/>
               </a:spcBef>
@@ -5496,7 +5660,7 @@
                 </a:solidFill>
               </a:defRPr>
             </a:lvl6pPr>
-            <a:lvl7pPr indent="-298450" lvl="6" marL="3200400">
+            <a:lvl7pPr marL="3200400" lvl="6" indent="-298450">
               <a:spcBef>
                 <a:spcPts val="0"/>
               </a:spcBef>
@@ -5514,7 +5678,7 @@
                 </a:solidFill>
               </a:defRPr>
             </a:lvl7pPr>
-            <a:lvl8pPr indent="-298450" lvl="7" marL="3657600">
+            <a:lvl8pPr marL="3657600" lvl="7" indent="-298450">
               <a:spcBef>
                 <a:spcPts val="0"/>
               </a:spcBef>
@@ -5532,7 +5696,7 @@
                 </a:solidFill>
               </a:defRPr>
             </a:lvl8pPr>
-            <a:lvl9pPr indent="-298450" lvl="8" marL="4114800">
+            <a:lvl9pPr marL="4114800" lvl="8" indent="-298450">
               <a:spcBef>
                 <a:spcPts val="0"/>
               </a:spcBef>
@@ -5551,15 +5715,19 @@
               </a:defRPr>
             </a:lvl9pPr>
           </a:lstStyle>
-          <a:p/>
+          <a:p>
+            <a:endParaRPr/>
+          </a:p>
         </p:txBody>
       </p:sp>
       <p:sp>
         <p:nvSpPr>
           <p:cNvPr id="40" name="Google Shape;40;p7"/>
-          <p:cNvSpPr txBox="1"/>
+          <p:cNvSpPr txBox="1">
+            <a:spLocks noGrp="1"/>
+          </p:cNvSpPr>
           <p:nvPr>
-            <p:ph idx="12" type="sldNum"/>
+            <p:ph type="sldNum" idx="12"/>
           </p:nvPr>
         </p:nvSpPr>
         <p:spPr>
@@ -5572,7 +5740,7 @@
           </a:prstGeom>
         </p:spPr>
         <p:txBody>
-          <a:bodyPr anchorCtr="0" anchor="ctr" bIns="91425" lIns="91425" spcFirstLastPara="1" rIns="91425" wrap="square" tIns="91425">
+          <a:bodyPr spcFirstLastPara="1" wrap="square" lIns="91425" tIns="91425" rIns="91425" bIns="91425" anchor="ctr" anchorCtr="0">
             <a:normAutofit/>
           </a:bodyPr>
           <a:lstStyle>
@@ -5614,7 +5782,7 @@
             </a:lvl9pPr>
           </a:lstStyle>
           <a:p>
-            <a:pPr indent="0" lvl="0" marL="0" rtl="0" algn="r">
+            <a:pPr marL="0" lvl="0" indent="0" algn="r" rtl="0">
               <a:spcBef>
                 <a:spcPts val="0"/>
               </a:spcBef>
@@ -5640,18 +5808,19 @@
 </file>
 
 <file path=ppt/slideLayouts/slideLayout7.xml><?xml version="1.0" encoding="utf-8"?>
-<p:sldLayout xmlns:a="http://schemas.openxmlformats.org/drawingml/2006/main" xmlns:r="http://schemas.openxmlformats.org/officeDocument/2006/relationships" xmlns:mc="http://schemas.openxmlformats.org/markup-compatibility/2006" xmlns:mv="urn:schemas-microsoft-com:mac:vml" xmlns:p="http://schemas.openxmlformats.org/presentationml/2006/main" xmlns:c="http://schemas.openxmlformats.org/drawingml/2006/chart" xmlns:dgm="http://schemas.openxmlformats.org/drawingml/2006/diagram" xmlns:o="urn:schemas-microsoft-com:office:office" xmlns:v="urn:schemas-microsoft-com:vml" xmlns:pvml="urn:schemas-microsoft-com:office:powerpoint" xmlns:com="http://schemas.openxmlformats.org/drawingml/2006/compatibility" xmlns:p14="http://schemas.microsoft.com/office/powerpoint/2010/main" xmlns:p15="http://schemas.microsoft.com/office/powerpoint/2012/main" xmlns:ahyp="http://schemas.microsoft.com/office/drawing/2018/hyperlinkcolor" matchingName="Main point">
+<p:sldLayout xmlns:a="http://schemas.openxmlformats.org/drawingml/2006/main" xmlns:r="http://schemas.openxmlformats.org/officeDocument/2006/relationships" xmlns:p="http://schemas.openxmlformats.org/presentationml/2006/main" matchingName="Main point">
   <p:cSld name="MAIN_POINT">
     <p:bg>
       <p:bgPr>
         <a:solidFill>
           <a:schemeClr val="accent3"/>
         </a:solidFill>
+        <a:effectLst/>
       </p:bgPr>
     </p:bg>
     <p:spTree>
       <p:nvGrpSpPr>
-        <p:cNvPr id="41" name="Shape 41"/>
+        <p:cNvPr id="1" name="Shape 41"/>
         <p:cNvGrpSpPr/>
         <p:nvPr/>
       </p:nvGrpSpPr>
@@ -5666,7 +5835,9 @@
       <p:sp>
         <p:nvSpPr>
           <p:cNvPr id="42" name="Google Shape;42;p8"/>
-          <p:cNvSpPr txBox="1"/>
+          <p:cNvSpPr txBox="1">
+            <a:spLocks noGrp="1"/>
+          </p:cNvSpPr>
           <p:nvPr>
             <p:ph type="title"/>
           </p:nvPr>
@@ -5681,7 +5852,7 @@
           </a:prstGeom>
         </p:spPr>
         <p:txBody>
-          <a:bodyPr anchorCtr="0" anchor="ctr" bIns="91425" lIns="91425" spcFirstLastPara="1" rIns="91425" wrap="square" tIns="91425">
+          <a:bodyPr spcFirstLastPara="1" wrap="square" lIns="91425" tIns="91425" rIns="91425" bIns="91425" anchor="ctr" anchorCtr="0">
             <a:normAutofit/>
           </a:bodyPr>
           <a:lstStyle>
@@ -5785,15 +5956,19 @@
               <a:defRPr sz="3600"/>
             </a:lvl9pPr>
           </a:lstStyle>
-          <a:p/>
+          <a:p>
+            <a:endParaRPr/>
+          </a:p>
         </p:txBody>
       </p:sp>
       <p:sp>
         <p:nvSpPr>
           <p:cNvPr id="43" name="Google Shape;43;p8"/>
-          <p:cNvSpPr txBox="1"/>
+          <p:cNvSpPr txBox="1">
+            <a:spLocks noGrp="1"/>
+          </p:cNvSpPr>
           <p:nvPr>
-            <p:ph idx="12" type="sldNum"/>
+            <p:ph type="sldNum" idx="12"/>
           </p:nvPr>
         </p:nvSpPr>
         <p:spPr>
@@ -5806,7 +5981,7 @@
           </a:prstGeom>
         </p:spPr>
         <p:txBody>
-          <a:bodyPr anchorCtr="0" anchor="ctr" bIns="91425" lIns="91425" spcFirstLastPara="1" rIns="91425" wrap="square" tIns="91425">
+          <a:bodyPr spcFirstLastPara="1" wrap="square" lIns="91425" tIns="91425" rIns="91425" bIns="91425" anchor="ctr" anchorCtr="0">
             <a:normAutofit/>
           </a:bodyPr>
           <a:lstStyle>
@@ -5884,7 +6059,7 @@
             </a:lvl9pPr>
           </a:lstStyle>
           <a:p>
-            <a:pPr indent="0" lvl="0" marL="0" rtl="0" algn="r">
+            <a:pPr marL="0" lvl="0" indent="0" algn="r" rtl="0">
               <a:spcBef>
                 <a:spcPts val="0"/>
               </a:spcBef>
@@ -5910,11 +6085,11 @@
 </file>
 
 <file path=ppt/slideLayouts/slideLayout8.xml><?xml version="1.0" encoding="utf-8"?>
-<p:sldLayout xmlns:a="http://schemas.openxmlformats.org/drawingml/2006/main" xmlns:r="http://schemas.openxmlformats.org/officeDocument/2006/relationships" xmlns:mc="http://schemas.openxmlformats.org/markup-compatibility/2006" xmlns:mv="urn:schemas-microsoft-com:mac:vml" xmlns:p="http://schemas.openxmlformats.org/presentationml/2006/main" xmlns:c="http://schemas.openxmlformats.org/drawingml/2006/chart" xmlns:dgm="http://schemas.openxmlformats.org/drawingml/2006/diagram" xmlns:o="urn:schemas-microsoft-com:office:office" xmlns:v="urn:schemas-microsoft-com:vml" xmlns:pvml="urn:schemas-microsoft-com:office:powerpoint" xmlns:com="http://schemas.openxmlformats.org/drawingml/2006/compatibility" xmlns:p14="http://schemas.microsoft.com/office/powerpoint/2010/main" xmlns:p15="http://schemas.microsoft.com/office/powerpoint/2012/main" xmlns:ahyp="http://schemas.microsoft.com/office/drawing/2018/hyperlinkcolor" matchingName="Section title and description">
+<p:sldLayout xmlns:a="http://schemas.openxmlformats.org/drawingml/2006/main" xmlns:r="http://schemas.openxmlformats.org/officeDocument/2006/relationships" xmlns:p="http://schemas.openxmlformats.org/presentationml/2006/main" matchingName="Section title and description">
   <p:cSld name="SECTION_TITLE_AND_DESCRIPTION">
     <p:spTree>
       <p:nvGrpSpPr>
-        <p:cNvPr id="44" name="Shape 44"/>
+        <p:cNvPr id="1" name="Shape 44"/>
         <p:cNvGrpSpPr/>
         <p:nvPr/>
       </p:nvGrpSpPr>
@@ -5948,12 +6123,12 @@
           </a:ln>
         </p:spPr>
         <p:txBody>
-          <a:bodyPr anchorCtr="0" anchor="ctr" bIns="91425" lIns="91425" spcFirstLastPara="1" rIns="91425" wrap="square" tIns="91425">
+          <a:bodyPr spcFirstLastPara="1" wrap="square" lIns="91425" tIns="91425" rIns="91425" bIns="91425" anchor="ctr" anchorCtr="0">
             <a:noAutofit/>
           </a:bodyPr>
           <a:lstStyle/>
           <a:p>
-            <a:pPr indent="0" lvl="0" marL="0" rtl="0" algn="l">
+            <a:pPr marL="0" lvl="0" indent="0" algn="l" rtl="0">
               <a:spcBef>
                 <a:spcPts val="0"/>
               </a:spcBef>
@@ -5962,9 +6137,6 @@
               </a:spcAft>
               <a:buNone/>
             </a:pPr>
-            <a:r>
-              <a:t/>
-            </a:r>
             <a:endParaRPr/>
           </a:p>
         </p:txBody>
@@ -5972,7 +6144,9 @@
       <p:sp>
         <p:nvSpPr>
           <p:cNvPr id="46" name="Google Shape;46;p9"/>
-          <p:cNvSpPr txBox="1"/>
+          <p:cNvSpPr txBox="1">
+            <a:spLocks noGrp="1"/>
+          </p:cNvSpPr>
           <p:nvPr>
             <p:ph type="title"/>
           </p:nvPr>
@@ -5987,7 +6161,7 @@
           </a:prstGeom>
         </p:spPr>
         <p:txBody>
-          <a:bodyPr anchorCtr="0" anchor="t" bIns="91425" lIns="91425" spcFirstLastPara="1" rIns="91425" wrap="square" tIns="91425">
+          <a:bodyPr spcFirstLastPara="1" wrap="square" lIns="91425" tIns="91425" rIns="91425" bIns="91425" anchor="t" anchorCtr="0">
             <a:normAutofit/>
           </a:bodyPr>
           <a:lstStyle>
@@ -6154,15 +6328,19 @@
               </a:defRPr>
             </a:lvl9pPr>
           </a:lstStyle>
-          <a:p/>
+          <a:p>
+            <a:endParaRPr/>
+          </a:p>
         </p:txBody>
       </p:sp>
       <p:sp>
         <p:nvSpPr>
           <p:cNvPr id="47" name="Google Shape;47;p9"/>
-          <p:cNvSpPr txBox="1"/>
+          <p:cNvSpPr txBox="1">
+            <a:spLocks noGrp="1"/>
+          </p:cNvSpPr>
           <p:nvPr>
-            <p:ph idx="1" type="subTitle"/>
+            <p:ph type="subTitle" idx="1"/>
           </p:nvPr>
         </p:nvSpPr>
         <p:spPr>
@@ -6175,7 +6353,7 @@
           </a:prstGeom>
         </p:spPr>
         <p:txBody>
-          <a:bodyPr anchorCtr="0" anchor="t" bIns="91425" lIns="91425" spcFirstLastPara="1" rIns="91425" wrap="square" tIns="91425">
+          <a:bodyPr spcFirstLastPara="1" wrap="square" lIns="91425" tIns="91425" rIns="91425" bIns="91425" anchor="t" anchorCtr="0">
             <a:normAutofit/>
           </a:bodyPr>
           <a:lstStyle>
@@ -6369,15 +6547,19 @@
               </a:defRPr>
             </a:lvl9pPr>
           </a:lstStyle>
-          <a:p/>
+          <a:p>
+            <a:endParaRPr/>
+          </a:p>
         </p:txBody>
       </p:sp>
       <p:sp>
         <p:nvSpPr>
           <p:cNvPr id="48" name="Google Shape;48;p9"/>
-          <p:cNvSpPr txBox="1"/>
+          <p:cNvSpPr txBox="1">
+            <a:spLocks noGrp="1"/>
+          </p:cNvSpPr>
           <p:nvPr>
-            <p:ph idx="2" type="body"/>
+            <p:ph type="body" idx="2"/>
           </p:nvPr>
         </p:nvSpPr>
         <p:spPr>
@@ -6390,11 +6572,11 @@
           </a:prstGeom>
         </p:spPr>
         <p:txBody>
-          <a:bodyPr anchorCtr="0" anchor="t" bIns="91425" lIns="91425" spcFirstLastPara="1" rIns="91425" wrap="square" tIns="91425">
+          <a:bodyPr spcFirstLastPara="1" wrap="square" lIns="91425" tIns="91425" rIns="91425" bIns="91425" anchor="t" anchorCtr="0">
             <a:normAutofit/>
           </a:bodyPr>
           <a:lstStyle>
-            <a:lvl1pPr indent="-311150" lvl="0" marL="457200">
+            <a:lvl1pPr marL="457200" lvl="0" indent="-311150">
               <a:spcBef>
                 <a:spcPts val="0"/>
               </a:spcBef>
@@ -6405,7 +6587,7 @@
               <a:buChar char="●"/>
               <a:defRPr/>
             </a:lvl1pPr>
-            <a:lvl2pPr indent="-298450" lvl="1" marL="914400">
+            <a:lvl2pPr marL="914400" lvl="1" indent="-298450">
               <a:spcBef>
                 <a:spcPts val="0"/>
               </a:spcBef>
@@ -6416,7 +6598,7 @@
               <a:buChar char="○"/>
               <a:defRPr/>
             </a:lvl2pPr>
-            <a:lvl3pPr indent="-298450" lvl="2" marL="1371600">
+            <a:lvl3pPr marL="1371600" lvl="2" indent="-298450">
               <a:spcBef>
                 <a:spcPts val="0"/>
               </a:spcBef>
@@ -6427,7 +6609,7 @@
               <a:buChar char="■"/>
               <a:defRPr/>
             </a:lvl3pPr>
-            <a:lvl4pPr indent="-298450" lvl="3" marL="1828800">
+            <a:lvl4pPr marL="1828800" lvl="3" indent="-298450">
               <a:spcBef>
                 <a:spcPts val="0"/>
               </a:spcBef>
@@ -6438,7 +6620,7 @@
               <a:buChar char="●"/>
               <a:defRPr/>
             </a:lvl4pPr>
-            <a:lvl5pPr indent="-298450" lvl="4" marL="2286000">
+            <a:lvl5pPr marL="2286000" lvl="4" indent="-298450">
               <a:spcBef>
                 <a:spcPts val="0"/>
               </a:spcBef>
@@ -6449,7 +6631,7 @@
               <a:buChar char="○"/>
               <a:defRPr/>
             </a:lvl5pPr>
-            <a:lvl6pPr indent="-298450" lvl="5" marL="2743200">
+            <a:lvl6pPr marL="2743200" lvl="5" indent="-298450">
               <a:spcBef>
                 <a:spcPts val="0"/>
               </a:spcBef>
@@ -6460,7 +6642,7 @@
               <a:buChar char="■"/>
               <a:defRPr/>
             </a:lvl6pPr>
-            <a:lvl7pPr indent="-298450" lvl="6" marL="3200400">
+            <a:lvl7pPr marL="3200400" lvl="6" indent="-298450">
               <a:spcBef>
                 <a:spcPts val="0"/>
               </a:spcBef>
@@ -6471,7 +6653,7 @@
               <a:buChar char="●"/>
               <a:defRPr/>
             </a:lvl7pPr>
-            <a:lvl8pPr indent="-298450" lvl="7" marL="3657600">
+            <a:lvl8pPr marL="3657600" lvl="7" indent="-298450">
               <a:spcBef>
                 <a:spcPts val="0"/>
               </a:spcBef>
@@ -6482,7 +6664,7 @@
               <a:buChar char="○"/>
               <a:defRPr/>
             </a:lvl8pPr>
-            <a:lvl9pPr indent="-298450" lvl="8" marL="4114800">
+            <a:lvl9pPr marL="4114800" lvl="8" indent="-298450">
               <a:spcBef>
                 <a:spcPts val="0"/>
               </a:spcBef>
@@ -6494,15 +6676,19 @@
               <a:defRPr/>
             </a:lvl9pPr>
           </a:lstStyle>
-          <a:p/>
+          <a:p>
+            <a:endParaRPr/>
+          </a:p>
         </p:txBody>
       </p:sp>
       <p:sp>
         <p:nvSpPr>
           <p:cNvPr id="49" name="Google Shape;49;p9"/>
-          <p:cNvSpPr txBox="1"/>
+          <p:cNvSpPr txBox="1">
+            <a:spLocks noGrp="1"/>
+          </p:cNvSpPr>
           <p:nvPr>
-            <p:ph idx="12" type="sldNum"/>
+            <p:ph type="sldNum" idx="12"/>
           </p:nvPr>
         </p:nvSpPr>
         <p:spPr>
@@ -6515,7 +6701,7 @@
           </a:prstGeom>
         </p:spPr>
         <p:txBody>
-          <a:bodyPr anchorCtr="0" anchor="ctr" bIns="91425" lIns="91425" spcFirstLastPara="1" rIns="91425" wrap="square" tIns="91425">
+          <a:bodyPr spcFirstLastPara="1" wrap="square" lIns="91425" tIns="91425" rIns="91425" bIns="91425" anchor="ctr" anchorCtr="0">
             <a:normAutofit/>
           </a:bodyPr>
           <a:lstStyle>
@@ -6557,7 +6743,7 @@
             </a:lvl9pPr>
           </a:lstStyle>
           <a:p>
-            <a:pPr indent="0" lvl="0" marL="0" rtl="0" algn="r">
+            <a:pPr marL="0" lvl="0" indent="0" algn="r" rtl="0">
               <a:spcBef>
                 <a:spcPts val="0"/>
               </a:spcBef>
@@ -6583,11 +6769,11 @@
 </file>
 
 <file path=ppt/slideLayouts/slideLayout9.xml><?xml version="1.0" encoding="utf-8"?>
-<p:sldLayout xmlns:a="http://schemas.openxmlformats.org/drawingml/2006/main" xmlns:r="http://schemas.openxmlformats.org/officeDocument/2006/relationships" xmlns:mc="http://schemas.openxmlformats.org/markup-compatibility/2006" xmlns:mv="urn:schemas-microsoft-com:mac:vml" xmlns:p="http://schemas.openxmlformats.org/presentationml/2006/main" xmlns:c="http://schemas.openxmlformats.org/drawingml/2006/chart" xmlns:dgm="http://schemas.openxmlformats.org/drawingml/2006/diagram" xmlns:o="urn:schemas-microsoft-com:office:office" xmlns:v="urn:schemas-microsoft-com:vml" xmlns:pvml="urn:schemas-microsoft-com:office:powerpoint" xmlns:com="http://schemas.openxmlformats.org/drawingml/2006/compatibility" xmlns:p14="http://schemas.microsoft.com/office/powerpoint/2010/main" xmlns:p15="http://schemas.microsoft.com/office/powerpoint/2012/main" xmlns:ahyp="http://schemas.microsoft.com/office/drawing/2018/hyperlinkcolor" matchingName="Caption">
+<p:sldLayout xmlns:a="http://schemas.openxmlformats.org/drawingml/2006/main" xmlns:r="http://schemas.openxmlformats.org/officeDocument/2006/relationships" xmlns:p="http://schemas.openxmlformats.org/presentationml/2006/main" matchingName="Caption">
   <p:cSld name="CAPTION_ONLY">
     <p:spTree>
       <p:nvGrpSpPr>
-        <p:cNvPr id="50" name="Shape 50"/>
+        <p:cNvPr id="1" name="Shape 50"/>
         <p:cNvGrpSpPr/>
         <p:nvPr/>
       </p:nvGrpSpPr>
@@ -6621,12 +6807,12 @@
           </a:ln>
         </p:spPr>
         <p:txBody>
-          <a:bodyPr anchorCtr="0" anchor="ctr" bIns="91425" lIns="91425" spcFirstLastPara="1" rIns="91425" wrap="square" tIns="91425">
+          <a:bodyPr spcFirstLastPara="1" wrap="square" lIns="91425" tIns="91425" rIns="91425" bIns="91425" anchor="ctr" anchorCtr="0">
             <a:noAutofit/>
           </a:bodyPr>
           <a:lstStyle/>
           <a:p>
-            <a:pPr indent="0" lvl="0" marL="0" rtl="0" algn="l">
+            <a:pPr marL="0" lvl="0" indent="0" algn="l" rtl="0">
               <a:spcBef>
                 <a:spcPts val="0"/>
               </a:spcBef>
@@ -6635,9 +6821,6 @@
               </a:spcAft>
               <a:buNone/>
             </a:pPr>
-            <a:r>
-              <a:t/>
-            </a:r>
             <a:endParaRPr/>
           </a:p>
         </p:txBody>
@@ -6645,9 +6828,11 @@
       <p:sp>
         <p:nvSpPr>
           <p:cNvPr id="52" name="Google Shape;52;p10"/>
-          <p:cNvSpPr txBox="1"/>
+          <p:cNvSpPr txBox="1">
+            <a:spLocks noGrp="1"/>
+          </p:cNvSpPr>
           <p:nvPr>
-            <p:ph idx="1" type="body"/>
+            <p:ph type="body" idx="1"/>
           </p:nvPr>
         </p:nvSpPr>
         <p:spPr>
@@ -6660,11 +6845,11 @@
           </a:prstGeom>
         </p:spPr>
         <p:txBody>
-          <a:bodyPr anchorCtr="0" anchor="ctr" bIns="91425" lIns="91425" spcFirstLastPara="1" rIns="91425" wrap="square" tIns="91425">
+          <a:bodyPr spcFirstLastPara="1" wrap="square" lIns="91425" tIns="91425" rIns="91425" bIns="91425" anchor="ctr" anchorCtr="0">
             <a:normAutofit/>
           </a:bodyPr>
           <a:lstStyle>
-            <a:lvl1pPr indent="-228600" lvl="0" marL="457200">
+            <a:lvl1pPr marL="457200" lvl="0" indent="-228600">
               <a:lnSpc>
                 <a:spcPct val="100000"/>
               </a:lnSpc>
@@ -6691,15 +6876,19 @@
               </a:defRPr>
             </a:lvl1pPr>
           </a:lstStyle>
-          <a:p/>
+          <a:p>
+            <a:endParaRPr/>
+          </a:p>
         </p:txBody>
       </p:sp>
       <p:sp>
         <p:nvSpPr>
           <p:cNvPr id="53" name="Google Shape;53;p10"/>
-          <p:cNvSpPr txBox="1"/>
+          <p:cNvSpPr txBox="1">
+            <a:spLocks noGrp="1"/>
+          </p:cNvSpPr>
           <p:nvPr>
-            <p:ph idx="12" type="sldNum"/>
+            <p:ph type="sldNum" idx="12"/>
           </p:nvPr>
         </p:nvSpPr>
         <p:spPr>
@@ -6712,7 +6901,7 @@
           </a:prstGeom>
         </p:spPr>
         <p:txBody>
-          <a:bodyPr anchorCtr="0" anchor="ctr" bIns="91425" lIns="91425" spcFirstLastPara="1" rIns="91425" wrap="square" tIns="91425">
+          <a:bodyPr spcFirstLastPara="1" wrap="square" lIns="91425" tIns="91425" rIns="91425" bIns="91425" anchor="ctr" anchorCtr="0">
             <a:normAutofit/>
           </a:bodyPr>
           <a:lstStyle>
@@ -6790,7 +6979,7 @@
             </a:lvl9pPr>
           </a:lstStyle>
           <a:p>
-            <a:pPr indent="0" lvl="0" marL="0" rtl="0" algn="r">
+            <a:pPr marL="0" lvl="0" indent="0" algn="r" rtl="0">
               <a:spcBef>
                 <a:spcPts val="0"/>
               </a:spcBef>
@@ -6816,18 +7005,19 @@
 </file>
 
 <file path=ppt/slideMasters/slideMaster1.xml><?xml version="1.0" encoding="utf-8"?>
-<p:sldMaster xmlns:a="http://schemas.openxmlformats.org/drawingml/2006/main" xmlns:r="http://schemas.openxmlformats.org/officeDocument/2006/relationships" xmlns:mc="http://schemas.openxmlformats.org/markup-compatibility/2006" xmlns:mv="urn:schemas-microsoft-com:mac:vml" xmlns:p="http://schemas.openxmlformats.org/presentationml/2006/main" xmlns:c="http://schemas.openxmlformats.org/drawingml/2006/chart" xmlns:dgm="http://schemas.openxmlformats.org/drawingml/2006/diagram" xmlns:o="urn:schemas-microsoft-com:office:office" xmlns:v="urn:schemas-microsoft-com:vml" xmlns:pvml="urn:schemas-microsoft-com:office:powerpoint" xmlns:com="http://schemas.openxmlformats.org/drawingml/2006/compatibility" xmlns:p14="http://schemas.microsoft.com/office/powerpoint/2010/main" xmlns:p15="http://schemas.microsoft.com/office/powerpoint/2012/main" xmlns:ahyp="http://schemas.microsoft.com/office/drawing/2018/hyperlinkcolor">
+<p:sldMaster xmlns:a="http://schemas.openxmlformats.org/drawingml/2006/main" xmlns:r="http://schemas.openxmlformats.org/officeDocument/2006/relationships" xmlns:p="http://schemas.openxmlformats.org/presentationml/2006/main">
   <p:cSld name="paradigm">
     <p:bg>
       <p:bgPr>
         <a:solidFill>
           <a:schemeClr val="lt1"/>
         </a:solidFill>
+        <a:effectLst/>
       </p:bgPr>
     </p:bg>
     <p:spTree>
       <p:nvGrpSpPr>
-        <p:cNvPr id="5" name="Shape 5"/>
+        <p:cNvPr id="1" name="Shape 5"/>
         <p:cNvGrpSpPr/>
         <p:nvPr/>
       </p:nvGrpSpPr>
@@ -6842,7 +7032,9 @@
       <p:sp>
         <p:nvSpPr>
           <p:cNvPr id="6" name="Google Shape;6;p1"/>
-          <p:cNvSpPr txBox="1"/>
+          <p:cNvSpPr txBox="1">
+            <a:spLocks noGrp="1"/>
+          </p:cNvSpPr>
           <p:nvPr>
             <p:ph type="title"/>
           </p:nvPr>
@@ -6861,7 +7053,7 @@
           </a:ln>
         </p:spPr>
         <p:txBody>
-          <a:bodyPr anchorCtr="0" anchor="t" bIns="91425" lIns="91425" spcFirstLastPara="1" rIns="91425" wrap="square" tIns="91425">
+          <a:bodyPr spcFirstLastPara="1" wrap="square" lIns="91425" tIns="91425" rIns="91425" bIns="91425" anchor="t" anchorCtr="0">
             <a:normAutofit/>
           </a:bodyPr>
           <a:lstStyle>
@@ -7073,15 +7265,19 @@
               </a:defRPr>
             </a:lvl9pPr>
           </a:lstStyle>
-          <a:p/>
+          <a:p>
+            <a:endParaRPr/>
+          </a:p>
         </p:txBody>
       </p:sp>
       <p:sp>
         <p:nvSpPr>
           <p:cNvPr id="7" name="Google Shape;7;p1"/>
-          <p:cNvSpPr txBox="1"/>
+          <p:cNvSpPr txBox="1">
+            <a:spLocks noGrp="1"/>
+          </p:cNvSpPr>
           <p:nvPr>
-            <p:ph idx="1" type="body"/>
+            <p:ph type="body" idx="1"/>
           </p:nvPr>
         </p:nvSpPr>
         <p:spPr>
@@ -7098,11 +7294,11 @@
           </a:ln>
         </p:spPr>
         <p:txBody>
-          <a:bodyPr anchorCtr="0" anchor="t" bIns="91425" lIns="91425" spcFirstLastPara="1" rIns="91425" wrap="square" tIns="91425">
+          <a:bodyPr spcFirstLastPara="1" wrap="square" lIns="91425" tIns="91425" rIns="91425" bIns="91425" anchor="t" anchorCtr="0">
             <a:normAutofit/>
           </a:bodyPr>
           <a:lstStyle>
-            <a:lvl1pPr indent="-311150" lvl="0" marL="457200">
+            <a:lvl1pPr marL="457200" lvl="0" indent="-311150">
               <a:lnSpc>
                 <a:spcPct val="115000"/>
               </a:lnSpc>
@@ -7128,7 +7324,7 @@
                 <a:sym typeface="Roboto"/>
               </a:defRPr>
             </a:lvl1pPr>
-            <a:lvl2pPr indent="-298450" lvl="1" marL="914400">
+            <a:lvl2pPr marL="914400" lvl="1" indent="-298450">
               <a:lnSpc>
                 <a:spcPct val="115000"/>
               </a:lnSpc>
@@ -7154,7 +7350,7 @@
                 <a:sym typeface="Roboto"/>
               </a:defRPr>
             </a:lvl2pPr>
-            <a:lvl3pPr indent="-298450" lvl="2" marL="1371600">
+            <a:lvl3pPr marL="1371600" lvl="2" indent="-298450">
               <a:lnSpc>
                 <a:spcPct val="115000"/>
               </a:lnSpc>
@@ -7180,7 +7376,7 @@
                 <a:sym typeface="Roboto"/>
               </a:defRPr>
             </a:lvl3pPr>
-            <a:lvl4pPr indent="-298450" lvl="3" marL="1828800">
+            <a:lvl4pPr marL="1828800" lvl="3" indent="-298450">
               <a:lnSpc>
                 <a:spcPct val="115000"/>
               </a:lnSpc>
@@ -7206,7 +7402,7 @@
                 <a:sym typeface="Roboto"/>
               </a:defRPr>
             </a:lvl4pPr>
-            <a:lvl5pPr indent="-298450" lvl="4" marL="2286000">
+            <a:lvl5pPr marL="2286000" lvl="4" indent="-298450">
               <a:lnSpc>
                 <a:spcPct val="115000"/>
               </a:lnSpc>
@@ -7232,7 +7428,7 @@
                 <a:sym typeface="Roboto"/>
               </a:defRPr>
             </a:lvl5pPr>
-            <a:lvl6pPr indent="-298450" lvl="5" marL="2743200">
+            <a:lvl6pPr marL="2743200" lvl="5" indent="-298450">
               <a:lnSpc>
                 <a:spcPct val="115000"/>
               </a:lnSpc>
@@ -7258,7 +7454,7 @@
                 <a:sym typeface="Roboto"/>
               </a:defRPr>
             </a:lvl6pPr>
-            <a:lvl7pPr indent="-298450" lvl="6" marL="3200400">
+            <a:lvl7pPr marL="3200400" lvl="6" indent="-298450">
               <a:lnSpc>
                 <a:spcPct val="115000"/>
               </a:lnSpc>
@@ -7284,7 +7480,7 @@
                 <a:sym typeface="Roboto"/>
               </a:defRPr>
             </a:lvl7pPr>
-            <a:lvl8pPr indent="-298450" lvl="7" marL="3657600">
+            <a:lvl8pPr marL="3657600" lvl="7" indent="-298450">
               <a:lnSpc>
                 <a:spcPct val="115000"/>
               </a:lnSpc>
@@ -7310,7 +7506,7 @@
                 <a:sym typeface="Roboto"/>
               </a:defRPr>
             </a:lvl8pPr>
-            <a:lvl9pPr indent="-298450" lvl="8" marL="4114800">
+            <a:lvl9pPr marL="4114800" lvl="8" indent="-298450">
               <a:lnSpc>
                 <a:spcPct val="115000"/>
               </a:lnSpc>
@@ -7337,15 +7533,19 @@
               </a:defRPr>
             </a:lvl9pPr>
           </a:lstStyle>
-          <a:p/>
+          <a:p>
+            <a:endParaRPr/>
+          </a:p>
         </p:txBody>
       </p:sp>
       <p:sp>
         <p:nvSpPr>
           <p:cNvPr id="8" name="Google Shape;8;p1"/>
-          <p:cNvSpPr txBox="1"/>
+          <p:cNvSpPr txBox="1">
+            <a:spLocks noGrp="1"/>
+          </p:cNvSpPr>
           <p:nvPr>
-            <p:ph idx="12" type="sldNum"/>
+            <p:ph type="sldNum" idx="12"/>
           </p:nvPr>
         </p:nvSpPr>
         <p:spPr>
@@ -7362,7 +7562,7 @@
           </a:ln>
         </p:spPr>
         <p:txBody>
-          <a:bodyPr anchorCtr="0" anchor="ctr" bIns="91425" lIns="91425" spcFirstLastPara="1" rIns="91425" wrap="square" tIns="91425">
+          <a:bodyPr spcFirstLastPara="1" wrap="square" lIns="91425" tIns="91425" rIns="91425" bIns="91425" anchor="ctr" anchorCtr="0">
             <a:normAutofit/>
           </a:bodyPr>
           <a:lstStyle>
@@ -7476,7 +7676,7 @@
             </a:lvl9pPr>
           </a:lstStyle>
           <a:p>
-            <a:pPr indent="0" lvl="0" marL="0" rtl="0" algn="r">
+            <a:pPr marL="0" lvl="0" indent="0" algn="r" rtl="0">
               <a:spcBef>
                 <a:spcPts val="0"/>
               </a:spcBef>
@@ -7495,7 +7695,7 @@
       </p:sp>
     </p:spTree>
   </p:cSld>
-  <p:clrMap accent1="accent1" accent2="accent2" accent3="accent3" accent4="accent4" accent5="accent5" accent6="accent6" bg1="lt1" bg2="dk2" tx1="dk1" tx2="lt2" folHlink="folHlink" hlink="hlink"/>
+  <p:clrMap bg1="lt1" tx1="dk1" bg2="dk2" tx2="lt2" accent1="accent1" accent2="accent2" accent3="accent3" accent4="accent4" accent5="accent5" accent6="accent6" hlink="hlink" folHlink="folHlink"/>
   <p:sldLayoutIdLst>
     <p:sldLayoutId id="2147483648" r:id="rId1"/>
     <p:sldLayoutId id="2147483649" r:id="rId2"/>
@@ -7509,10 +7709,10 @@
     <p:sldLayoutId id="2147483657" r:id="rId10"/>
     <p:sldLayoutId id="2147483658" r:id="rId11"/>
   </p:sldLayoutIdLst>
-  <p:hf dt="0" ftr="0" hdr="0" sldNum="0"/>
+  <p:hf sldNum="0" hdr="0" ftr="0" dt="0"/>
   <p:txStyles>
     <p:titleStyle>
-      <a:defPPr lvl="0" marR="0" rtl="0" algn="l">
+      <a:defPPr marR="0" lvl="0" algn="l" rtl="0">
         <a:lnSpc>
           <a:spcPct val="100000"/>
         </a:lnSpc>
@@ -7523,7 +7723,7 @@
           <a:spcPts val="0"/>
         </a:spcAft>
       </a:defPPr>
-      <a:lvl1pPr lvl="0" marR="0" rtl="0" algn="l">
+      <a:lvl1pPr marR="0" lvl="0" algn="l" rtl="0">
         <a:lnSpc>
           <a:spcPct val="100000"/>
         </a:lnSpc>
@@ -7537,7 +7737,7 @@
           <a:srgbClr val="000000"/>
         </a:buClr>
         <a:buFont typeface="Arial"/>
-        <a:defRPr b="0" i="0" sz="1400" u="none" cap="none" strike="noStrike">
+        <a:defRPr sz="1400" b="0" i="0" u="none" strike="noStrike" cap="none">
           <a:solidFill>
             <a:srgbClr val="000000"/>
           </a:solidFill>
@@ -7547,7 +7747,7 @@
           <a:sym typeface="Arial"/>
         </a:defRPr>
       </a:lvl1pPr>
-      <a:lvl2pPr lvl="1" marR="0" rtl="0" algn="l">
+      <a:lvl2pPr marR="0" lvl="1" algn="l" rtl="0">
         <a:lnSpc>
           <a:spcPct val="100000"/>
         </a:lnSpc>
@@ -7561,7 +7761,7 @@
           <a:srgbClr val="000000"/>
         </a:buClr>
         <a:buFont typeface="Arial"/>
-        <a:defRPr b="0" i="0" sz="1400" u="none" cap="none" strike="noStrike">
+        <a:defRPr sz="1400" b="0" i="0" u="none" strike="noStrike" cap="none">
           <a:solidFill>
             <a:srgbClr val="000000"/>
           </a:solidFill>
@@ -7571,7 +7771,7 @@
           <a:sym typeface="Arial"/>
         </a:defRPr>
       </a:lvl2pPr>
-      <a:lvl3pPr lvl="2" marR="0" rtl="0" algn="l">
+      <a:lvl3pPr marR="0" lvl="2" algn="l" rtl="0">
         <a:lnSpc>
           <a:spcPct val="100000"/>
         </a:lnSpc>
@@ -7585,7 +7785,7 @@
           <a:srgbClr val="000000"/>
         </a:buClr>
         <a:buFont typeface="Arial"/>
-        <a:defRPr b="0" i="0" sz="1400" u="none" cap="none" strike="noStrike">
+        <a:defRPr sz="1400" b="0" i="0" u="none" strike="noStrike" cap="none">
           <a:solidFill>
             <a:srgbClr val="000000"/>
           </a:solidFill>
@@ -7595,7 +7795,7 @@
           <a:sym typeface="Arial"/>
         </a:defRPr>
       </a:lvl3pPr>
-      <a:lvl4pPr lvl="3" marR="0" rtl="0" algn="l">
+      <a:lvl4pPr marR="0" lvl="3" algn="l" rtl="0">
         <a:lnSpc>
           <a:spcPct val="100000"/>
         </a:lnSpc>
@@ -7609,7 +7809,7 @@
           <a:srgbClr val="000000"/>
         </a:buClr>
         <a:buFont typeface="Arial"/>
-        <a:defRPr b="0" i="0" sz="1400" u="none" cap="none" strike="noStrike">
+        <a:defRPr sz="1400" b="0" i="0" u="none" strike="noStrike" cap="none">
           <a:solidFill>
             <a:srgbClr val="000000"/>
           </a:solidFill>
@@ -7619,7 +7819,7 @@
           <a:sym typeface="Arial"/>
         </a:defRPr>
       </a:lvl4pPr>
-      <a:lvl5pPr lvl="4" marR="0" rtl="0" algn="l">
+      <a:lvl5pPr marR="0" lvl="4" algn="l" rtl="0">
         <a:lnSpc>
           <a:spcPct val="100000"/>
         </a:lnSpc>
@@ -7633,7 +7833,7 @@
           <a:srgbClr val="000000"/>
         </a:buClr>
         <a:buFont typeface="Arial"/>
-        <a:defRPr b="0" i="0" sz="1400" u="none" cap="none" strike="noStrike">
+        <a:defRPr sz="1400" b="0" i="0" u="none" strike="noStrike" cap="none">
           <a:solidFill>
             <a:srgbClr val="000000"/>
           </a:solidFill>
@@ -7643,7 +7843,7 @@
           <a:sym typeface="Arial"/>
         </a:defRPr>
       </a:lvl5pPr>
-      <a:lvl6pPr lvl="5" marR="0" rtl="0" algn="l">
+      <a:lvl6pPr marR="0" lvl="5" algn="l" rtl="0">
         <a:lnSpc>
           <a:spcPct val="100000"/>
         </a:lnSpc>
@@ -7657,7 +7857,7 @@
           <a:srgbClr val="000000"/>
         </a:buClr>
         <a:buFont typeface="Arial"/>
-        <a:defRPr b="0" i="0" sz="1400" u="none" cap="none" strike="noStrike">
+        <a:defRPr sz="1400" b="0" i="0" u="none" strike="noStrike" cap="none">
           <a:solidFill>
             <a:srgbClr val="000000"/>
           </a:solidFill>
@@ -7667,7 +7867,7 @@
           <a:sym typeface="Arial"/>
         </a:defRPr>
       </a:lvl6pPr>
-      <a:lvl7pPr lvl="6" marR="0" rtl="0" algn="l">
+      <a:lvl7pPr marR="0" lvl="6" algn="l" rtl="0">
         <a:lnSpc>
           <a:spcPct val="100000"/>
         </a:lnSpc>
@@ -7681,7 +7881,7 @@
           <a:srgbClr val="000000"/>
         </a:buClr>
         <a:buFont typeface="Arial"/>
-        <a:defRPr b="0" i="0" sz="1400" u="none" cap="none" strike="noStrike">
+        <a:defRPr sz="1400" b="0" i="0" u="none" strike="noStrike" cap="none">
           <a:solidFill>
             <a:srgbClr val="000000"/>
           </a:solidFill>
@@ -7691,7 +7891,7 @@
           <a:sym typeface="Arial"/>
         </a:defRPr>
       </a:lvl7pPr>
-      <a:lvl8pPr lvl="7" marR="0" rtl="0" algn="l">
+      <a:lvl8pPr marR="0" lvl="7" algn="l" rtl="0">
         <a:lnSpc>
           <a:spcPct val="100000"/>
         </a:lnSpc>
@@ -7705,7 +7905,7 @@
           <a:srgbClr val="000000"/>
         </a:buClr>
         <a:buFont typeface="Arial"/>
-        <a:defRPr b="0" i="0" sz="1400" u="none" cap="none" strike="noStrike">
+        <a:defRPr sz="1400" b="0" i="0" u="none" strike="noStrike" cap="none">
           <a:solidFill>
             <a:srgbClr val="000000"/>
           </a:solidFill>
@@ -7715,7 +7915,7 @@
           <a:sym typeface="Arial"/>
         </a:defRPr>
       </a:lvl8pPr>
-      <a:lvl9pPr lvl="8" marR="0" rtl="0" algn="l">
+      <a:lvl9pPr marR="0" lvl="8" algn="l" rtl="0">
         <a:lnSpc>
           <a:spcPct val="100000"/>
         </a:lnSpc>
@@ -7729,7 +7929,7 @@
           <a:srgbClr val="000000"/>
         </a:buClr>
         <a:buFont typeface="Arial"/>
-        <a:defRPr b="0" i="0" sz="1400" u="none" cap="none" strike="noStrike">
+        <a:defRPr sz="1400" b="0" i="0" u="none" strike="noStrike" cap="none">
           <a:solidFill>
             <a:srgbClr val="000000"/>
           </a:solidFill>
@@ -7741,7 +7941,7 @@
       </a:lvl9pPr>
     </p:titleStyle>
     <p:bodyStyle>
-      <a:defPPr lvl="0" marR="0" rtl="0" algn="l">
+      <a:defPPr marR="0" lvl="0" algn="l" rtl="0">
         <a:lnSpc>
           <a:spcPct val="100000"/>
         </a:lnSpc>
@@ -7752,7 +7952,7 @@
           <a:spcPts val="0"/>
         </a:spcAft>
       </a:defPPr>
-      <a:lvl1pPr lvl="0" marR="0" rtl="0" algn="l">
+      <a:lvl1pPr marR="0" lvl="0" algn="l" rtl="0">
         <a:lnSpc>
           <a:spcPct val="100000"/>
         </a:lnSpc>
@@ -7766,7 +7966,7 @@
           <a:srgbClr val="000000"/>
         </a:buClr>
         <a:buFont typeface="Arial"/>
-        <a:defRPr b="0" i="0" sz="1400" u="none" cap="none" strike="noStrike">
+        <a:defRPr sz="1400" b="0" i="0" u="none" strike="noStrike" cap="none">
           <a:solidFill>
             <a:srgbClr val="000000"/>
           </a:solidFill>
@@ -7776,7 +7976,7 @@
           <a:sym typeface="Arial"/>
         </a:defRPr>
       </a:lvl1pPr>
-      <a:lvl2pPr lvl="1" marR="0" rtl="0" algn="l">
+      <a:lvl2pPr marR="0" lvl="1" algn="l" rtl="0">
         <a:lnSpc>
           <a:spcPct val="100000"/>
         </a:lnSpc>
@@ -7790,7 +7990,7 @@
           <a:srgbClr val="000000"/>
         </a:buClr>
         <a:buFont typeface="Arial"/>
-        <a:defRPr b="0" i="0" sz="1400" u="none" cap="none" strike="noStrike">
+        <a:defRPr sz="1400" b="0" i="0" u="none" strike="noStrike" cap="none">
           <a:solidFill>
             <a:srgbClr val="000000"/>
           </a:solidFill>
@@ -7800,7 +8000,7 @@
           <a:sym typeface="Arial"/>
         </a:defRPr>
       </a:lvl2pPr>
-      <a:lvl3pPr lvl="2" marR="0" rtl="0" algn="l">
+      <a:lvl3pPr marR="0" lvl="2" algn="l" rtl="0">
         <a:lnSpc>
           <a:spcPct val="100000"/>
         </a:lnSpc>
@@ -7814,7 +8014,7 @@
           <a:srgbClr val="000000"/>
         </a:buClr>
         <a:buFont typeface="Arial"/>
-        <a:defRPr b="0" i="0" sz="1400" u="none" cap="none" strike="noStrike">
+        <a:defRPr sz="1400" b="0" i="0" u="none" strike="noStrike" cap="none">
           <a:solidFill>
             <a:srgbClr val="000000"/>
           </a:solidFill>
@@ -7824,7 +8024,7 @@
           <a:sym typeface="Arial"/>
         </a:defRPr>
       </a:lvl3pPr>
-      <a:lvl4pPr lvl="3" marR="0" rtl="0" algn="l">
+      <a:lvl4pPr marR="0" lvl="3" algn="l" rtl="0">
         <a:lnSpc>
           <a:spcPct val="100000"/>
         </a:lnSpc>
@@ -7838,7 +8038,7 @@
           <a:srgbClr val="000000"/>
         </a:buClr>
         <a:buFont typeface="Arial"/>
-        <a:defRPr b="0" i="0" sz="1400" u="none" cap="none" strike="noStrike">
+        <a:defRPr sz="1400" b="0" i="0" u="none" strike="noStrike" cap="none">
           <a:solidFill>
             <a:srgbClr val="000000"/>
           </a:solidFill>
@@ -7848,7 +8048,7 @@
           <a:sym typeface="Arial"/>
         </a:defRPr>
       </a:lvl4pPr>
-      <a:lvl5pPr lvl="4" marR="0" rtl="0" algn="l">
+      <a:lvl5pPr marR="0" lvl="4" algn="l" rtl="0">
         <a:lnSpc>
           <a:spcPct val="100000"/>
         </a:lnSpc>
@@ -7862,7 +8062,7 @@
           <a:srgbClr val="000000"/>
         </a:buClr>
         <a:buFont typeface="Arial"/>
-        <a:defRPr b="0" i="0" sz="1400" u="none" cap="none" strike="noStrike">
+        <a:defRPr sz="1400" b="0" i="0" u="none" strike="noStrike" cap="none">
           <a:solidFill>
             <a:srgbClr val="000000"/>
           </a:solidFill>
@@ -7872,7 +8072,7 @@
           <a:sym typeface="Arial"/>
         </a:defRPr>
       </a:lvl5pPr>
-      <a:lvl6pPr lvl="5" marR="0" rtl="0" algn="l">
+      <a:lvl6pPr marR="0" lvl="5" algn="l" rtl="0">
         <a:lnSpc>
           <a:spcPct val="100000"/>
         </a:lnSpc>
@@ -7886,7 +8086,7 @@
           <a:srgbClr val="000000"/>
         </a:buClr>
         <a:buFont typeface="Arial"/>
-        <a:defRPr b="0" i="0" sz="1400" u="none" cap="none" strike="noStrike">
+        <a:defRPr sz="1400" b="0" i="0" u="none" strike="noStrike" cap="none">
           <a:solidFill>
             <a:srgbClr val="000000"/>
           </a:solidFill>
@@ -7896,7 +8096,7 @@
           <a:sym typeface="Arial"/>
         </a:defRPr>
       </a:lvl6pPr>
-      <a:lvl7pPr lvl="6" marR="0" rtl="0" algn="l">
+      <a:lvl7pPr marR="0" lvl="6" algn="l" rtl="0">
         <a:lnSpc>
           <a:spcPct val="100000"/>
         </a:lnSpc>
@@ -7910,7 +8110,7 @@
           <a:srgbClr val="000000"/>
         </a:buClr>
         <a:buFont typeface="Arial"/>
-        <a:defRPr b="0" i="0" sz="1400" u="none" cap="none" strike="noStrike">
+        <a:defRPr sz="1400" b="0" i="0" u="none" strike="noStrike" cap="none">
           <a:solidFill>
             <a:srgbClr val="000000"/>
           </a:solidFill>
@@ -7920,7 +8120,7 @@
           <a:sym typeface="Arial"/>
         </a:defRPr>
       </a:lvl7pPr>
-      <a:lvl8pPr lvl="7" marR="0" rtl="0" algn="l">
+      <a:lvl8pPr marR="0" lvl="7" algn="l" rtl="0">
         <a:lnSpc>
           <a:spcPct val="100000"/>
         </a:lnSpc>
@@ -7934,7 +8134,7 @@
           <a:srgbClr val="000000"/>
         </a:buClr>
         <a:buFont typeface="Arial"/>
-        <a:defRPr b="0" i="0" sz="1400" u="none" cap="none" strike="noStrike">
+        <a:defRPr sz="1400" b="0" i="0" u="none" strike="noStrike" cap="none">
           <a:solidFill>
             <a:srgbClr val="000000"/>
           </a:solidFill>
@@ -7944,7 +8144,7 @@
           <a:sym typeface="Arial"/>
         </a:defRPr>
       </a:lvl8pPr>
-      <a:lvl9pPr lvl="8" marR="0" rtl="0" algn="l">
+      <a:lvl9pPr marR="0" lvl="8" algn="l" rtl="0">
         <a:lnSpc>
           <a:spcPct val="100000"/>
         </a:lnSpc>
@@ -7958,7 +8158,7 @@
           <a:srgbClr val="000000"/>
         </a:buClr>
         <a:buFont typeface="Arial"/>
-        <a:defRPr b="0" i="0" sz="1400" u="none" cap="none" strike="noStrike">
+        <a:defRPr sz="1400" b="0" i="0" u="none" strike="noStrike" cap="none">
           <a:solidFill>
             <a:srgbClr val="000000"/>
           </a:solidFill>
@@ -7970,7 +8170,7 @@
       </a:lvl9pPr>
     </p:bodyStyle>
     <p:otherStyle>
-      <a:defPPr lvl="0" marR="0" rtl="0" algn="l">
+      <a:defPPr marR="0" lvl="0" algn="l" rtl="0">
         <a:lnSpc>
           <a:spcPct val="100000"/>
         </a:lnSpc>
@@ -7981,7 +8181,7 @@
           <a:spcPts val="0"/>
         </a:spcAft>
       </a:defPPr>
-      <a:lvl1pPr lvl="0" marR="0" rtl="0" algn="l">
+      <a:lvl1pPr marR="0" lvl="0" algn="l" rtl="0">
         <a:lnSpc>
           <a:spcPct val="100000"/>
         </a:lnSpc>
@@ -7995,7 +8195,7 @@
           <a:srgbClr val="000000"/>
         </a:buClr>
         <a:buFont typeface="Arial"/>
-        <a:defRPr b="0" i="0" sz="1400" u="none" cap="none" strike="noStrike">
+        <a:defRPr sz="1400" b="0" i="0" u="none" strike="noStrike" cap="none">
           <a:solidFill>
             <a:srgbClr val="000000"/>
           </a:solidFill>
@@ -8005,7 +8205,7 @@
           <a:sym typeface="Arial"/>
         </a:defRPr>
       </a:lvl1pPr>
-      <a:lvl2pPr lvl="1" marR="0" rtl="0" algn="l">
+      <a:lvl2pPr marR="0" lvl="1" algn="l" rtl="0">
         <a:lnSpc>
           <a:spcPct val="100000"/>
         </a:lnSpc>
@@ -8019,7 +8219,7 @@
           <a:srgbClr val="000000"/>
         </a:buClr>
         <a:buFont typeface="Arial"/>
-        <a:defRPr b="0" i="0" sz="1400" u="none" cap="none" strike="noStrike">
+        <a:defRPr sz="1400" b="0" i="0" u="none" strike="noStrike" cap="none">
           <a:solidFill>
             <a:srgbClr val="000000"/>
           </a:solidFill>
@@ -8029,7 +8229,7 @@
           <a:sym typeface="Arial"/>
         </a:defRPr>
       </a:lvl2pPr>
-      <a:lvl3pPr lvl="2" marR="0" rtl="0" algn="l">
+      <a:lvl3pPr marR="0" lvl="2" algn="l" rtl="0">
         <a:lnSpc>
           <a:spcPct val="100000"/>
         </a:lnSpc>
@@ -8043,7 +8243,7 @@
           <a:srgbClr val="000000"/>
         </a:buClr>
         <a:buFont typeface="Arial"/>
-        <a:defRPr b="0" i="0" sz="1400" u="none" cap="none" strike="noStrike">
+        <a:defRPr sz="1400" b="0" i="0" u="none" strike="noStrike" cap="none">
           <a:solidFill>
             <a:srgbClr val="000000"/>
           </a:solidFill>
@@ -8053,7 +8253,7 @@
           <a:sym typeface="Arial"/>
         </a:defRPr>
       </a:lvl3pPr>
-      <a:lvl4pPr lvl="3" marR="0" rtl="0" algn="l">
+      <a:lvl4pPr marR="0" lvl="3" algn="l" rtl="0">
         <a:lnSpc>
           <a:spcPct val="100000"/>
         </a:lnSpc>
@@ -8067,7 +8267,7 @@
           <a:srgbClr val="000000"/>
         </a:buClr>
         <a:buFont typeface="Arial"/>
-        <a:defRPr b="0" i="0" sz="1400" u="none" cap="none" strike="noStrike">
+        <a:defRPr sz="1400" b="0" i="0" u="none" strike="noStrike" cap="none">
           <a:solidFill>
             <a:srgbClr val="000000"/>
           </a:solidFill>
@@ -8077,7 +8277,7 @@
           <a:sym typeface="Arial"/>
         </a:defRPr>
       </a:lvl4pPr>
-      <a:lvl5pPr lvl="4" marR="0" rtl="0" algn="l">
+      <a:lvl5pPr marR="0" lvl="4" algn="l" rtl="0">
         <a:lnSpc>
           <a:spcPct val="100000"/>
         </a:lnSpc>
@@ -8091,7 +8291,7 @@
           <a:srgbClr val="000000"/>
         </a:buClr>
         <a:buFont typeface="Arial"/>
-        <a:defRPr b="0" i="0" sz="1400" u="none" cap="none" strike="noStrike">
+        <a:defRPr sz="1400" b="0" i="0" u="none" strike="noStrike" cap="none">
           <a:solidFill>
             <a:srgbClr val="000000"/>
           </a:solidFill>
@@ -8101,7 +8301,7 @@
           <a:sym typeface="Arial"/>
         </a:defRPr>
       </a:lvl5pPr>
-      <a:lvl6pPr lvl="5" marR="0" rtl="0" algn="l">
+      <a:lvl6pPr marR="0" lvl="5" algn="l" rtl="0">
         <a:lnSpc>
           <a:spcPct val="100000"/>
         </a:lnSpc>
@@ -8115,7 +8315,7 @@
           <a:srgbClr val="000000"/>
         </a:buClr>
         <a:buFont typeface="Arial"/>
-        <a:defRPr b="0" i="0" sz="1400" u="none" cap="none" strike="noStrike">
+        <a:defRPr sz="1400" b="0" i="0" u="none" strike="noStrike" cap="none">
           <a:solidFill>
             <a:srgbClr val="000000"/>
           </a:solidFill>
@@ -8125,7 +8325,7 @@
           <a:sym typeface="Arial"/>
         </a:defRPr>
       </a:lvl6pPr>
-      <a:lvl7pPr lvl="6" marR="0" rtl="0" algn="l">
+      <a:lvl7pPr marR="0" lvl="6" algn="l" rtl="0">
         <a:lnSpc>
           <a:spcPct val="100000"/>
         </a:lnSpc>
@@ -8139,7 +8339,7 @@
           <a:srgbClr val="000000"/>
         </a:buClr>
         <a:buFont typeface="Arial"/>
-        <a:defRPr b="0" i="0" sz="1400" u="none" cap="none" strike="noStrike">
+        <a:defRPr sz="1400" b="0" i="0" u="none" strike="noStrike" cap="none">
           <a:solidFill>
             <a:srgbClr val="000000"/>
           </a:solidFill>
@@ -8149,7 +8349,7 @@
           <a:sym typeface="Arial"/>
         </a:defRPr>
       </a:lvl7pPr>
-      <a:lvl8pPr lvl="7" marR="0" rtl="0" algn="l">
+      <a:lvl8pPr marR="0" lvl="7" algn="l" rtl="0">
         <a:lnSpc>
           <a:spcPct val="100000"/>
         </a:lnSpc>
@@ -8163,7 +8363,7 @@
           <a:srgbClr val="000000"/>
         </a:buClr>
         <a:buFont typeface="Arial"/>
-        <a:defRPr b="0" i="0" sz="1400" u="none" cap="none" strike="noStrike">
+        <a:defRPr sz="1400" b="0" i="0" u="none" strike="noStrike" cap="none">
           <a:solidFill>
             <a:srgbClr val="000000"/>
           </a:solidFill>
@@ -8173,7 +8373,7 @@
           <a:sym typeface="Arial"/>
         </a:defRPr>
       </a:lvl8pPr>
-      <a:lvl9pPr lvl="8" marR="0" rtl="0" algn="l">
+      <a:lvl9pPr marR="0" lvl="8" algn="l" rtl="0">
         <a:lnSpc>
           <a:spcPct val="100000"/>
         </a:lnSpc>
@@ -8187,7 +8387,7 @@
           <a:srgbClr val="000000"/>
         </a:buClr>
         <a:buFont typeface="Arial"/>
-        <a:defRPr b="0" i="0" sz="1400" u="none" cap="none" strike="noStrike">
+        <a:defRPr sz="1400" b="0" i="0" u="none" strike="noStrike" cap="none">
           <a:solidFill>
             <a:srgbClr val="000000"/>
           </a:solidFill>
@@ -8203,11 +8403,11 @@
 </file>
 
 <file path=ppt/slides/slide1.xml><?xml version="1.0" encoding="utf-8"?>
-<p:sld xmlns:a="http://schemas.openxmlformats.org/drawingml/2006/main" xmlns:r="http://schemas.openxmlformats.org/officeDocument/2006/relationships" xmlns:mc="http://schemas.openxmlformats.org/markup-compatibility/2006" xmlns:mv="urn:schemas-microsoft-com:mac:vml" xmlns:p="http://schemas.openxmlformats.org/presentationml/2006/main" xmlns:c="http://schemas.openxmlformats.org/drawingml/2006/chart" xmlns:dgm="http://schemas.openxmlformats.org/drawingml/2006/diagram" xmlns:o="urn:schemas-microsoft-com:office:office" xmlns:v="urn:schemas-microsoft-com:vml" xmlns:pvml="urn:schemas-microsoft-com:office:powerpoint" xmlns:com="http://schemas.openxmlformats.org/drawingml/2006/compatibility" xmlns:p14="http://schemas.microsoft.com/office/powerpoint/2010/main" xmlns:p15="http://schemas.microsoft.com/office/powerpoint/2012/main" xmlns:ahyp="http://schemas.microsoft.com/office/drawing/2018/hyperlinkcolor">
+<p:sld xmlns:a="http://schemas.openxmlformats.org/drawingml/2006/main" xmlns:r="http://schemas.openxmlformats.org/officeDocument/2006/relationships" xmlns:p="http://schemas.openxmlformats.org/presentationml/2006/main">
   <p:cSld>
     <p:spTree>
       <p:nvGrpSpPr>
-        <p:cNvPr id="63" name="Shape 63"/>
+        <p:cNvPr id="1" name="Shape 63"/>
         <p:cNvGrpSpPr/>
         <p:nvPr/>
       </p:nvGrpSpPr>
@@ -8222,7 +8422,9 @@
       <p:sp>
         <p:nvSpPr>
           <p:cNvPr id="64" name="Google Shape;64;p13"/>
-          <p:cNvSpPr txBox="1"/>
+          <p:cNvSpPr txBox="1">
+            <a:spLocks noGrp="1"/>
+          </p:cNvSpPr>
           <p:nvPr>
             <p:ph type="ctrTitle"/>
           </p:nvPr>
@@ -8237,12 +8439,12 @@
           </a:prstGeom>
         </p:spPr>
         <p:txBody>
-          <a:bodyPr anchorCtr="0" anchor="t" bIns="91425" lIns="91425" spcFirstLastPara="1" rIns="91425" wrap="square" tIns="91425">
+          <a:bodyPr spcFirstLastPara="1" wrap="square" lIns="91425" tIns="91425" rIns="91425" bIns="91425" anchor="t" anchorCtr="0">
             <a:normAutofit fontScale="90000"/>
           </a:bodyPr>
           <a:lstStyle/>
           <a:p>
-            <a:pPr indent="0" lvl="0" marL="0" rtl="0" algn="l">
+            <a:pPr marL="0" lvl="0" indent="0" algn="l" rtl="0">
               <a:spcBef>
                 <a:spcPts val="0"/>
               </a:spcBef>
@@ -8262,9 +8464,11 @@
       <p:sp>
         <p:nvSpPr>
           <p:cNvPr id="65" name="Google Shape;65;p13"/>
-          <p:cNvSpPr txBox="1"/>
+          <p:cNvSpPr txBox="1">
+            <a:spLocks noGrp="1"/>
+          </p:cNvSpPr>
           <p:nvPr>
-            <p:ph idx="1" type="subTitle"/>
+            <p:ph type="subTitle" idx="1"/>
           </p:nvPr>
         </p:nvSpPr>
         <p:spPr>
@@ -8277,12 +8481,12 @@
           </a:prstGeom>
         </p:spPr>
         <p:txBody>
-          <a:bodyPr anchorCtr="0" anchor="t" bIns="91425" lIns="91425" spcFirstLastPara="1" rIns="91425" wrap="square" tIns="91425">
+          <a:bodyPr spcFirstLastPara="1" wrap="square" lIns="91425" tIns="91425" rIns="91425" bIns="91425" anchor="t" anchorCtr="0">
             <a:normAutofit/>
           </a:bodyPr>
           <a:lstStyle/>
           <a:p>
-            <a:pPr indent="0" lvl="0" marL="0" rtl="0" algn="l">
+            <a:pPr marL="0" lvl="0" indent="0" algn="l" rtl="0">
               <a:spcBef>
                 <a:spcPts val="0"/>
               </a:spcBef>
@@ -8308,11 +8512,11 @@
 </file>
 
 <file path=ppt/slides/slide10.xml><?xml version="1.0" encoding="utf-8"?>
-<p:sld xmlns:a="http://schemas.openxmlformats.org/drawingml/2006/main" xmlns:r="http://schemas.openxmlformats.org/officeDocument/2006/relationships" xmlns:mc="http://schemas.openxmlformats.org/markup-compatibility/2006" xmlns:mv="urn:schemas-microsoft-com:mac:vml" xmlns:p="http://schemas.openxmlformats.org/presentationml/2006/main" xmlns:c="http://schemas.openxmlformats.org/drawingml/2006/chart" xmlns:dgm="http://schemas.openxmlformats.org/drawingml/2006/diagram" xmlns:o="urn:schemas-microsoft-com:office:office" xmlns:v="urn:schemas-microsoft-com:vml" xmlns:pvml="urn:schemas-microsoft-com:office:powerpoint" xmlns:com="http://schemas.openxmlformats.org/drawingml/2006/compatibility" xmlns:p14="http://schemas.microsoft.com/office/powerpoint/2010/main" xmlns:p15="http://schemas.microsoft.com/office/powerpoint/2012/main" xmlns:ahyp="http://schemas.microsoft.com/office/drawing/2018/hyperlinkcolor">
+<p:sld xmlns:a="http://schemas.openxmlformats.org/drawingml/2006/main" xmlns:r="http://schemas.openxmlformats.org/officeDocument/2006/relationships" xmlns:p="http://schemas.openxmlformats.org/presentationml/2006/main">
   <p:cSld>
     <p:spTree>
       <p:nvGrpSpPr>
-        <p:cNvPr id="121" name="Shape 121"/>
+        <p:cNvPr id="1" name="Shape 121"/>
         <p:cNvGrpSpPr/>
         <p:nvPr/>
       </p:nvGrpSpPr>
@@ -8327,7 +8531,9 @@
       <p:sp>
         <p:nvSpPr>
           <p:cNvPr id="122" name="Google Shape;122;p22"/>
-          <p:cNvSpPr txBox="1"/>
+          <p:cNvSpPr txBox="1">
+            <a:spLocks noGrp="1"/>
+          </p:cNvSpPr>
           <p:nvPr>
             <p:ph type="title"/>
           </p:nvPr>
@@ -8342,12 +8548,12 @@
           </a:prstGeom>
         </p:spPr>
         <p:txBody>
-          <a:bodyPr anchorCtr="0" anchor="t" bIns="91425" lIns="91425" spcFirstLastPara="1" rIns="91425" wrap="square" tIns="91425">
+          <a:bodyPr spcFirstLastPara="1" wrap="square" lIns="91425" tIns="91425" rIns="91425" bIns="91425" anchor="t" anchorCtr="0">
             <a:normAutofit/>
           </a:bodyPr>
           <a:lstStyle/>
           <a:p>
-            <a:pPr indent="0" lvl="0" marL="0" rtl="0" algn="l">
+            <a:pPr marL="0" lvl="0" indent="0" algn="l" rtl="0">
               <a:spcBef>
                 <a:spcPts val="0"/>
               </a:spcBef>
@@ -8367,9 +8573,11 @@
       <p:sp>
         <p:nvSpPr>
           <p:cNvPr id="123" name="Google Shape;123;p22"/>
-          <p:cNvSpPr txBox="1"/>
+          <p:cNvSpPr txBox="1">
+            <a:spLocks noGrp="1"/>
+          </p:cNvSpPr>
           <p:nvPr>
-            <p:ph idx="1" type="body"/>
+            <p:ph type="body" idx="1"/>
           </p:nvPr>
         </p:nvSpPr>
         <p:spPr>
@@ -8382,12 +8590,12 @@
           </a:prstGeom>
         </p:spPr>
         <p:txBody>
-          <a:bodyPr anchorCtr="0" anchor="t" bIns="91425" lIns="91425" spcFirstLastPara="1" rIns="91425" wrap="square" tIns="91425">
-            <a:normAutofit fontScale="92500" lnSpcReduction="20000"/>
+          <a:bodyPr spcFirstLastPara="1" wrap="square" lIns="91425" tIns="91425" rIns="91425" bIns="91425" anchor="t" anchorCtr="0">
+            <a:normAutofit fontScale="85000" lnSpcReduction="10000"/>
           </a:bodyPr>
           <a:lstStyle/>
           <a:p>
-            <a:pPr indent="0" lvl="0" marL="0" rtl="0" algn="l">
+            <a:pPr marL="0" lvl="0" indent="0" algn="l" rtl="0">
               <a:spcBef>
                 <a:spcPts val="0"/>
               </a:spcBef>
@@ -8397,13 +8605,17 @@
               <a:buNone/>
             </a:pPr>
             <a:r>
-              <a:rPr lang="en"/>
+              <a:rPr lang="en" dirty="0">
+                <a:latin typeface="Merriweather" pitchFamily="2" charset="77"/>
+              </a:rPr>
               <a:t>Variables </a:t>
             </a:r>
-            <a:endParaRPr/>
-          </a:p>
-          <a:p>
-            <a:pPr indent="-304958" lvl="0" marL="457200" rtl="0" algn="l">
+            <a:endParaRPr dirty="0">
+              <a:latin typeface="Merriweather" pitchFamily="2" charset="77"/>
+            </a:endParaRPr>
+          </a:p>
+          <a:p>
+            <a:pPr marL="457200" lvl="0" indent="-304958" algn="l" rtl="0">
               <a:spcBef>
                 <a:spcPts val="1200"/>
               </a:spcBef>
@@ -8414,13 +8626,17 @@
               <a:buChar char="●"/>
             </a:pPr>
             <a:r>
-              <a:rPr lang="en"/>
-              <a:t>Walkability - National Walkability Index, NHGIS, Walk Score, etc. (X- Independent)</a:t>
+              <a:rPr lang="en" dirty="0">
+                <a:latin typeface="Merriweather" pitchFamily="2" charset="77"/>
+              </a:rPr>
+              <a:t>Walkability - National Walkability Index (X- Independent)</a:t>
             </a:r>
-            <a:endParaRPr/>
-          </a:p>
-          <a:p>
-            <a:pPr indent="-304958" lvl="0" marL="457200" rtl="0" algn="l">
+            <a:endParaRPr dirty="0">
+              <a:latin typeface="Merriweather" pitchFamily="2" charset="77"/>
+            </a:endParaRPr>
+          </a:p>
+          <a:p>
+            <a:pPr marL="457200" lvl="0" indent="-304958" algn="l" rtl="0">
               <a:spcBef>
                 <a:spcPts val="0"/>
               </a:spcBef>
@@ -8431,13 +8647,17 @@
               <a:buChar char="●"/>
             </a:pPr>
             <a:r>
-              <a:rPr lang="en"/>
+              <a:rPr lang="en" dirty="0">
+                <a:latin typeface="Merriweather" pitchFamily="2" charset="77"/>
+              </a:rPr>
               <a:t>Mental Health Outcomes - Depression (Y-dependent)</a:t>
             </a:r>
-            <a:endParaRPr/>
-          </a:p>
-          <a:p>
-            <a:pPr indent="0" lvl="0" marL="0" rtl="0" algn="l">
+            <a:endParaRPr dirty="0">
+              <a:latin typeface="Merriweather" pitchFamily="2" charset="77"/>
+            </a:endParaRPr>
+          </a:p>
+          <a:p>
+            <a:pPr marL="0" lvl="0" indent="0" algn="l" rtl="0">
               <a:spcBef>
                 <a:spcPts val="1200"/>
               </a:spcBef>
@@ -8447,17 +8667,17 @@
               <a:buNone/>
             </a:pPr>
             <a:r>
-              <a:rPr lang="en"/>
-              <a:t>Mental</a:t>
+              <a:rPr lang="en" dirty="0">
+                <a:latin typeface="Merriweather" pitchFamily="2" charset="77"/>
+              </a:rPr>
+              <a:t>Mental Health Data</a:t>
             </a:r>
-            <a:r>
-              <a:rPr lang="en"/>
-              <a:t> Health Data</a:t>
-            </a:r>
-            <a:endParaRPr/>
-          </a:p>
-          <a:p>
-            <a:pPr indent="-304958" lvl="0" marL="457200" rtl="0" algn="l">
+            <a:endParaRPr dirty="0">
+              <a:latin typeface="Merriweather" pitchFamily="2" charset="77"/>
+            </a:endParaRPr>
+          </a:p>
+          <a:p>
+            <a:pPr marL="457200" lvl="0" indent="-304958" algn="l" rtl="0">
               <a:spcBef>
                 <a:spcPts val="1200"/>
               </a:spcBef>
@@ -8468,13 +8688,17 @@
               <a:buChar char="●"/>
             </a:pPr>
             <a:r>
-              <a:rPr lang="en"/>
+              <a:rPr lang="en" dirty="0">
+                <a:latin typeface="Merriweather" pitchFamily="2" charset="77"/>
+              </a:rPr>
               <a:t>Raw data was inaccessible, hard to find</a:t>
             </a:r>
-            <a:endParaRPr/>
-          </a:p>
-          <a:p>
-            <a:pPr indent="-304958" lvl="0" marL="457200" rtl="0" algn="l">
+            <a:endParaRPr dirty="0">
+              <a:latin typeface="Merriweather" pitchFamily="2" charset="77"/>
+            </a:endParaRPr>
+          </a:p>
+          <a:p>
+            <a:pPr marL="457200" lvl="0" indent="-304958" algn="l" rtl="0">
               <a:spcBef>
                 <a:spcPts val="0"/>
               </a:spcBef>
@@ -8485,13 +8709,17 @@
               <a:buChar char="●"/>
             </a:pPr>
             <a:r>
-              <a:rPr lang="en"/>
+              <a:rPr lang="en" dirty="0">
+                <a:latin typeface="Merriweather" pitchFamily="2" charset="77"/>
+              </a:rPr>
               <a:t>Other factors that affect mental health (income levels/social and economic factors) </a:t>
             </a:r>
-            <a:endParaRPr/>
-          </a:p>
-          <a:p>
-            <a:pPr indent="0" lvl="0" marL="0" rtl="0" algn="l">
+            <a:endParaRPr dirty="0">
+              <a:latin typeface="Merriweather" pitchFamily="2" charset="77"/>
+            </a:endParaRPr>
+          </a:p>
+          <a:p>
+            <a:pPr marL="0" lvl="0" indent="0" algn="l" rtl="0">
               <a:spcBef>
                 <a:spcPts val="1200"/>
               </a:spcBef>
@@ -8501,13 +8729,17 @@
               <a:buNone/>
             </a:pPr>
             <a:r>
-              <a:rPr lang="en"/>
+              <a:rPr lang="en" dirty="0">
+                <a:latin typeface="Merriweather" pitchFamily="2" charset="77"/>
+              </a:rPr>
               <a:t>Walkability</a:t>
             </a:r>
-            <a:endParaRPr/>
-          </a:p>
-          <a:p>
-            <a:pPr indent="-304958" lvl="0" marL="457200" rtl="0" algn="l">
+            <a:endParaRPr dirty="0">
+              <a:latin typeface="Merriweather" pitchFamily="2" charset="77"/>
+            </a:endParaRPr>
+          </a:p>
+          <a:p>
+            <a:pPr marL="457200" lvl="0" indent="-304958" algn="l" rtl="0">
               <a:spcBef>
                 <a:spcPts val="1200"/>
               </a:spcBef>
@@ -8518,13 +8750,17 @@
               <a:buChar char="●"/>
             </a:pPr>
             <a:r>
-              <a:rPr lang="en"/>
+              <a:rPr lang="en" dirty="0">
+                <a:latin typeface="Merriweather" pitchFamily="2" charset="77"/>
+              </a:rPr>
               <a:t>Difficult to measure walkability (Ex: population and intersection density and public transit access)</a:t>
             </a:r>
-            <a:endParaRPr/>
-          </a:p>
-          <a:p>
-            <a:pPr indent="-304958" lvl="0" marL="457200" rtl="0" algn="l">
+            <a:endParaRPr dirty="0">
+              <a:latin typeface="Merriweather" pitchFamily="2" charset="77"/>
+            </a:endParaRPr>
+          </a:p>
+          <a:p>
+            <a:pPr marL="457200" lvl="0" indent="-304958" algn="l" rtl="0">
               <a:spcBef>
                 <a:spcPts val="0"/>
               </a:spcBef>
@@ -8535,13 +8771,17 @@
               <a:buChar char="●"/>
             </a:pPr>
             <a:r>
-              <a:rPr lang="en"/>
+              <a:rPr lang="en" dirty="0">
+                <a:latin typeface="Merriweather" pitchFamily="2" charset="77"/>
+              </a:rPr>
               <a:t>We aren’t able to draw conclusions on the strength or extent of the relationship</a:t>
             </a:r>
-            <a:endParaRPr/>
-          </a:p>
-          <a:p>
-            <a:pPr indent="-304958" lvl="0" marL="457200" rtl="0" algn="l">
+            <a:endParaRPr dirty="0">
+              <a:latin typeface="Merriweather" pitchFamily="2" charset="77"/>
+            </a:endParaRPr>
+          </a:p>
+          <a:p>
+            <a:pPr marL="457200" lvl="0" indent="-304958" algn="l" rtl="0">
               <a:spcBef>
                 <a:spcPts val="0"/>
               </a:spcBef>
@@ -8552,13 +8792,17 @@
               <a:buChar char="●"/>
             </a:pPr>
             <a:r>
-              <a:rPr lang="en"/>
+              <a:rPr lang="en" dirty="0">
+                <a:latin typeface="Merriweather" pitchFamily="2" charset="77"/>
+              </a:rPr>
               <a:t>Higher walkability index correlates with lower average depression rates, but causation cannot be established </a:t>
             </a:r>
-            <a:endParaRPr/>
-          </a:p>
-          <a:p>
-            <a:pPr indent="-304958" lvl="0" marL="457200" rtl="0" algn="l">
+            <a:endParaRPr dirty="0">
+              <a:latin typeface="Merriweather" pitchFamily="2" charset="77"/>
+            </a:endParaRPr>
+          </a:p>
+          <a:p>
+            <a:pPr marL="457200" lvl="0" indent="-304958" algn="l" rtl="0">
               <a:spcBef>
                 <a:spcPts val="0"/>
               </a:spcBef>
@@ -8569,13 +8813,17 @@
               <a:buChar char="●"/>
             </a:pPr>
             <a:r>
-              <a:rPr lang="en"/>
+              <a:rPr lang="en" dirty="0">
+                <a:latin typeface="Merriweather" pitchFamily="2" charset="77"/>
+              </a:rPr>
               <a:t>Illustrates the need for more nuanced/detailed research </a:t>
             </a:r>
-            <a:endParaRPr/>
-          </a:p>
-          <a:p>
-            <a:pPr indent="0" lvl="0" marL="0" rtl="0" algn="l">
+            <a:endParaRPr dirty="0">
+              <a:latin typeface="Merriweather" pitchFamily="2" charset="77"/>
+            </a:endParaRPr>
+          </a:p>
+          <a:p>
+            <a:pPr marL="0" lvl="0" indent="0" algn="l" rtl="0">
               <a:spcBef>
                 <a:spcPts val="1200"/>
               </a:spcBef>
@@ -8584,10 +8832,7 @@
               </a:spcAft>
               <a:buNone/>
             </a:pPr>
-            <a:r>
-              <a:t/>
-            </a:r>
-            <a:endParaRPr/>
+            <a:endParaRPr dirty="0"/>
           </a:p>
         </p:txBody>
       </p:sp>
@@ -8600,11 +8845,11 @@
 </file>
 
 <file path=ppt/slides/slide11.xml><?xml version="1.0" encoding="utf-8"?>
-<p:sld xmlns:a="http://schemas.openxmlformats.org/drawingml/2006/main" xmlns:r="http://schemas.openxmlformats.org/officeDocument/2006/relationships" xmlns:mc="http://schemas.openxmlformats.org/markup-compatibility/2006" xmlns:mv="urn:schemas-microsoft-com:mac:vml" xmlns:p="http://schemas.openxmlformats.org/presentationml/2006/main" xmlns:c="http://schemas.openxmlformats.org/drawingml/2006/chart" xmlns:dgm="http://schemas.openxmlformats.org/drawingml/2006/diagram" xmlns:o="urn:schemas-microsoft-com:office:office" xmlns:v="urn:schemas-microsoft-com:vml" xmlns:pvml="urn:schemas-microsoft-com:office:powerpoint" xmlns:com="http://schemas.openxmlformats.org/drawingml/2006/compatibility" xmlns:p14="http://schemas.microsoft.com/office/powerpoint/2010/main" xmlns:p15="http://schemas.microsoft.com/office/powerpoint/2012/main" xmlns:ahyp="http://schemas.microsoft.com/office/drawing/2018/hyperlinkcolor">
+<p:sld xmlns:a="http://schemas.openxmlformats.org/drawingml/2006/main" xmlns:r="http://schemas.openxmlformats.org/officeDocument/2006/relationships" xmlns:p="http://schemas.openxmlformats.org/presentationml/2006/main">
   <p:cSld>
     <p:spTree>
       <p:nvGrpSpPr>
-        <p:cNvPr id="127" name="Shape 127"/>
+        <p:cNvPr id="1" name="Shape 127"/>
         <p:cNvGrpSpPr/>
         <p:nvPr/>
       </p:nvGrpSpPr>
@@ -8619,7 +8864,9 @@
       <p:sp>
         <p:nvSpPr>
           <p:cNvPr id="128" name="Google Shape;128;p23"/>
-          <p:cNvSpPr txBox="1"/>
+          <p:cNvSpPr txBox="1">
+            <a:spLocks noGrp="1"/>
+          </p:cNvSpPr>
           <p:nvPr>
             <p:ph type="title"/>
           </p:nvPr>
@@ -8634,12 +8881,12 @@
           </a:prstGeom>
         </p:spPr>
         <p:txBody>
-          <a:bodyPr anchorCtr="0" anchor="t" bIns="91425" lIns="91425" spcFirstLastPara="1" rIns="91425" wrap="square" tIns="91425">
+          <a:bodyPr spcFirstLastPara="1" wrap="square" lIns="91425" tIns="91425" rIns="91425" bIns="91425" anchor="t" anchorCtr="0">
             <a:normAutofit/>
           </a:bodyPr>
           <a:lstStyle/>
           <a:p>
-            <a:pPr indent="0" lvl="0" marL="0" rtl="0" algn="l">
+            <a:pPr marL="0" lvl="0" indent="0" algn="l" rtl="0">
               <a:spcBef>
                 <a:spcPts val="0"/>
               </a:spcBef>
@@ -8648,9 +8895,6 @@
               </a:spcAft>
               <a:buNone/>
             </a:pPr>
-            <a:r>
-              <a:t/>
-            </a:r>
             <a:endParaRPr/>
           </a:p>
         </p:txBody>
@@ -8658,9 +8902,11 @@
       <p:sp>
         <p:nvSpPr>
           <p:cNvPr id="129" name="Google Shape;129;p23"/>
-          <p:cNvSpPr txBox="1"/>
+          <p:cNvSpPr txBox="1">
+            <a:spLocks noGrp="1"/>
+          </p:cNvSpPr>
           <p:nvPr>
-            <p:ph idx="1" type="body"/>
+            <p:ph type="body" idx="1"/>
           </p:nvPr>
         </p:nvSpPr>
         <p:spPr>
@@ -8673,12 +8919,12 @@
           </a:prstGeom>
         </p:spPr>
         <p:txBody>
-          <a:bodyPr anchorCtr="0" anchor="t" bIns="91425" lIns="91425" spcFirstLastPara="1" rIns="91425" wrap="square" tIns="91425">
+          <a:bodyPr spcFirstLastPara="1" wrap="square" lIns="91425" tIns="91425" rIns="91425" bIns="91425" anchor="t" anchorCtr="0">
             <a:normAutofit/>
           </a:bodyPr>
           <a:lstStyle/>
           <a:p>
-            <a:pPr indent="0" lvl="0" marL="0" rtl="0" algn="l">
+            <a:pPr marL="0" lvl="0" indent="0" algn="l" rtl="0">
               <a:spcBef>
                 <a:spcPts val="0"/>
               </a:spcBef>
@@ -8687,9 +8933,6 @@
               </a:spcAft>
               <a:buNone/>
             </a:pPr>
-            <a:r>
-              <a:t/>
-            </a:r>
             <a:endParaRPr/>
           </a:p>
         </p:txBody>
@@ -8731,11 +8974,11 @@
 </file>
 
 <file path=ppt/slides/slide12.xml><?xml version="1.0" encoding="utf-8"?>
-<p:sld xmlns:a="http://schemas.openxmlformats.org/drawingml/2006/main" xmlns:r="http://schemas.openxmlformats.org/officeDocument/2006/relationships" xmlns:mc="http://schemas.openxmlformats.org/markup-compatibility/2006" xmlns:mv="urn:schemas-microsoft-com:mac:vml" xmlns:p="http://schemas.openxmlformats.org/presentationml/2006/main" xmlns:c="http://schemas.openxmlformats.org/drawingml/2006/chart" xmlns:dgm="http://schemas.openxmlformats.org/drawingml/2006/diagram" xmlns:o="urn:schemas-microsoft-com:office:office" xmlns:v="urn:schemas-microsoft-com:vml" xmlns:pvml="urn:schemas-microsoft-com:office:powerpoint" xmlns:com="http://schemas.openxmlformats.org/drawingml/2006/compatibility" xmlns:p14="http://schemas.microsoft.com/office/powerpoint/2010/main" xmlns:p15="http://schemas.microsoft.com/office/powerpoint/2012/main" xmlns:ahyp="http://schemas.microsoft.com/office/drawing/2018/hyperlinkcolor">
+<p:sld xmlns:a="http://schemas.openxmlformats.org/drawingml/2006/main" xmlns:r="http://schemas.openxmlformats.org/officeDocument/2006/relationships" xmlns:p="http://schemas.openxmlformats.org/presentationml/2006/main">
   <p:cSld>
     <p:spTree>
       <p:nvGrpSpPr>
-        <p:cNvPr id="134" name="Shape 134"/>
+        <p:cNvPr id="1" name="Shape 134"/>
         <p:cNvGrpSpPr/>
         <p:nvPr/>
       </p:nvGrpSpPr>
@@ -8750,7 +8993,9 @@
       <p:sp>
         <p:nvSpPr>
           <p:cNvPr id="135" name="Google Shape;135;p24"/>
-          <p:cNvSpPr txBox="1"/>
+          <p:cNvSpPr txBox="1">
+            <a:spLocks noGrp="1"/>
+          </p:cNvSpPr>
           <p:nvPr>
             <p:ph type="title"/>
           </p:nvPr>
@@ -8765,12 +9010,12 @@
           </a:prstGeom>
         </p:spPr>
         <p:txBody>
-          <a:bodyPr anchorCtr="0" anchor="t" bIns="91425" lIns="91425" spcFirstLastPara="1" rIns="91425" wrap="square" tIns="91425">
+          <a:bodyPr spcFirstLastPara="1" wrap="square" lIns="91425" tIns="91425" rIns="91425" bIns="91425" anchor="t" anchorCtr="0">
             <a:normAutofit/>
           </a:bodyPr>
           <a:lstStyle/>
           <a:p>
-            <a:pPr indent="0" lvl="0" marL="0" rtl="0" algn="l">
+            <a:pPr marL="0" lvl="0" indent="0" algn="l" rtl="0">
               <a:spcBef>
                 <a:spcPts val="0"/>
               </a:spcBef>
@@ -8779,9 +9024,6 @@
               </a:spcAft>
               <a:buNone/>
             </a:pPr>
-            <a:r>
-              <a:t/>
-            </a:r>
             <a:endParaRPr/>
           </a:p>
         </p:txBody>
@@ -8789,9 +9031,11 @@
       <p:sp>
         <p:nvSpPr>
           <p:cNvPr id="136" name="Google Shape;136;p24"/>
-          <p:cNvSpPr txBox="1"/>
+          <p:cNvSpPr txBox="1">
+            <a:spLocks noGrp="1"/>
+          </p:cNvSpPr>
           <p:nvPr>
-            <p:ph idx="1" type="body"/>
+            <p:ph type="body" idx="1"/>
           </p:nvPr>
         </p:nvSpPr>
         <p:spPr>
@@ -8804,12 +9048,12 @@
           </a:prstGeom>
         </p:spPr>
         <p:txBody>
-          <a:bodyPr anchorCtr="0" anchor="t" bIns="91425" lIns="91425" spcFirstLastPara="1" rIns="91425" wrap="square" tIns="91425">
+          <a:bodyPr spcFirstLastPara="1" wrap="square" lIns="91425" tIns="91425" rIns="91425" bIns="91425" anchor="t" anchorCtr="0">
             <a:normAutofit/>
           </a:bodyPr>
           <a:lstStyle/>
           <a:p>
-            <a:pPr indent="0" lvl="0" marL="0" rtl="0" algn="l">
+            <a:pPr marL="0" lvl="0" indent="0" algn="l" rtl="0">
               <a:spcBef>
                 <a:spcPts val="0"/>
               </a:spcBef>
@@ -8818,9 +9062,6 @@
               </a:spcAft>
               <a:buNone/>
             </a:pPr>
-            <a:r>
-              <a:t/>
-            </a:r>
             <a:endParaRPr/>
           </a:p>
         </p:txBody>
@@ -8862,11 +9103,11 @@
 </file>
 
 <file path=ppt/slides/slide13.xml><?xml version="1.0" encoding="utf-8"?>
-<p:sld xmlns:a="http://schemas.openxmlformats.org/drawingml/2006/main" xmlns:r="http://schemas.openxmlformats.org/officeDocument/2006/relationships" xmlns:mc="http://schemas.openxmlformats.org/markup-compatibility/2006" xmlns:mv="urn:schemas-microsoft-com:mac:vml" xmlns:p="http://schemas.openxmlformats.org/presentationml/2006/main" xmlns:c="http://schemas.openxmlformats.org/drawingml/2006/chart" xmlns:dgm="http://schemas.openxmlformats.org/drawingml/2006/diagram" xmlns:o="urn:schemas-microsoft-com:office:office" xmlns:v="urn:schemas-microsoft-com:vml" xmlns:pvml="urn:schemas-microsoft-com:office:powerpoint" xmlns:com="http://schemas.openxmlformats.org/drawingml/2006/compatibility" xmlns:p14="http://schemas.microsoft.com/office/powerpoint/2010/main" xmlns:p15="http://schemas.microsoft.com/office/powerpoint/2012/main" xmlns:ahyp="http://schemas.microsoft.com/office/drawing/2018/hyperlinkcolor">
+<p:sld xmlns:a="http://schemas.openxmlformats.org/drawingml/2006/main" xmlns:r="http://schemas.openxmlformats.org/officeDocument/2006/relationships" xmlns:p="http://schemas.openxmlformats.org/presentationml/2006/main">
   <p:cSld>
     <p:spTree>
       <p:nvGrpSpPr>
-        <p:cNvPr id="141" name="Shape 141"/>
+        <p:cNvPr id="1" name="Shape 141"/>
         <p:cNvGrpSpPr/>
         <p:nvPr/>
       </p:nvGrpSpPr>
@@ -8881,7 +9122,9 @@
       <p:sp>
         <p:nvSpPr>
           <p:cNvPr id="142" name="Google Shape;142;p25"/>
-          <p:cNvSpPr txBox="1"/>
+          <p:cNvSpPr txBox="1">
+            <a:spLocks noGrp="1"/>
+          </p:cNvSpPr>
           <p:nvPr>
             <p:ph type="title"/>
           </p:nvPr>
@@ -8896,12 +9139,12 @@
           </a:prstGeom>
         </p:spPr>
         <p:txBody>
-          <a:bodyPr anchorCtr="0" anchor="t" bIns="91425" lIns="91425" spcFirstLastPara="1" rIns="91425" wrap="square" tIns="91425">
+          <a:bodyPr spcFirstLastPara="1" wrap="square" lIns="91425" tIns="91425" rIns="91425" bIns="91425" anchor="t" anchorCtr="0">
             <a:normAutofit/>
           </a:bodyPr>
           <a:lstStyle/>
           <a:p>
-            <a:pPr indent="0" lvl="0" marL="0" rtl="0" algn="l">
+            <a:pPr marL="0" lvl="0" indent="0" algn="l" rtl="0">
               <a:spcBef>
                 <a:spcPts val="0"/>
               </a:spcBef>
@@ -8910,9 +9153,6 @@
               </a:spcAft>
               <a:buNone/>
             </a:pPr>
-            <a:r>
-              <a:t/>
-            </a:r>
             <a:endParaRPr/>
           </a:p>
         </p:txBody>
@@ -8920,9 +9160,11 @@
       <p:sp>
         <p:nvSpPr>
           <p:cNvPr id="143" name="Google Shape;143;p25"/>
-          <p:cNvSpPr txBox="1"/>
+          <p:cNvSpPr txBox="1">
+            <a:spLocks noGrp="1"/>
+          </p:cNvSpPr>
           <p:nvPr>
-            <p:ph idx="1" type="body"/>
+            <p:ph type="body" idx="1"/>
           </p:nvPr>
         </p:nvSpPr>
         <p:spPr>
@@ -8935,12 +9177,12 @@
           </a:prstGeom>
         </p:spPr>
         <p:txBody>
-          <a:bodyPr anchorCtr="0" anchor="t" bIns="91425" lIns="91425" spcFirstLastPara="1" rIns="91425" wrap="square" tIns="91425">
+          <a:bodyPr spcFirstLastPara="1" wrap="square" lIns="91425" tIns="91425" rIns="91425" bIns="91425" anchor="t" anchorCtr="0">
             <a:normAutofit/>
           </a:bodyPr>
           <a:lstStyle/>
           <a:p>
-            <a:pPr indent="0" lvl="0" marL="0" rtl="0" algn="l">
+            <a:pPr marL="0" lvl="0" indent="0" algn="l" rtl="0">
               <a:spcBef>
                 <a:spcPts val="0"/>
               </a:spcBef>
@@ -8949,9 +9191,6 @@
               </a:spcAft>
               <a:buNone/>
             </a:pPr>
-            <a:r>
-              <a:t/>
-            </a:r>
             <a:endParaRPr/>
           </a:p>
         </p:txBody>
@@ -8993,11 +9232,11 @@
 </file>
 
 <file path=ppt/slides/slide14.xml><?xml version="1.0" encoding="utf-8"?>
-<p:sld xmlns:a="http://schemas.openxmlformats.org/drawingml/2006/main" xmlns:r="http://schemas.openxmlformats.org/officeDocument/2006/relationships" xmlns:mc="http://schemas.openxmlformats.org/markup-compatibility/2006" xmlns:mv="urn:schemas-microsoft-com:mac:vml" xmlns:p="http://schemas.openxmlformats.org/presentationml/2006/main" xmlns:c="http://schemas.openxmlformats.org/drawingml/2006/chart" xmlns:dgm="http://schemas.openxmlformats.org/drawingml/2006/diagram" xmlns:o="urn:schemas-microsoft-com:office:office" xmlns:v="urn:schemas-microsoft-com:vml" xmlns:pvml="urn:schemas-microsoft-com:office:powerpoint" xmlns:com="http://schemas.openxmlformats.org/drawingml/2006/compatibility" xmlns:p14="http://schemas.microsoft.com/office/powerpoint/2010/main" xmlns:p15="http://schemas.microsoft.com/office/powerpoint/2012/main" xmlns:ahyp="http://schemas.microsoft.com/office/drawing/2018/hyperlinkcolor">
+<p:sld xmlns:a="http://schemas.openxmlformats.org/drawingml/2006/main" xmlns:r="http://schemas.openxmlformats.org/officeDocument/2006/relationships" xmlns:p="http://schemas.openxmlformats.org/presentationml/2006/main">
   <p:cSld>
     <p:spTree>
       <p:nvGrpSpPr>
-        <p:cNvPr id="148" name="Shape 148"/>
+        <p:cNvPr id="1" name="Shape 148"/>
         <p:cNvGrpSpPr/>
         <p:nvPr/>
       </p:nvGrpSpPr>
@@ -9012,7 +9251,9 @@
       <p:sp>
         <p:nvSpPr>
           <p:cNvPr id="149" name="Google Shape;149;p26"/>
-          <p:cNvSpPr txBox="1"/>
+          <p:cNvSpPr txBox="1">
+            <a:spLocks noGrp="1"/>
+          </p:cNvSpPr>
           <p:nvPr>
             <p:ph type="title"/>
           </p:nvPr>
@@ -9027,12 +9268,12 @@
           </a:prstGeom>
         </p:spPr>
         <p:txBody>
-          <a:bodyPr anchorCtr="0" anchor="t" bIns="91425" lIns="91425" spcFirstLastPara="1" rIns="91425" wrap="square" tIns="91425">
+          <a:bodyPr spcFirstLastPara="1" wrap="square" lIns="91425" tIns="91425" rIns="91425" bIns="91425" anchor="t" anchorCtr="0">
             <a:normAutofit/>
           </a:bodyPr>
           <a:lstStyle/>
           <a:p>
-            <a:pPr indent="0" lvl="0" marL="0" rtl="0" algn="l">
+            <a:pPr marL="0" lvl="0" indent="0" algn="l" rtl="0">
               <a:spcBef>
                 <a:spcPts val="0"/>
               </a:spcBef>
@@ -9041,9 +9282,6 @@
               </a:spcAft>
               <a:buNone/>
             </a:pPr>
-            <a:r>
-              <a:t/>
-            </a:r>
             <a:endParaRPr/>
           </a:p>
         </p:txBody>
@@ -9051,9 +9289,11 @@
       <p:sp>
         <p:nvSpPr>
           <p:cNvPr id="150" name="Google Shape;150;p26"/>
-          <p:cNvSpPr txBox="1"/>
+          <p:cNvSpPr txBox="1">
+            <a:spLocks noGrp="1"/>
+          </p:cNvSpPr>
           <p:nvPr>
-            <p:ph idx="1" type="body"/>
+            <p:ph type="body" idx="1"/>
           </p:nvPr>
         </p:nvSpPr>
         <p:spPr>
@@ -9066,12 +9306,12 @@
           </a:prstGeom>
         </p:spPr>
         <p:txBody>
-          <a:bodyPr anchorCtr="0" anchor="t" bIns="91425" lIns="91425" spcFirstLastPara="1" rIns="91425" wrap="square" tIns="91425">
+          <a:bodyPr spcFirstLastPara="1" wrap="square" lIns="91425" tIns="91425" rIns="91425" bIns="91425" anchor="t" anchorCtr="0">
             <a:normAutofit/>
           </a:bodyPr>
           <a:lstStyle/>
           <a:p>
-            <a:pPr indent="0" lvl="0" marL="0" rtl="0" algn="l">
+            <a:pPr marL="0" lvl="0" indent="0" algn="l" rtl="0">
               <a:spcBef>
                 <a:spcPts val="0"/>
               </a:spcBef>
@@ -9080,9 +9320,6 @@
               </a:spcAft>
               <a:buNone/>
             </a:pPr>
-            <a:r>
-              <a:t/>
-            </a:r>
             <a:endParaRPr/>
           </a:p>
         </p:txBody>
@@ -9124,11 +9361,11 @@
 </file>
 
 <file path=ppt/slides/slide2.xml><?xml version="1.0" encoding="utf-8"?>
-<p:sld xmlns:a="http://schemas.openxmlformats.org/drawingml/2006/main" xmlns:r="http://schemas.openxmlformats.org/officeDocument/2006/relationships" xmlns:mc="http://schemas.openxmlformats.org/markup-compatibility/2006" xmlns:mv="urn:schemas-microsoft-com:mac:vml" xmlns:p="http://schemas.openxmlformats.org/presentationml/2006/main" xmlns:c="http://schemas.openxmlformats.org/drawingml/2006/chart" xmlns:dgm="http://schemas.openxmlformats.org/drawingml/2006/diagram" xmlns:o="urn:schemas-microsoft-com:office:office" xmlns:v="urn:schemas-microsoft-com:vml" xmlns:pvml="urn:schemas-microsoft-com:office:powerpoint" xmlns:com="http://schemas.openxmlformats.org/drawingml/2006/compatibility" xmlns:p14="http://schemas.microsoft.com/office/powerpoint/2010/main" xmlns:p15="http://schemas.microsoft.com/office/powerpoint/2012/main" xmlns:ahyp="http://schemas.microsoft.com/office/drawing/2018/hyperlinkcolor">
+<p:sld xmlns:a="http://schemas.openxmlformats.org/drawingml/2006/main" xmlns:r="http://schemas.openxmlformats.org/officeDocument/2006/relationships" xmlns:p="http://schemas.openxmlformats.org/presentationml/2006/main">
   <p:cSld>
     <p:spTree>
       <p:nvGrpSpPr>
-        <p:cNvPr id="69" name="Shape 69"/>
+        <p:cNvPr id="1" name="Shape 69"/>
         <p:cNvGrpSpPr/>
         <p:nvPr/>
       </p:nvGrpSpPr>
@@ -9143,7 +9380,9 @@
       <p:sp>
         <p:nvSpPr>
           <p:cNvPr id="70" name="Google Shape;70;p14"/>
-          <p:cNvSpPr txBox="1"/>
+          <p:cNvSpPr txBox="1">
+            <a:spLocks noGrp="1"/>
+          </p:cNvSpPr>
           <p:nvPr>
             <p:ph type="title"/>
           </p:nvPr>
@@ -9158,12 +9397,12 @@
           </a:prstGeom>
         </p:spPr>
         <p:txBody>
-          <a:bodyPr anchorCtr="0" anchor="t" bIns="91425" lIns="91425" spcFirstLastPara="1" rIns="91425" wrap="square" tIns="91425">
+          <a:bodyPr spcFirstLastPara="1" wrap="square" lIns="91425" tIns="91425" rIns="91425" bIns="91425" anchor="t" anchorCtr="0">
             <a:normAutofit/>
           </a:bodyPr>
           <a:lstStyle/>
           <a:p>
-            <a:pPr indent="0" lvl="0" marL="0" rtl="0" algn="l">
+            <a:pPr marL="0" lvl="0" indent="0" algn="l" rtl="0">
               <a:spcBef>
                 <a:spcPts val="0"/>
               </a:spcBef>
@@ -9173,13 +9412,13 @@
               <a:buNone/>
             </a:pPr>
             <a:r>
-              <a:rPr b="1" lang="en"/>
+              <a:rPr lang="en" b="1"/>
               <a:t>Area of Study</a:t>
             </a:r>
             <a:endParaRPr b="1"/>
           </a:p>
           <a:p>
-            <a:pPr indent="0" lvl="0" marL="0" rtl="0" algn="l">
+            <a:pPr marL="0" lvl="0" indent="0" algn="l" rtl="0">
               <a:spcBef>
                 <a:spcPts val="0"/>
               </a:spcBef>
@@ -9188,13 +9427,10 @@
               </a:spcAft>
               <a:buNone/>
             </a:pPr>
-            <a:r>
-              <a:t/>
-            </a:r>
             <a:endParaRPr/>
           </a:p>
           <a:p>
-            <a:pPr indent="-327378" lvl="0" marL="457200" rtl="0" algn="l">
+            <a:pPr marL="457200" lvl="0" indent="-327378" algn="l" rtl="0">
               <a:spcBef>
                 <a:spcPts val="0"/>
               </a:spcBef>
@@ -9211,7 +9447,7 @@
             <a:endParaRPr sz="1555"/>
           </a:p>
           <a:p>
-            <a:pPr indent="-327378" lvl="0" marL="457200" rtl="0" algn="l">
+            <a:pPr marL="457200" lvl="0" indent="-327378" algn="l" rtl="0">
               <a:spcBef>
                 <a:spcPts val="0"/>
               </a:spcBef>
@@ -9228,7 +9464,7 @@
             <a:endParaRPr sz="1555"/>
           </a:p>
           <a:p>
-            <a:pPr indent="-327378" lvl="0" marL="457200" rtl="0" algn="l">
+            <a:pPr marL="457200" lvl="0" indent="-327378" algn="l" rtl="0">
               <a:spcBef>
                 <a:spcPts val="0"/>
               </a:spcBef>
@@ -9245,7 +9481,7 @@
             <a:endParaRPr sz="1555"/>
           </a:p>
           <a:p>
-            <a:pPr indent="-327378" lvl="0" marL="457200" rtl="0" algn="l">
+            <a:pPr marL="457200" lvl="0" indent="-327378" algn="l" rtl="0">
               <a:spcBef>
                 <a:spcPts val="0"/>
               </a:spcBef>
@@ -9273,7 +9509,7 @@
           <a:blip r:embed="rId3">
             <a:alphaModFix/>
           </a:blip>
-          <a:srcRect b="9580" l="4720" r="-4720" t="-9580"/>
+          <a:srcRect l="4720" t="-9580" r="-4720" b="9580"/>
           <a:stretch/>
         </p:blipFill>
         <p:spPr>
@@ -9299,11 +9535,11 @@
 </file>
 
 <file path=ppt/slides/slide3.xml><?xml version="1.0" encoding="utf-8"?>
-<p:sld xmlns:a="http://schemas.openxmlformats.org/drawingml/2006/main" xmlns:r="http://schemas.openxmlformats.org/officeDocument/2006/relationships" xmlns:mc="http://schemas.openxmlformats.org/markup-compatibility/2006" xmlns:mv="urn:schemas-microsoft-com:mac:vml" xmlns:p="http://schemas.openxmlformats.org/presentationml/2006/main" xmlns:c="http://schemas.openxmlformats.org/drawingml/2006/chart" xmlns:dgm="http://schemas.openxmlformats.org/drawingml/2006/diagram" xmlns:o="urn:schemas-microsoft-com:office:office" xmlns:v="urn:schemas-microsoft-com:vml" xmlns:pvml="urn:schemas-microsoft-com:office:powerpoint" xmlns:com="http://schemas.openxmlformats.org/drawingml/2006/compatibility" xmlns:p14="http://schemas.microsoft.com/office/powerpoint/2010/main" xmlns:p15="http://schemas.microsoft.com/office/powerpoint/2012/main" xmlns:ahyp="http://schemas.microsoft.com/office/drawing/2018/hyperlinkcolor">
+<p:sld xmlns:a="http://schemas.openxmlformats.org/drawingml/2006/main" xmlns:r="http://schemas.openxmlformats.org/officeDocument/2006/relationships" xmlns:p="http://schemas.openxmlformats.org/presentationml/2006/main">
   <p:cSld>
     <p:spTree>
       <p:nvGrpSpPr>
-        <p:cNvPr id="75" name="Shape 75"/>
+        <p:cNvPr id="1" name="Shape 75"/>
         <p:cNvGrpSpPr/>
         <p:nvPr/>
       </p:nvGrpSpPr>
@@ -9318,7 +9554,9 @@
       <p:sp>
         <p:nvSpPr>
           <p:cNvPr id="76" name="Google Shape;76;p15"/>
-          <p:cNvSpPr txBox="1"/>
+          <p:cNvSpPr txBox="1">
+            <a:spLocks noGrp="1"/>
+          </p:cNvSpPr>
           <p:nvPr>
             <p:ph type="title"/>
           </p:nvPr>
@@ -9333,12 +9571,12 @@
           </a:prstGeom>
         </p:spPr>
         <p:txBody>
-          <a:bodyPr anchorCtr="0" anchor="t" bIns="91425" lIns="91425" spcFirstLastPara="1" rIns="91425" wrap="square" tIns="91425">
+          <a:bodyPr spcFirstLastPara="1" wrap="square" lIns="91425" tIns="91425" rIns="91425" bIns="91425" anchor="t" anchorCtr="0">
             <a:normAutofit/>
           </a:bodyPr>
           <a:lstStyle/>
           <a:p>
-            <a:pPr indent="0" lvl="0" marL="0" rtl="0" algn="l">
+            <a:pPr marL="0" lvl="0" indent="0" algn="l" rtl="0">
               <a:spcBef>
                 <a:spcPts val="0"/>
               </a:spcBef>
@@ -9348,19 +9586,21 @@
               <a:buNone/>
             </a:pPr>
             <a:r>
-              <a:rPr lang="en"/>
+              <a:rPr lang="en" dirty="0"/>
               <a:t>Research Question</a:t>
             </a:r>
-            <a:endParaRPr/>
+            <a:endParaRPr dirty="0"/>
           </a:p>
         </p:txBody>
       </p:sp>
       <p:sp>
         <p:nvSpPr>
           <p:cNvPr id="77" name="Google Shape;77;p15"/>
-          <p:cNvSpPr txBox="1"/>
+          <p:cNvSpPr txBox="1">
+            <a:spLocks noGrp="1"/>
+          </p:cNvSpPr>
           <p:nvPr>
-            <p:ph idx="1" type="body"/>
+            <p:ph type="body" idx="1"/>
           </p:nvPr>
         </p:nvSpPr>
         <p:spPr>
@@ -9373,12 +9613,12 @@
           </a:prstGeom>
         </p:spPr>
         <p:txBody>
-          <a:bodyPr anchorCtr="0" anchor="t" bIns="91425" lIns="91425" spcFirstLastPara="1" rIns="91425" wrap="square" tIns="91425">
+          <a:bodyPr spcFirstLastPara="1" wrap="square" lIns="91425" tIns="91425" rIns="91425" bIns="91425" anchor="t" anchorCtr="0">
             <a:normAutofit/>
           </a:bodyPr>
           <a:lstStyle/>
           <a:p>
-            <a:pPr indent="0" lvl="0" marL="0" rtl="0" algn="l">
+            <a:pPr marL="0" lvl="0" indent="0" algn="l" rtl="0">
               <a:spcBef>
                 <a:spcPts val="0"/>
               </a:spcBef>
@@ -9388,13 +9628,17 @@
               <a:buNone/>
             </a:pPr>
             <a:r>
-              <a:rPr lang="en"/>
+              <a:rPr lang="en" sz="1400" dirty="0">
+                <a:latin typeface="Merriweather" pitchFamily="2" charset="77"/>
+              </a:rPr>
               <a:t>Do walkable cities improve mental health outcomes for residents?</a:t>
             </a:r>
-            <a:endParaRPr/>
-          </a:p>
-          <a:p>
-            <a:pPr indent="-311150" lvl="0" marL="457200" rtl="0" algn="l">
+            <a:endParaRPr sz="1400" dirty="0">
+              <a:latin typeface="Merriweather" pitchFamily="2" charset="77"/>
+            </a:endParaRPr>
+          </a:p>
+          <a:p>
+            <a:pPr marL="457200" lvl="0" indent="-311150" algn="l" rtl="0">
               <a:spcBef>
                 <a:spcPts val="1200"/>
               </a:spcBef>
@@ -9405,13 +9649,17 @@
               <a:buChar char="●"/>
             </a:pPr>
             <a:r>
-              <a:rPr lang="en"/>
+              <a:rPr lang="en" sz="1400" dirty="0">
+                <a:latin typeface="Merriweather" pitchFamily="2" charset="77"/>
+              </a:rPr>
               <a:t>Impact of urban walkability on mental health outcomes.</a:t>
             </a:r>
-            <a:endParaRPr/>
-          </a:p>
-          <a:p>
-            <a:pPr indent="-311150" lvl="0" marL="457200" rtl="0" algn="l">
+            <a:endParaRPr sz="1400" dirty="0">
+              <a:latin typeface="Merriweather" pitchFamily="2" charset="77"/>
+            </a:endParaRPr>
+          </a:p>
+          <a:p>
+            <a:pPr marL="457200" lvl="0" indent="-311150" algn="l" rtl="0">
               <a:spcBef>
                 <a:spcPts val="0"/>
               </a:spcBef>
@@ -9422,13 +9670,17 @@
               <a:buChar char="●"/>
             </a:pPr>
             <a:r>
-              <a:rPr lang="en"/>
+              <a:rPr lang="en" sz="1400" dirty="0">
+                <a:latin typeface="Merriweather" pitchFamily="2" charset="77"/>
+              </a:rPr>
               <a:t>Focusing on depression</a:t>
             </a:r>
-            <a:endParaRPr/>
-          </a:p>
-          <a:p>
-            <a:pPr indent="0" lvl="0" marL="0" rtl="0" algn="l">
+            <a:endParaRPr sz="1400" dirty="0">
+              <a:latin typeface="Merriweather" pitchFamily="2" charset="77"/>
+            </a:endParaRPr>
+          </a:p>
+          <a:p>
+            <a:pPr marL="0" lvl="0" indent="0" algn="l" rtl="0">
               <a:spcBef>
                 <a:spcPts val="1200"/>
               </a:spcBef>
@@ -9438,30 +9690,51 @@
               <a:buNone/>
             </a:pPr>
             <a:r>
-              <a:t/>
+              <a:rPr lang="en" sz="1400" dirty="0">
+                <a:latin typeface="Merriweather" pitchFamily="2" charset="77"/>
+              </a:rPr>
+              <a:t>Why is this important?</a:t>
             </a:r>
-            <a:endParaRPr/>
-          </a:p>
-          <a:p>
-            <a:pPr indent="0" lvl="0" marL="0" rtl="0" algn="l">
+          </a:p>
+          <a:p>
+            <a:pPr>
+              <a:lnSpc>
+                <a:spcPct val="100000"/>
+              </a:lnSpc>
               <a:spcBef>
                 <a:spcPts val="1200"/>
               </a:spcBef>
-              <a:spcAft>
-                <a:spcPts val="0"/>
-              </a:spcAft>
-              <a:buNone/>
             </a:pPr>
             <a:r>
-              <a:rPr lang="en"/>
-              <a:t>Why is this important?</a:t>
+              <a:rPr lang="en" sz="1400" dirty="0">
+                <a:latin typeface="Merriweather" pitchFamily="2" charset="77"/>
+              </a:rPr>
+              <a:t>Gaps in the literature – few studies focusing on depression and walkability in Texas</a:t>
             </a:r>
-            <a:endParaRPr/>
-          </a:p>
-          <a:p>
-            <a:pPr indent="-311150" lvl="0" marL="457200" rtl="0" algn="l">
+          </a:p>
+          <a:p>
+            <a:pPr>
+              <a:lnSpc>
+                <a:spcPct val="100000"/>
+              </a:lnSpc>
               <a:spcBef>
                 <a:spcPts val="1200"/>
+              </a:spcBef>
+            </a:pPr>
+            <a:r>
+              <a:rPr lang="en" sz="1400" dirty="0">
+                <a:latin typeface="Merriweather" pitchFamily="2" charset="77"/>
+              </a:rPr>
+              <a:t>Preventative measure for mental health illness</a:t>
+            </a:r>
+          </a:p>
+          <a:p>
+            <a:pPr marL="457200" lvl="0" indent="-311150" algn="l" rtl="0">
+              <a:lnSpc>
+                <a:spcPct val="100000"/>
+              </a:lnSpc>
+              <a:spcBef>
+                <a:spcPts val="0"/>
               </a:spcBef>
               <a:spcAft>
                 <a:spcPts val="0"/>
@@ -9470,67 +9743,32 @@
               <a:buChar char="●"/>
             </a:pPr>
             <a:r>
-              <a:rPr lang="en"/>
-              <a:t>Preventative</a:t>
-            </a:r>
-            <a:r>
-              <a:rPr lang="en"/>
-              <a:t> measure for mental health illness.</a:t>
-            </a:r>
-            <a:endParaRPr/>
-          </a:p>
-          <a:p>
-            <a:pPr indent="-311150" lvl="0" marL="457200" rtl="0" algn="l">
-              <a:spcBef>
-                <a:spcPts val="0"/>
-              </a:spcBef>
-              <a:spcAft>
-                <a:spcPts val="0"/>
-              </a:spcAft>
-              <a:buSzPts val="1300"/>
-              <a:buChar char="●"/>
-            </a:pPr>
-            <a:r>
-              <a:rPr lang="en"/>
+              <a:rPr lang="en" sz="1400" dirty="0">
+                <a:latin typeface="Merriweather" pitchFamily="2" charset="77"/>
+              </a:rPr>
               <a:t>A future where city design can improve mental health.  </a:t>
             </a:r>
-            <a:endParaRPr/>
-          </a:p>
-          <a:p>
-            <a:pPr indent="0" lvl="0" marL="0" rtl="0" algn="l">
+            <a:endParaRPr sz="1400" dirty="0">
+              <a:latin typeface="Merriweather" pitchFamily="2" charset="77"/>
+            </a:endParaRPr>
+          </a:p>
+          <a:p>
+            <a:pPr marL="0" lvl="0" indent="0" algn="l" rtl="0">
               <a:spcBef>
                 <a:spcPts val="1200"/>
               </a:spcBef>
               <a:spcAft>
-                <a:spcPts val="0"/>
+                <a:spcPts val="1200"/>
               </a:spcAft>
               <a:buNone/>
             </a:pPr>
-            <a:r>
-              <a:t/>
-            </a:r>
-            <a:endParaRPr/>
-          </a:p>
-          <a:p>
-            <a:pPr indent="0" lvl="0" marL="0" rtl="0" algn="l">
-              <a:spcBef>
-                <a:spcPts val="1200"/>
-              </a:spcBef>
-              <a:spcAft>
-                <a:spcPts val="1200"/>
-              </a:spcAft>
-              <a:buNone/>
-            </a:pPr>
-            <a:r>
-              <a:t/>
-            </a:r>
-            <a:endParaRPr/>
+            <a:endParaRPr dirty="0"/>
           </a:p>
         </p:txBody>
       </p:sp>
       <p:pic>
         <p:nvPicPr>
-          <p:cNvPr descr="00009 Magnifying Glass And Question Mark Free Stock Photo - Public ..." id="78" name="Google Shape;78;p15"/>
+          <p:cNvPr id="78" name="Google Shape;78;p15" descr="00009 Magnifying Glass And Question Mark Free Stock Photo - Public ..."/>
           <p:cNvPicPr preferRelativeResize="0"/>
           <p:nvPr/>
         </p:nvPicPr>
@@ -9565,11 +9803,11 @@
 </file>
 
 <file path=ppt/slides/slide4.xml><?xml version="1.0" encoding="utf-8"?>
-<p:sld xmlns:a="http://schemas.openxmlformats.org/drawingml/2006/main" xmlns:r="http://schemas.openxmlformats.org/officeDocument/2006/relationships" xmlns:mc="http://schemas.openxmlformats.org/markup-compatibility/2006" xmlns:mv="urn:schemas-microsoft-com:mac:vml" xmlns:p="http://schemas.openxmlformats.org/presentationml/2006/main" xmlns:c="http://schemas.openxmlformats.org/drawingml/2006/chart" xmlns:dgm="http://schemas.openxmlformats.org/drawingml/2006/diagram" xmlns:o="urn:schemas-microsoft-com:office:office" xmlns:v="urn:schemas-microsoft-com:vml" xmlns:pvml="urn:schemas-microsoft-com:office:powerpoint" xmlns:com="http://schemas.openxmlformats.org/drawingml/2006/compatibility" xmlns:p14="http://schemas.microsoft.com/office/powerpoint/2010/main" xmlns:p15="http://schemas.microsoft.com/office/powerpoint/2012/main" xmlns:ahyp="http://schemas.microsoft.com/office/drawing/2018/hyperlinkcolor">
+<p:sld xmlns:a="http://schemas.openxmlformats.org/drawingml/2006/main" xmlns:r="http://schemas.openxmlformats.org/officeDocument/2006/relationships" xmlns:p="http://schemas.openxmlformats.org/presentationml/2006/main">
   <p:cSld>
     <p:spTree>
       <p:nvGrpSpPr>
-        <p:cNvPr id="82" name="Shape 82"/>
+        <p:cNvPr id="1" name="Shape 82"/>
         <p:cNvGrpSpPr/>
         <p:nvPr/>
       </p:nvGrpSpPr>
@@ -9584,7 +9822,9 @@
       <p:sp>
         <p:nvSpPr>
           <p:cNvPr id="83" name="Google Shape;83;p16"/>
-          <p:cNvSpPr txBox="1"/>
+          <p:cNvSpPr txBox="1">
+            <a:spLocks noGrp="1"/>
+          </p:cNvSpPr>
           <p:nvPr>
             <p:ph type="title"/>
           </p:nvPr>
@@ -9599,12 +9839,12 @@
           </a:prstGeom>
         </p:spPr>
         <p:txBody>
-          <a:bodyPr anchorCtr="0" anchor="t" bIns="91425" lIns="91425" spcFirstLastPara="1" rIns="91425" wrap="square" tIns="91425">
+          <a:bodyPr spcFirstLastPara="1" wrap="square" lIns="91425" tIns="91425" rIns="91425" bIns="91425" anchor="t" anchorCtr="0">
             <a:normAutofit/>
           </a:bodyPr>
           <a:lstStyle/>
           <a:p>
-            <a:pPr indent="0" lvl="0" marL="0" rtl="0" algn="l">
+            <a:pPr marL="0" lvl="0" indent="0" algn="l" rtl="0">
               <a:spcBef>
                 <a:spcPts val="0"/>
               </a:spcBef>
@@ -9624,9 +9864,11 @@
       <p:sp>
         <p:nvSpPr>
           <p:cNvPr id="84" name="Google Shape;84;p16"/>
-          <p:cNvSpPr txBox="1"/>
+          <p:cNvSpPr txBox="1">
+            <a:spLocks noGrp="1"/>
+          </p:cNvSpPr>
           <p:nvPr>
-            <p:ph idx="1" type="body"/>
+            <p:ph type="body" idx="1"/>
           </p:nvPr>
         </p:nvSpPr>
         <p:spPr>
@@ -9639,12 +9881,12 @@
           </a:prstGeom>
         </p:spPr>
         <p:txBody>
-          <a:bodyPr anchorCtr="0" anchor="t" bIns="91425" lIns="91425" spcFirstLastPara="1" rIns="91425" wrap="square" tIns="91425">
-            <a:normAutofit fontScale="62500" lnSpcReduction="20000"/>
+          <a:bodyPr spcFirstLastPara="1" wrap="square" lIns="91425" tIns="91425" rIns="91425" bIns="91425" anchor="t" anchorCtr="0">
+            <a:normAutofit fontScale="92500" lnSpcReduction="20000"/>
           </a:bodyPr>
           <a:lstStyle/>
           <a:p>
-            <a:pPr indent="0" lvl="0" marL="0" rtl="0" algn="l">
+            <a:pPr marL="0" lvl="0" indent="0" algn="l" rtl="0">
               <a:spcBef>
                 <a:spcPts val="0"/>
               </a:spcBef>
@@ -9654,17 +9896,17 @@
               <a:buNone/>
             </a:pPr>
             <a:r>
-              <a:rPr lang="en" sz="2100"/>
-              <a:t>In</a:t>
+              <a:rPr lang="en" sz="1500" dirty="0">
+                <a:latin typeface="Merriweather" pitchFamily="2" charset="77"/>
+              </a:rPr>
+              <a:t>Independent: Walkability Index (EPA)</a:t>
             </a:r>
-            <a:r>
-              <a:rPr lang="en" sz="2100"/>
-              <a:t>dependent: Walkability Index (EPA)</a:t>
-            </a:r>
-            <a:endParaRPr sz="2100"/>
-          </a:p>
-          <a:p>
-            <a:pPr indent="-311963" lvl="0" marL="457200" rtl="0" algn="l">
+            <a:endParaRPr sz="1500" dirty="0">
+              <a:latin typeface="Merriweather" pitchFamily="2" charset="77"/>
+            </a:endParaRPr>
+          </a:p>
+          <a:p>
+            <a:pPr marL="457200" lvl="0" indent="-311963" algn="l" rtl="0">
               <a:spcBef>
                 <a:spcPts val="1200"/>
               </a:spcBef>
@@ -9675,13 +9917,17 @@
               <a:buChar char="●"/>
             </a:pPr>
             <a:r>
-              <a:rPr lang="en" sz="2100"/>
+              <a:rPr lang="en" sz="1500" dirty="0">
+                <a:latin typeface="Merriweather" pitchFamily="2" charset="77"/>
+              </a:rPr>
               <a:t>Gives a quantifiable score for the walkability of a “block” which is smaller than a census block.</a:t>
             </a:r>
-            <a:endParaRPr sz="2100"/>
-          </a:p>
-          <a:p>
-            <a:pPr indent="-311963" lvl="0" marL="457200" rtl="0" algn="l">
+            <a:endParaRPr sz="1500" dirty="0">
+              <a:latin typeface="Merriweather" pitchFamily="2" charset="77"/>
+            </a:endParaRPr>
+          </a:p>
+          <a:p>
+            <a:pPr marL="457200" lvl="0" indent="-311963" algn="l" rtl="0">
               <a:spcBef>
                 <a:spcPts val="0"/>
               </a:spcBef>
@@ -9692,13 +9938,17 @@
               <a:buChar char="●"/>
             </a:pPr>
             <a:r>
-              <a:rPr lang="en" sz="2100"/>
+              <a:rPr lang="en" sz="1500" dirty="0">
+                <a:latin typeface="Merriweather" pitchFamily="2" charset="77"/>
+              </a:rPr>
               <a:t>Represents the parts of urban design that may influence mental health outcomes.  </a:t>
             </a:r>
-            <a:endParaRPr sz="2100"/>
-          </a:p>
-          <a:p>
-            <a:pPr indent="0" lvl="0" marL="0" rtl="0" algn="l">
+            <a:endParaRPr sz="1500" dirty="0">
+              <a:latin typeface="Merriweather" pitchFamily="2" charset="77"/>
+            </a:endParaRPr>
+          </a:p>
+          <a:p>
+            <a:pPr marL="0" lvl="0" indent="0" algn="l" rtl="0">
               <a:spcBef>
                 <a:spcPts val="1200"/>
               </a:spcBef>
@@ -9708,13 +9958,17 @@
               <a:buNone/>
             </a:pPr>
             <a:r>
-              <a:rPr lang="en" sz="2100"/>
+              <a:rPr lang="en" sz="1500" dirty="0">
+                <a:latin typeface="Merriweather" pitchFamily="2" charset="77"/>
+              </a:rPr>
               <a:t>Dependent: Depression (CDC)</a:t>
             </a:r>
-            <a:endParaRPr sz="2100"/>
-          </a:p>
-          <a:p>
-            <a:pPr indent="-311963" lvl="0" marL="457200" rtl="0" algn="l">
+            <a:endParaRPr sz="1500" dirty="0">
+              <a:latin typeface="Merriweather" pitchFamily="2" charset="77"/>
+            </a:endParaRPr>
+          </a:p>
+          <a:p>
+            <a:pPr marL="457200" lvl="0" indent="-311963" algn="l" rtl="0">
               <a:spcBef>
                 <a:spcPts val="1200"/>
               </a:spcBef>
@@ -9725,13 +9979,17 @@
               <a:buChar char="●"/>
             </a:pPr>
             <a:r>
-              <a:rPr lang="en" sz="2100"/>
+              <a:rPr lang="en" sz="1500" dirty="0">
+                <a:latin typeface="Merriweather" pitchFamily="2" charset="77"/>
+              </a:rPr>
               <a:t>Provides insight in mental well-being of residents. </a:t>
             </a:r>
-            <a:endParaRPr sz="2100"/>
-          </a:p>
-          <a:p>
-            <a:pPr indent="-311963" lvl="0" marL="457200" rtl="0" algn="l">
+            <a:endParaRPr sz="1500" dirty="0">
+              <a:latin typeface="Merriweather" pitchFamily="2" charset="77"/>
+            </a:endParaRPr>
+          </a:p>
+          <a:p>
+            <a:pPr marL="457200" lvl="0" indent="-311963" algn="l" rtl="0">
               <a:spcBef>
                 <a:spcPts val="0"/>
               </a:spcBef>
@@ -9742,13 +10000,41 @@
               <a:buChar char="●"/>
             </a:pPr>
             <a:r>
-              <a:rPr lang="en" sz="2100"/>
+              <a:rPr lang="en" sz="1500" dirty="0">
+                <a:latin typeface="Merriweather" pitchFamily="2" charset="77"/>
+              </a:rPr>
               <a:t>Helps us understand the mental health impacts of urban planning.</a:t>
             </a:r>
-            <a:endParaRPr sz="2100"/>
-          </a:p>
-          <a:p>
-            <a:pPr indent="0" lvl="0" marL="0" rtl="0" algn="l">
+            <a:endParaRPr sz="1500" dirty="0">
+              <a:latin typeface="Merriweather" pitchFamily="2" charset="77"/>
+            </a:endParaRPr>
+          </a:p>
+          <a:p>
+            <a:pPr marL="0" lvl="0" indent="0" algn="l" rtl="0">
+              <a:spcBef>
+                <a:spcPts val="1200"/>
+              </a:spcBef>
+              <a:spcAft>
+                <a:spcPts val="0"/>
+              </a:spcAft>
+              <a:buNone/>
+            </a:pPr>
+            <a:endParaRPr dirty="0"/>
+          </a:p>
+          <a:p>
+            <a:pPr marL="0" lvl="0" indent="0" algn="l" rtl="0">
+              <a:spcBef>
+                <a:spcPts val="1200"/>
+              </a:spcBef>
+              <a:spcAft>
+                <a:spcPts val="0"/>
+              </a:spcAft>
+              <a:buNone/>
+            </a:pPr>
+            <a:endParaRPr dirty="0"/>
+          </a:p>
+          <a:p>
+            <a:pPr marL="0" lvl="0" indent="0" algn="l" rtl="0">
               <a:spcBef>
                 <a:spcPts val="1200"/>
               </a:spcBef>
@@ -9758,43 +10044,13 @@
               <a:buNone/>
             </a:pPr>
             <a:r>
-              <a:t/>
-            </a:r>
-            <a:endParaRPr/>
-          </a:p>
-          <a:p>
-            <a:pPr indent="0" lvl="0" marL="0" rtl="0" algn="l">
-              <a:spcBef>
-                <a:spcPts val="1200"/>
-              </a:spcBef>
-              <a:spcAft>
-                <a:spcPts val="0"/>
-              </a:spcAft>
-              <a:buNone/>
-            </a:pPr>
-            <a:r>
-              <a:t/>
-            </a:r>
-            <a:endParaRPr/>
-          </a:p>
-          <a:p>
-            <a:pPr indent="0" lvl="0" marL="0" rtl="0" algn="l">
-              <a:spcBef>
-                <a:spcPts val="1200"/>
-              </a:spcBef>
-              <a:spcAft>
-                <a:spcPts val="0"/>
-              </a:spcAft>
-              <a:buNone/>
-            </a:pPr>
-            <a:r>
-              <a:rPr lang="en"/>
+              <a:rPr lang="en" dirty="0"/>
               <a:t> </a:t>
             </a:r>
-            <a:endParaRPr/>
-          </a:p>
-          <a:p>
-            <a:pPr indent="0" lvl="0" marL="0" rtl="0" algn="l">
+            <a:endParaRPr dirty="0"/>
+          </a:p>
+          <a:p>
+            <a:pPr marL="0" lvl="0" indent="0" algn="l" rtl="0">
               <a:spcBef>
                 <a:spcPts val="1200"/>
               </a:spcBef>
@@ -9803,13 +10059,10 @@
               </a:spcAft>
               <a:buNone/>
             </a:pPr>
-            <a:r>
-              <a:t/>
-            </a:r>
-            <a:endParaRPr/>
-          </a:p>
-          <a:p>
-            <a:pPr indent="0" lvl="0" marL="0" rtl="0" algn="l">
+            <a:endParaRPr dirty="0"/>
+          </a:p>
+          <a:p>
+            <a:pPr marL="0" lvl="0" indent="0" algn="l" rtl="0">
               <a:spcBef>
                 <a:spcPts val="1200"/>
               </a:spcBef>
@@ -9818,10 +10071,7 @@
               </a:spcAft>
               <a:buNone/>
             </a:pPr>
-            <a:r>
-              <a:t/>
-            </a:r>
-            <a:endParaRPr/>
+            <a:endParaRPr dirty="0"/>
           </a:p>
         </p:txBody>
       </p:sp>
@@ -9869,7 +10119,7 @@
         </p:blipFill>
         <p:spPr>
           <a:xfrm>
-            <a:off x="4836848" y="3373069"/>
+            <a:off x="4758312" y="3643413"/>
             <a:ext cx="4009326" cy="1198908"/>
           </a:xfrm>
           <a:prstGeom prst="rect">
@@ -9890,11 +10140,11 @@
 </file>
 
 <file path=ppt/slides/slide5.xml><?xml version="1.0" encoding="utf-8"?>
-<p:sld xmlns:a="http://schemas.openxmlformats.org/drawingml/2006/main" xmlns:r="http://schemas.openxmlformats.org/officeDocument/2006/relationships" xmlns:mc="http://schemas.openxmlformats.org/markup-compatibility/2006" xmlns:mv="urn:schemas-microsoft-com:mac:vml" xmlns:p="http://schemas.openxmlformats.org/presentationml/2006/main" xmlns:c="http://schemas.openxmlformats.org/drawingml/2006/chart" xmlns:dgm="http://schemas.openxmlformats.org/drawingml/2006/diagram" xmlns:o="urn:schemas-microsoft-com:office:office" xmlns:v="urn:schemas-microsoft-com:vml" xmlns:pvml="urn:schemas-microsoft-com:office:powerpoint" xmlns:com="http://schemas.openxmlformats.org/drawingml/2006/compatibility" xmlns:p14="http://schemas.microsoft.com/office/powerpoint/2010/main" xmlns:p15="http://schemas.microsoft.com/office/powerpoint/2012/main" xmlns:ahyp="http://schemas.microsoft.com/office/drawing/2018/hyperlinkcolor">
+<p:sld xmlns:a="http://schemas.openxmlformats.org/drawingml/2006/main" xmlns:r="http://schemas.openxmlformats.org/officeDocument/2006/relationships" xmlns:p="http://schemas.openxmlformats.org/presentationml/2006/main">
   <p:cSld>
     <p:spTree>
       <p:nvGrpSpPr>
-        <p:cNvPr id="90" name="Shape 90"/>
+        <p:cNvPr id="1" name="Shape 90"/>
         <p:cNvGrpSpPr/>
         <p:nvPr/>
       </p:nvGrpSpPr>
@@ -9909,9 +10159,11 @@
       <p:sp>
         <p:nvSpPr>
           <p:cNvPr id="91" name="Google Shape;91;p17"/>
-          <p:cNvSpPr txBox="1"/>
+          <p:cNvSpPr txBox="1">
+            <a:spLocks noGrp="1"/>
+          </p:cNvSpPr>
           <p:nvPr>
-            <p:ph idx="4294967295" type="title"/>
+            <p:ph type="title" idx="4294967295"/>
           </p:nvPr>
         </p:nvSpPr>
         <p:spPr>
@@ -9924,12 +10176,12 @@
           </a:prstGeom>
         </p:spPr>
         <p:txBody>
-          <a:bodyPr anchorCtr="0" anchor="t" bIns="91425" lIns="91425" spcFirstLastPara="1" rIns="91425" wrap="square" tIns="91425">
+          <a:bodyPr spcFirstLastPara="1" wrap="square" lIns="91425" tIns="91425" rIns="91425" bIns="91425" anchor="t" anchorCtr="0">
             <a:normAutofit/>
           </a:bodyPr>
           <a:lstStyle/>
           <a:p>
-            <a:pPr indent="0" lvl="0" marL="0" rtl="0" algn="l">
+            <a:pPr marL="0" lvl="0" indent="0" algn="l" rtl="0">
               <a:spcBef>
                 <a:spcPts val="0"/>
               </a:spcBef>
@@ -9938,13 +10190,10 @@
               </a:spcAft>
               <a:buNone/>
             </a:pPr>
-            <a:r>
-              <a:t/>
-            </a:r>
             <a:endParaRPr/>
           </a:p>
           <a:p>
-            <a:pPr indent="0" lvl="0" marL="0" rtl="0" algn="l">
+            <a:pPr marL="0" lvl="0" indent="0" algn="l" rtl="0">
               <a:spcBef>
                 <a:spcPts val="0"/>
               </a:spcBef>
@@ -9953,13 +10202,10 @@
               </a:spcAft>
               <a:buNone/>
             </a:pPr>
-            <a:r>
-              <a:t/>
-            </a:r>
             <a:endParaRPr/>
           </a:p>
           <a:p>
-            <a:pPr indent="0" lvl="0" marL="0" rtl="0" algn="l">
+            <a:pPr marL="0" lvl="0" indent="0" algn="l" rtl="0">
               <a:spcBef>
                 <a:spcPts val="0"/>
               </a:spcBef>
@@ -9968,13 +10214,10 @@
               </a:spcAft>
               <a:buNone/>
             </a:pPr>
-            <a:r>
-              <a:t/>
-            </a:r>
             <a:endParaRPr/>
           </a:p>
           <a:p>
-            <a:pPr indent="0" lvl="0" marL="0" rtl="0" algn="l">
+            <a:pPr marL="0" lvl="0" indent="0" algn="l" rtl="0">
               <a:spcBef>
                 <a:spcPts val="0"/>
               </a:spcBef>
@@ -9983,9 +10226,6 @@
               </a:spcAft>
               <a:buNone/>
             </a:pPr>
-            <a:r>
-              <a:t/>
-            </a:r>
             <a:endParaRPr/>
           </a:p>
         </p:txBody>
@@ -9993,9 +10233,11 @@
       <p:sp>
         <p:nvSpPr>
           <p:cNvPr id="92" name="Google Shape;92;p17"/>
-          <p:cNvSpPr txBox="1"/>
+          <p:cNvSpPr txBox="1">
+            <a:spLocks noGrp="1"/>
+          </p:cNvSpPr>
           <p:nvPr>
-            <p:ph idx="1" type="body"/>
+            <p:ph type="body" idx="1"/>
           </p:nvPr>
         </p:nvSpPr>
         <p:spPr>
@@ -10008,12 +10250,12 @@
           </a:prstGeom>
         </p:spPr>
         <p:txBody>
-          <a:bodyPr anchorCtr="0" anchor="ctr" bIns="91425" lIns="91425" spcFirstLastPara="1" rIns="91425" wrap="square" tIns="91425">
+          <a:bodyPr spcFirstLastPara="1" wrap="square" lIns="91425" tIns="91425" rIns="91425" bIns="91425" anchor="ctr" anchorCtr="0">
             <a:normAutofit/>
           </a:bodyPr>
           <a:lstStyle/>
           <a:p>
-            <a:pPr indent="0" lvl="0" marL="0" rtl="0" algn="ctr">
+            <a:pPr marL="0" lvl="0" indent="0" algn="ctr" rtl="0">
               <a:spcBef>
                 <a:spcPts val="0"/>
               </a:spcBef>
@@ -10067,11 +10309,11 @@
 </file>
 
 <file path=ppt/slides/slide6.xml><?xml version="1.0" encoding="utf-8"?>
-<p:sld xmlns:a="http://schemas.openxmlformats.org/drawingml/2006/main" xmlns:r="http://schemas.openxmlformats.org/officeDocument/2006/relationships" xmlns:mc="http://schemas.openxmlformats.org/markup-compatibility/2006" xmlns:mv="urn:schemas-microsoft-com:mac:vml" xmlns:p="http://schemas.openxmlformats.org/presentationml/2006/main" xmlns:c="http://schemas.openxmlformats.org/drawingml/2006/chart" xmlns:dgm="http://schemas.openxmlformats.org/drawingml/2006/diagram" xmlns:o="urn:schemas-microsoft-com:office:office" xmlns:v="urn:schemas-microsoft-com:vml" xmlns:pvml="urn:schemas-microsoft-com:office:powerpoint" xmlns:com="http://schemas.openxmlformats.org/drawingml/2006/compatibility" xmlns:p14="http://schemas.microsoft.com/office/powerpoint/2010/main" xmlns:p15="http://schemas.microsoft.com/office/powerpoint/2012/main" xmlns:ahyp="http://schemas.microsoft.com/office/drawing/2018/hyperlinkcolor">
+<p:sld xmlns:a="http://schemas.openxmlformats.org/drawingml/2006/main" xmlns:r="http://schemas.openxmlformats.org/officeDocument/2006/relationships" xmlns:p="http://schemas.openxmlformats.org/presentationml/2006/main">
   <p:cSld>
     <p:spTree>
       <p:nvGrpSpPr>
-        <p:cNvPr id="97" name="Shape 97"/>
+        <p:cNvPr id="1" name="Shape 97"/>
         <p:cNvGrpSpPr/>
         <p:nvPr/>
       </p:nvGrpSpPr>
@@ -10086,9 +10328,11 @@
       <p:sp>
         <p:nvSpPr>
           <p:cNvPr id="98" name="Google Shape;98;p18"/>
-          <p:cNvSpPr txBox="1"/>
+          <p:cNvSpPr txBox="1">
+            <a:spLocks noGrp="1"/>
+          </p:cNvSpPr>
           <p:nvPr>
-            <p:ph idx="1" type="body"/>
+            <p:ph type="body" idx="1"/>
           </p:nvPr>
         </p:nvSpPr>
         <p:spPr>
@@ -10101,12 +10345,12 @@
           </a:prstGeom>
         </p:spPr>
         <p:txBody>
-          <a:bodyPr anchorCtr="0" anchor="ctr" bIns="91425" lIns="91425" spcFirstLastPara="1" rIns="91425" wrap="square" tIns="91425">
+          <a:bodyPr spcFirstLastPara="1" wrap="square" lIns="91425" tIns="91425" rIns="91425" bIns="91425" anchor="ctr" anchorCtr="0">
             <a:normAutofit/>
           </a:bodyPr>
           <a:lstStyle/>
           <a:p>
-            <a:pPr indent="0" lvl="0" marL="0" rtl="0" algn="ctr">
+            <a:pPr marL="0" lvl="0" indent="0" algn="ctr" rtl="0">
               <a:spcBef>
                 <a:spcPts val="0"/>
               </a:spcBef>
@@ -10117,15 +10361,7 @@
             </a:pPr>
             <a:r>
               <a:rPr lang="en" sz="1800"/>
-              <a:t>Austin, Dallas, and </a:t>
-            </a:r>
-            <a:r>
-              <a:rPr lang="en" sz="1800"/>
-              <a:t>Houston</a:t>
-            </a:r>
-            <a:r>
-              <a:rPr lang="en" sz="1800"/>
-              <a:t> Average Depression Rates</a:t>
+              <a:t>Austin, Dallas, and Houston Average Depression Rates</a:t>
             </a:r>
             <a:endParaRPr sz="1800"/>
           </a:p>
@@ -10168,11 +10404,11 @@
 </file>
 
 <file path=ppt/slides/slide7.xml><?xml version="1.0" encoding="utf-8"?>
-<p:sld xmlns:a="http://schemas.openxmlformats.org/drawingml/2006/main" xmlns:r="http://schemas.openxmlformats.org/officeDocument/2006/relationships" xmlns:mc="http://schemas.openxmlformats.org/markup-compatibility/2006" xmlns:mv="urn:schemas-microsoft-com:mac:vml" xmlns:p="http://schemas.openxmlformats.org/presentationml/2006/main" xmlns:c="http://schemas.openxmlformats.org/drawingml/2006/chart" xmlns:dgm="http://schemas.openxmlformats.org/drawingml/2006/diagram" xmlns:o="urn:schemas-microsoft-com:office:office" xmlns:v="urn:schemas-microsoft-com:vml" xmlns:pvml="urn:schemas-microsoft-com:office:powerpoint" xmlns:com="http://schemas.openxmlformats.org/drawingml/2006/compatibility" xmlns:p14="http://schemas.microsoft.com/office/powerpoint/2010/main" xmlns:p15="http://schemas.microsoft.com/office/powerpoint/2012/main" xmlns:ahyp="http://schemas.microsoft.com/office/drawing/2018/hyperlinkcolor">
+<p:sld xmlns:a="http://schemas.openxmlformats.org/drawingml/2006/main" xmlns:r="http://schemas.openxmlformats.org/officeDocument/2006/relationships" xmlns:p="http://schemas.openxmlformats.org/presentationml/2006/main">
   <p:cSld>
     <p:spTree>
       <p:nvGrpSpPr>
-        <p:cNvPr id="103" name="Shape 103"/>
+        <p:cNvPr id="1" name="Shape 103"/>
         <p:cNvGrpSpPr/>
         <p:nvPr/>
       </p:nvGrpSpPr>
@@ -10187,9 +10423,11 @@
       <p:sp>
         <p:nvSpPr>
           <p:cNvPr id="104" name="Google Shape;104;p19"/>
-          <p:cNvSpPr txBox="1"/>
+          <p:cNvSpPr txBox="1">
+            <a:spLocks noGrp="1"/>
+          </p:cNvSpPr>
           <p:nvPr>
-            <p:ph idx="1" type="body"/>
+            <p:ph type="body" idx="1"/>
           </p:nvPr>
         </p:nvSpPr>
         <p:spPr>
@@ -10202,12 +10440,12 @@
           </a:prstGeom>
         </p:spPr>
         <p:txBody>
-          <a:bodyPr anchorCtr="0" anchor="ctr" bIns="91425" lIns="91425" spcFirstLastPara="1" rIns="91425" wrap="square" tIns="91425">
+          <a:bodyPr spcFirstLastPara="1" wrap="square" lIns="91425" tIns="91425" rIns="91425" bIns="91425" anchor="ctr" anchorCtr="0">
             <a:normAutofit/>
           </a:bodyPr>
           <a:lstStyle/>
           <a:p>
-            <a:pPr indent="0" lvl="0" marL="0" rtl="0" algn="ctr">
+            <a:pPr marL="0" lvl="0" indent="0" algn="ctr" rtl="0">
               <a:spcBef>
                 <a:spcPts val="0"/>
               </a:spcBef>
@@ -10261,11 +10499,11 @@
 </file>
 
 <file path=ppt/slides/slide8.xml><?xml version="1.0" encoding="utf-8"?>
-<p:sld xmlns:a="http://schemas.openxmlformats.org/drawingml/2006/main" xmlns:r="http://schemas.openxmlformats.org/officeDocument/2006/relationships" xmlns:mc="http://schemas.openxmlformats.org/markup-compatibility/2006" xmlns:mv="urn:schemas-microsoft-com:mac:vml" xmlns:p="http://schemas.openxmlformats.org/presentationml/2006/main" xmlns:c="http://schemas.openxmlformats.org/drawingml/2006/chart" xmlns:dgm="http://schemas.openxmlformats.org/drawingml/2006/diagram" xmlns:o="urn:schemas-microsoft-com:office:office" xmlns:v="urn:schemas-microsoft-com:vml" xmlns:pvml="urn:schemas-microsoft-com:office:powerpoint" xmlns:com="http://schemas.openxmlformats.org/drawingml/2006/compatibility" xmlns:p14="http://schemas.microsoft.com/office/powerpoint/2010/main" xmlns:p15="http://schemas.microsoft.com/office/powerpoint/2012/main" xmlns:ahyp="http://schemas.microsoft.com/office/drawing/2018/hyperlinkcolor">
+<p:sld xmlns:a="http://schemas.openxmlformats.org/drawingml/2006/main" xmlns:r="http://schemas.openxmlformats.org/officeDocument/2006/relationships" xmlns:p="http://schemas.openxmlformats.org/presentationml/2006/main">
   <p:cSld>
     <p:spTree>
       <p:nvGrpSpPr>
-        <p:cNvPr id="109" name="Shape 109"/>
+        <p:cNvPr id="1" name="Shape 109"/>
         <p:cNvGrpSpPr/>
         <p:nvPr/>
       </p:nvGrpSpPr>
@@ -10280,9 +10518,11 @@
       <p:sp>
         <p:nvSpPr>
           <p:cNvPr id="110" name="Google Shape;110;p20"/>
-          <p:cNvSpPr txBox="1"/>
+          <p:cNvSpPr txBox="1">
+            <a:spLocks noGrp="1"/>
+          </p:cNvSpPr>
           <p:nvPr>
-            <p:ph idx="1" type="body"/>
+            <p:ph type="body" idx="1"/>
           </p:nvPr>
         </p:nvSpPr>
         <p:spPr>
@@ -10295,12 +10535,12 @@
           </a:prstGeom>
         </p:spPr>
         <p:txBody>
-          <a:bodyPr anchorCtr="0" anchor="ctr" bIns="91425" lIns="91425" spcFirstLastPara="1" rIns="91425" wrap="square" tIns="91425">
+          <a:bodyPr spcFirstLastPara="1" wrap="square" lIns="91425" tIns="91425" rIns="91425" bIns="91425" anchor="ctr" anchorCtr="0">
             <a:normAutofit/>
           </a:bodyPr>
           <a:lstStyle/>
           <a:p>
-            <a:pPr indent="0" lvl="0" marL="0" rtl="0" algn="ctr">
+            <a:pPr marL="0" lvl="0" indent="0" algn="ctr" rtl="0">
               <a:spcBef>
                 <a:spcPts val="0"/>
               </a:spcBef>
@@ -10354,11 +10594,11 @@
 </file>
 
 <file path=ppt/slides/slide9.xml><?xml version="1.0" encoding="utf-8"?>
-<p:sld xmlns:a="http://schemas.openxmlformats.org/drawingml/2006/main" xmlns:r="http://schemas.openxmlformats.org/officeDocument/2006/relationships" xmlns:mc="http://schemas.openxmlformats.org/markup-compatibility/2006" xmlns:mv="urn:schemas-microsoft-com:mac:vml" xmlns:p="http://schemas.openxmlformats.org/presentationml/2006/main" xmlns:c="http://schemas.openxmlformats.org/drawingml/2006/chart" xmlns:dgm="http://schemas.openxmlformats.org/drawingml/2006/diagram" xmlns:o="urn:schemas-microsoft-com:office:office" xmlns:v="urn:schemas-microsoft-com:vml" xmlns:pvml="urn:schemas-microsoft-com:office:powerpoint" xmlns:com="http://schemas.openxmlformats.org/drawingml/2006/compatibility" xmlns:p14="http://schemas.microsoft.com/office/powerpoint/2010/main" xmlns:p15="http://schemas.microsoft.com/office/powerpoint/2012/main" xmlns:ahyp="http://schemas.microsoft.com/office/drawing/2018/hyperlinkcolor">
+<p:sld xmlns:a="http://schemas.openxmlformats.org/drawingml/2006/main" xmlns:r="http://schemas.openxmlformats.org/officeDocument/2006/relationships" xmlns:p="http://schemas.openxmlformats.org/presentationml/2006/main">
   <p:cSld>
     <p:spTree>
       <p:nvGrpSpPr>
-        <p:cNvPr id="115" name="Shape 115"/>
+        <p:cNvPr id="1" name="Shape 115"/>
         <p:cNvGrpSpPr/>
         <p:nvPr/>
       </p:nvGrpSpPr>
@@ -10373,9 +10613,11 @@
       <p:sp>
         <p:nvSpPr>
           <p:cNvPr id="116" name="Google Shape;116;p21"/>
-          <p:cNvSpPr txBox="1"/>
+          <p:cNvSpPr txBox="1">
+            <a:spLocks noGrp="1"/>
+          </p:cNvSpPr>
           <p:nvPr>
-            <p:ph idx="1" type="body"/>
+            <p:ph type="body" idx="1"/>
           </p:nvPr>
         </p:nvSpPr>
         <p:spPr>
@@ -10388,12 +10630,12 @@
           </a:prstGeom>
         </p:spPr>
         <p:txBody>
-          <a:bodyPr anchorCtr="0" anchor="ctr" bIns="91425" lIns="91425" spcFirstLastPara="1" rIns="91425" wrap="square" tIns="91425">
+          <a:bodyPr spcFirstLastPara="1" wrap="square" lIns="91425" tIns="91425" rIns="91425" bIns="91425" anchor="ctr" anchorCtr="0">
             <a:normAutofit fontScale="92500"/>
           </a:bodyPr>
           <a:lstStyle/>
           <a:p>
-            <a:pPr indent="0" lvl="0" marL="0" rtl="0" algn="ctr">
+            <a:pPr marL="0" lvl="0" indent="0" algn="ctr" rtl="0">
               <a:spcBef>
                 <a:spcPts val="0"/>
               </a:spcBef>
@@ -10447,7 +10689,7 @@
 </file>
 
 <file path=ppt/theme/theme1.xml><?xml version="1.0" encoding="utf-8"?>
-<a:theme xmlns:a="http://schemas.openxmlformats.org/drawingml/2006/main" xmlns:r="http://schemas.openxmlformats.org/officeDocument/2006/relationships" name="Paradigm">
+<a:theme xmlns:a="http://schemas.openxmlformats.org/drawingml/2006/main" name="Paradigm">
   <a:themeElements>
     <a:clrScheme name="Paradigm">
       <a:dk1>
@@ -10722,11 +10964,13 @@
       </a:bgFillStyleLst>
     </a:fmtScheme>
   </a:themeElements>
+  <a:objectDefaults/>
+  <a:extraClrSchemeLst/>
 </a:theme>
 </file>
 
 <file path=ppt/theme/theme2.xml><?xml version="1.0" encoding="utf-8"?>
-<a:theme xmlns:a="http://schemas.openxmlformats.org/drawingml/2006/main" xmlns:r="http://schemas.openxmlformats.org/officeDocument/2006/relationships">
+<a:theme xmlns:a="http://schemas.openxmlformats.org/drawingml/2006/main">
   <a:themeElements>
     <a:clrScheme name="Default">
       <a:dk1>
@@ -11001,5 +11245,7 @@
       </a:bgFillStyleLst>
     </a:fmtScheme>
   </a:themeElements>
+  <a:objectDefaults/>
+  <a:extraClrSchemeLst/>
 </a:theme>
 </file>